--- a/Custom_Ops_Example/Custom_instr.pptx
+++ b/Custom_Ops_Example/Custom_instr.pptx
@@ -5,7 +5,7 @@
     <p:sldMasterId id="2147483648" r:id="rId1"/>
   </p:sldMasterIdLst>
   <p:notesMasterIdLst>
-    <p:notesMasterId r:id="rId20"/>
+    <p:notesMasterId r:id="rId25"/>
   </p:notesMasterIdLst>
   <p:sldIdLst>
     <p:sldId id="256" r:id="rId2"/>
@@ -21,11 +21,16 @@
     <p:sldId id="276" r:id="rId12"/>
     <p:sldId id="281" r:id="rId13"/>
     <p:sldId id="275" r:id="rId14"/>
-    <p:sldId id="279" r:id="rId15"/>
-    <p:sldId id="285" r:id="rId16"/>
-    <p:sldId id="280" r:id="rId17"/>
-    <p:sldId id="286" r:id="rId18"/>
-    <p:sldId id="283" r:id="rId19"/>
+    <p:sldId id="259" r:id="rId15"/>
+    <p:sldId id="288" r:id="rId16"/>
+    <p:sldId id="260" r:id="rId17"/>
+    <p:sldId id="261" r:id="rId18"/>
+    <p:sldId id="287" r:id="rId19"/>
+    <p:sldId id="279" r:id="rId20"/>
+    <p:sldId id="285" r:id="rId21"/>
+    <p:sldId id="280" r:id="rId22"/>
+    <p:sldId id="286" r:id="rId23"/>
+    <p:sldId id="283" r:id="rId24"/>
   </p:sldIdLst>
   <p:sldSz cx="12192000" cy="6858000"/>
   <p:notesSz cx="6858000" cy="9144000"/>
@@ -1107,6 +1112,162 @@
 </p:sldLayout>
 </file>
 
+<file path=ppt/slideLayouts/slideLayout12.xml><?xml version="1.0" encoding="utf-8"?>
+<p:sldLayout xmlns:a="http://schemas.openxmlformats.org/drawingml/2006/main" xmlns:r="http://schemas.openxmlformats.org/officeDocument/2006/relationships" xmlns:p="http://schemas.openxmlformats.org/presentationml/2006/main" type="tx">
+  <p:cSld name="1_Two Content">
+    <p:spTree>
+      <p:nvGrpSpPr>
+        <p:cNvPr id="1" name=""/>
+        <p:cNvGrpSpPr/>
+        <p:nvPr/>
+      </p:nvGrpSpPr>
+      <p:grpSpPr>
+        <a:xfrm>
+          <a:off x="0" y="0"/>
+          <a:ext cx="0" cy="0"/>
+          <a:chOff x="0" y="0"/>
+          <a:chExt cx="0" cy="0"/>
+        </a:xfrm>
+      </p:grpSpPr>
+      <p:sp>
+        <p:nvSpPr>
+          <p:cNvPr id="13" name="PlaceHolder 1"/>
+          <p:cNvSpPr>
+            <a:spLocks noGrp="1"/>
+          </p:cNvSpPr>
+          <p:nvPr>
+            <p:ph type="title"/>
+          </p:nvPr>
+        </p:nvSpPr>
+        <p:spPr>
+          <a:xfrm>
+            <a:off x="438240" y="292320"/>
+            <a:ext cx="11581920" cy="526080"/>
+          </a:xfrm>
+          <a:prstGeom prst="rect">
+            <a:avLst/>
+          </a:prstGeom>
+          <a:noFill/>
+          <a:ln w="0">
+            <a:noFill/>
+          </a:ln>
+        </p:spPr>
+        <p:txBody>
+          <a:bodyPr lIns="0" tIns="0" rIns="0" bIns="0" anchor="ctr">
+            <a:noAutofit/>
+          </a:bodyPr>
+          <a:lstStyle>
+            <a:lvl1pPr indent="0">
+              <a:lnSpc>
+                <a:spcPct val="90000"/>
+              </a:lnSpc>
+              <a:buNone/>
+              <a:defRPr/>
+            </a:lvl1pPr>
+          </a:lstStyle>
+          <a:p>
+            <a:pPr indent="0">
+              <a:lnSpc>
+                <a:spcPct val="90000"/>
+              </a:lnSpc>
+              <a:buNone/>
+            </a:pPr>
+            <a:endParaRPr lang="en-US" sz="2933" b="1" strike="noStrike" spc="-1">
+              <a:solidFill>
+                <a:srgbClr val="191919"/>
+              </a:solidFill>
+              <a:latin typeface="Arial"/>
+            </a:endParaRPr>
+          </a:p>
+        </p:txBody>
+      </p:sp>
+      <p:sp>
+        <p:nvSpPr>
+          <p:cNvPr id="14" name="PlaceHolder 2"/>
+          <p:cNvSpPr>
+            <a:spLocks noGrp="1"/>
+          </p:cNvSpPr>
+          <p:nvPr>
+            <p:ph/>
+          </p:nvPr>
+        </p:nvSpPr>
+        <p:spPr>
+          <a:xfrm>
+            <a:off x="438240" y="1152000"/>
+            <a:ext cx="11273760" cy="5376000"/>
+          </a:xfrm>
+          <a:prstGeom prst="rect">
+            <a:avLst/>
+          </a:prstGeom>
+          <a:noFill/>
+          <a:ln w="0">
+            <a:noFill/>
+          </a:ln>
+        </p:spPr>
+        <p:txBody>
+          <a:bodyPr lIns="0" tIns="0" rIns="0" bIns="0" anchor="t">
+            <a:normAutofit/>
+          </a:bodyPr>
+          <a:lstStyle>
+            <a:lvl1pPr indent="0">
+              <a:spcBef>
+                <a:spcPts val="1273"/>
+              </a:spcBef>
+              <a:buNone/>
+              <a:defRPr/>
+            </a:lvl1pPr>
+          </a:lstStyle>
+          <a:p>
+            <a:pPr indent="0">
+              <a:spcBef>
+                <a:spcPts val="955"/>
+              </a:spcBef>
+              <a:buNone/>
+            </a:pPr>
+            <a:endParaRPr lang="en-US" sz="2400" b="0" strike="noStrike" spc="-1">
+              <a:solidFill>
+                <a:srgbClr val="000000"/>
+              </a:solidFill>
+              <a:latin typeface="Arial"/>
+            </a:endParaRPr>
+          </a:p>
+        </p:txBody>
+      </p:sp>
+      <p:sp>
+        <p:nvSpPr>
+          <p:cNvPr id="4" name="PlaceHolder 3"/>
+          <p:cNvSpPr>
+            <a:spLocks noGrp="1"/>
+          </p:cNvSpPr>
+          <p:nvPr>
+            <p:ph type="sldNum" idx="1"/>
+          </p:nvPr>
+        </p:nvSpPr>
+        <p:spPr/>
+        <p:txBody>
+          <a:bodyPr/>
+          <a:lstStyle/>
+          <a:p>
+            <a:fld id="{8CAB8150-A221-4F41-AD98-3AB8B5920588}" type="slidenum">
+              <a:t>‹#›</a:t>
+            </a:fld>
+            <a:endParaRPr/>
+          </a:p>
+        </p:txBody>
+      </p:sp>
+    </p:spTree>
+    <p:extLst>
+      <p:ext uri="{BB962C8B-B14F-4D97-AF65-F5344CB8AC3E}">
+        <p14:creationId xmlns:p14="http://schemas.microsoft.com/office/powerpoint/2010/main" val="2300005113"/>
+      </p:ext>
+    </p:extLst>
+  </p:cSld>
+  <p:clrMapOvr>
+    <a:masterClrMapping/>
+  </p:clrMapOvr>
+</p:sldLayout>
+</file>
+
 <file path=ppt/slideLayouts/slideLayout2.xml><?xml version="1.0" encoding="utf-8"?>
 <p:sldLayout xmlns:a="http://schemas.openxmlformats.org/drawingml/2006/main" xmlns:r="http://schemas.openxmlformats.org/officeDocument/2006/relationships" xmlns:p="http://schemas.openxmlformats.org/presentationml/2006/main" type="obj" preserve="1">
   <p:cSld name="Title and Content">
@@ -3394,6 +3555,7 @@
     <p:sldLayoutId id="2147483657" r:id="rId9"/>
     <p:sldLayoutId id="2147483658" r:id="rId10"/>
     <p:sldLayoutId id="2147483659" r:id="rId11"/>
+    <p:sldLayoutId id="2147483660" r:id="rId12"/>
   </p:sldLayoutIdLst>
   <p:txStyles>
     <p:titleStyle>
@@ -4468,6 +4630,6789 @@
       </p:grpSpPr>
       <p:sp>
         <p:nvSpPr>
+          <p:cNvPr id="69" name="PlaceHolder 1"/>
+          <p:cNvSpPr>
+            <a:spLocks noGrp="1"/>
+          </p:cNvSpPr>
+          <p:nvPr>
+            <p:ph type="title"/>
+          </p:nvPr>
+        </p:nvSpPr>
+        <p:spPr>
+          <a:xfrm>
+            <a:off x="438240" y="292320"/>
+            <a:ext cx="11581920" cy="526080"/>
+          </a:xfrm>
+          <a:prstGeom prst="rect">
+            <a:avLst/>
+          </a:prstGeom>
+          <a:noFill/>
+          <a:ln w="0">
+            <a:noFill/>
+          </a:ln>
+        </p:spPr>
+        <p:txBody>
+          <a:bodyPr vert="horz" lIns="0" tIns="0" rIns="0" bIns="0" rtlCol="0" anchor="ctr">
+            <a:noAutofit/>
+          </a:bodyPr>
+          <a:lstStyle/>
+          <a:p>
+            <a:r>
+              <a:rPr lang="en-US" sz="2933" b="1" spc="-1">
+                <a:solidFill>
+                  <a:srgbClr val="191919"/>
+                </a:solidFill>
+                <a:latin typeface="Arial"/>
+              </a:rPr>
+              <a:t>System overview</a:t>
+            </a:r>
+          </a:p>
+        </p:txBody>
+      </p:sp>
+      <p:sp>
+        <p:nvSpPr>
+          <p:cNvPr id="70" name="Rectangle 69"/>
+          <p:cNvSpPr/>
+          <p:nvPr/>
+        </p:nvSpPr>
+        <p:spPr>
+          <a:xfrm>
+            <a:off x="7453440" y="1536000"/>
+            <a:ext cx="864000" cy="144000"/>
+          </a:xfrm>
+          <a:prstGeom prst="rect">
+            <a:avLst/>
+          </a:prstGeom>
+          <a:solidFill>
+            <a:srgbClr val="FFFF99"/>
+          </a:solidFill>
+          <a:ln w="7200">
+            <a:solidFill>
+              <a:srgbClr val="000000"/>
+            </a:solidFill>
+            <a:round/>
+          </a:ln>
+        </p:spPr>
+        <p:style>
+          <a:lnRef idx="0">
+            <a:scrgbClr r="0" g="0" b="0"/>
+          </a:lnRef>
+          <a:fillRef idx="0">
+            <a:scrgbClr r="0" g="0" b="0"/>
+          </a:fillRef>
+          <a:effectRef idx="0">
+            <a:scrgbClr r="0" g="0" b="0"/>
+          </a:effectRef>
+          <a:fontRef idx="minor"/>
+        </p:style>
+        <p:txBody>
+          <a:bodyPr wrap="none" lIns="120000" tIns="60000" rIns="120000" bIns="60000" anchor="ctr">
+            <a:noAutofit/>
+          </a:bodyPr>
+          <a:lstStyle/>
+          <a:p>
+            <a:endParaRPr lang="en-AU" sz="2400" spc="-1">
+              <a:solidFill>
+                <a:srgbClr val="000000"/>
+              </a:solidFill>
+              <a:latin typeface="Arial"/>
+            </a:endParaRPr>
+          </a:p>
+        </p:txBody>
+      </p:sp>
+      <p:sp>
+        <p:nvSpPr>
+          <p:cNvPr id="71" name="Rectangle 70"/>
+          <p:cNvSpPr/>
+          <p:nvPr/>
+        </p:nvSpPr>
+        <p:spPr>
+          <a:xfrm>
+            <a:off x="7453440" y="1776000"/>
+            <a:ext cx="864000" cy="144000"/>
+          </a:xfrm>
+          <a:prstGeom prst="rect">
+            <a:avLst/>
+          </a:prstGeom>
+          <a:solidFill>
+            <a:srgbClr val="FFFF99"/>
+          </a:solidFill>
+          <a:ln w="7200">
+            <a:solidFill>
+              <a:srgbClr val="000000"/>
+            </a:solidFill>
+            <a:round/>
+          </a:ln>
+        </p:spPr>
+        <p:style>
+          <a:lnRef idx="0">
+            <a:scrgbClr r="0" g="0" b="0"/>
+          </a:lnRef>
+          <a:fillRef idx="0">
+            <a:scrgbClr r="0" g="0" b="0"/>
+          </a:fillRef>
+          <a:effectRef idx="0">
+            <a:scrgbClr r="0" g="0" b="0"/>
+          </a:effectRef>
+          <a:fontRef idx="minor"/>
+        </p:style>
+        <p:txBody>
+          <a:bodyPr wrap="none" lIns="120000" tIns="60000" rIns="120000" bIns="60000" anchor="ctr">
+            <a:noAutofit/>
+          </a:bodyPr>
+          <a:lstStyle/>
+          <a:p>
+            <a:endParaRPr lang="en-AU" sz="2400" spc="-1">
+              <a:solidFill>
+                <a:srgbClr val="000000"/>
+              </a:solidFill>
+              <a:latin typeface="Arial"/>
+            </a:endParaRPr>
+          </a:p>
+        </p:txBody>
+      </p:sp>
+      <p:sp>
+        <p:nvSpPr>
+          <p:cNvPr id="72" name="Straight Connector 71"/>
+          <p:cNvSpPr/>
+          <p:nvPr/>
+        </p:nvSpPr>
+        <p:spPr>
+          <a:xfrm>
+            <a:off x="7885440" y="1680000"/>
+            <a:ext cx="0" cy="96000"/>
+          </a:xfrm>
+          <a:prstGeom prst="line">
+            <a:avLst/>
+          </a:prstGeom>
+          <a:ln w="18000">
+            <a:solidFill>
+              <a:srgbClr val="000000"/>
+            </a:solidFill>
+            <a:round/>
+            <a:tailEnd type="triangle" w="med" len="med"/>
+          </a:ln>
+        </p:spPr>
+        <p:style>
+          <a:lnRef idx="0">
+            <a:scrgbClr r="0" g="0" b="0"/>
+          </a:lnRef>
+          <a:fillRef idx="0">
+            <a:scrgbClr r="0" g="0" b="0"/>
+          </a:fillRef>
+          <a:effectRef idx="0">
+            <a:scrgbClr r="0" g="0" b="0"/>
+          </a:effectRef>
+          <a:fontRef idx="minor"/>
+        </p:style>
+        <p:txBody>
+          <a:bodyPr lIns="132000" tIns="24000" rIns="132000" bIns="24000" anchor="ctr">
+            <a:noAutofit/>
+          </a:bodyPr>
+          <a:lstStyle/>
+          <a:p>
+            <a:endParaRPr lang="en-AU" sz="2400" spc="-1">
+              <a:solidFill>
+                <a:srgbClr val="000000"/>
+              </a:solidFill>
+              <a:latin typeface="Arial"/>
+            </a:endParaRPr>
+          </a:p>
+        </p:txBody>
+      </p:sp>
+      <p:sp>
+        <p:nvSpPr>
+          <p:cNvPr id="73" name="Rectangle 72"/>
+          <p:cNvSpPr/>
+          <p:nvPr/>
+        </p:nvSpPr>
+        <p:spPr>
+          <a:xfrm>
+            <a:off x="5768640" y="3432000"/>
+            <a:ext cx="864000" cy="312000"/>
+          </a:xfrm>
+          <a:prstGeom prst="rect">
+            <a:avLst/>
+          </a:prstGeom>
+          <a:solidFill>
+            <a:srgbClr val="FFFF99"/>
+          </a:solidFill>
+          <a:ln w="7200">
+            <a:solidFill>
+              <a:srgbClr val="000000"/>
+            </a:solidFill>
+            <a:round/>
+          </a:ln>
+        </p:spPr>
+        <p:style>
+          <a:lnRef idx="0">
+            <a:scrgbClr r="0" g="0" b="0"/>
+          </a:lnRef>
+          <a:fillRef idx="0">
+            <a:scrgbClr r="0" g="0" b="0"/>
+          </a:fillRef>
+          <a:effectRef idx="0">
+            <a:scrgbClr r="0" g="0" b="0"/>
+          </a:effectRef>
+          <a:fontRef idx="minor"/>
+        </p:style>
+        <p:txBody>
+          <a:bodyPr wrap="none" lIns="120000" tIns="60000" rIns="120000" bIns="60000" anchor="ctr">
+            <a:noAutofit/>
+          </a:bodyPr>
+          <a:lstStyle/>
+          <a:p>
+            <a:endParaRPr lang="en-AU" sz="2400" spc="-1">
+              <a:solidFill>
+                <a:srgbClr val="000000"/>
+              </a:solidFill>
+              <a:latin typeface="Arial"/>
+            </a:endParaRPr>
+          </a:p>
+        </p:txBody>
+      </p:sp>
+      <p:sp>
+        <p:nvSpPr>
+          <p:cNvPr id="74" name="Rectangle 73"/>
+          <p:cNvSpPr/>
+          <p:nvPr/>
+        </p:nvSpPr>
+        <p:spPr>
+          <a:xfrm>
+            <a:off x="7448640" y="2016000"/>
+            <a:ext cx="864000" cy="144000"/>
+          </a:xfrm>
+          <a:prstGeom prst="rect">
+            <a:avLst/>
+          </a:prstGeom>
+          <a:solidFill>
+            <a:srgbClr val="FFFF99"/>
+          </a:solidFill>
+          <a:ln w="7200">
+            <a:solidFill>
+              <a:srgbClr val="000000"/>
+            </a:solidFill>
+            <a:round/>
+          </a:ln>
+        </p:spPr>
+        <p:style>
+          <a:lnRef idx="0">
+            <a:scrgbClr r="0" g="0" b="0"/>
+          </a:lnRef>
+          <a:fillRef idx="0">
+            <a:scrgbClr r="0" g="0" b="0"/>
+          </a:fillRef>
+          <a:effectRef idx="0">
+            <a:scrgbClr r="0" g="0" b="0"/>
+          </a:effectRef>
+          <a:fontRef idx="minor"/>
+        </p:style>
+        <p:txBody>
+          <a:bodyPr wrap="none" lIns="120000" tIns="60000" rIns="120000" bIns="60000" anchor="ctr">
+            <a:noAutofit/>
+          </a:bodyPr>
+          <a:lstStyle/>
+          <a:p>
+            <a:endParaRPr lang="en-AU" sz="2400" spc="-1">
+              <a:solidFill>
+                <a:srgbClr val="000000"/>
+              </a:solidFill>
+              <a:latin typeface="Arial"/>
+            </a:endParaRPr>
+          </a:p>
+        </p:txBody>
+      </p:sp>
+      <p:sp>
+        <p:nvSpPr>
+          <p:cNvPr id="75" name="Rectangle 74"/>
+          <p:cNvSpPr/>
+          <p:nvPr/>
+        </p:nvSpPr>
+        <p:spPr>
+          <a:xfrm>
+            <a:off x="7448640" y="2256000"/>
+            <a:ext cx="864000" cy="144000"/>
+          </a:xfrm>
+          <a:prstGeom prst="rect">
+            <a:avLst/>
+          </a:prstGeom>
+          <a:solidFill>
+            <a:srgbClr val="FFFF99"/>
+          </a:solidFill>
+          <a:ln w="7200">
+            <a:solidFill>
+              <a:srgbClr val="000000"/>
+            </a:solidFill>
+            <a:round/>
+          </a:ln>
+        </p:spPr>
+        <p:style>
+          <a:lnRef idx="0">
+            <a:scrgbClr r="0" g="0" b="0"/>
+          </a:lnRef>
+          <a:fillRef idx="0">
+            <a:scrgbClr r="0" g="0" b="0"/>
+          </a:fillRef>
+          <a:effectRef idx="0">
+            <a:scrgbClr r="0" g="0" b="0"/>
+          </a:effectRef>
+          <a:fontRef idx="minor"/>
+        </p:style>
+        <p:txBody>
+          <a:bodyPr wrap="none" lIns="120000" tIns="60000" rIns="120000" bIns="60000" anchor="ctr">
+            <a:noAutofit/>
+          </a:bodyPr>
+          <a:lstStyle/>
+          <a:p>
+            <a:endParaRPr lang="en-AU" sz="2400" spc="-1">
+              <a:solidFill>
+                <a:srgbClr val="000000"/>
+              </a:solidFill>
+              <a:latin typeface="Arial"/>
+            </a:endParaRPr>
+          </a:p>
+        </p:txBody>
+      </p:sp>
+      <p:sp>
+        <p:nvSpPr>
+          <p:cNvPr id="76" name="Straight Connector 75"/>
+          <p:cNvSpPr/>
+          <p:nvPr/>
+        </p:nvSpPr>
+        <p:spPr>
+          <a:xfrm>
+            <a:off x="7885440" y="1920000"/>
+            <a:ext cx="0" cy="96000"/>
+          </a:xfrm>
+          <a:prstGeom prst="line">
+            <a:avLst/>
+          </a:prstGeom>
+          <a:ln w="18000">
+            <a:solidFill>
+              <a:srgbClr val="000000"/>
+            </a:solidFill>
+            <a:round/>
+            <a:tailEnd type="triangle" w="med" len="med"/>
+          </a:ln>
+        </p:spPr>
+        <p:style>
+          <a:lnRef idx="0">
+            <a:scrgbClr r="0" g="0" b="0"/>
+          </a:lnRef>
+          <a:fillRef idx="0">
+            <a:scrgbClr r="0" g="0" b="0"/>
+          </a:fillRef>
+          <a:effectRef idx="0">
+            <a:scrgbClr r="0" g="0" b="0"/>
+          </a:effectRef>
+          <a:fontRef idx="minor"/>
+        </p:style>
+        <p:txBody>
+          <a:bodyPr lIns="132000" tIns="24000" rIns="132000" bIns="24000" anchor="ctr">
+            <a:noAutofit/>
+          </a:bodyPr>
+          <a:lstStyle/>
+          <a:p>
+            <a:endParaRPr lang="en-AU" sz="2400" spc="-1">
+              <a:solidFill>
+                <a:srgbClr val="000000"/>
+              </a:solidFill>
+              <a:latin typeface="Arial"/>
+            </a:endParaRPr>
+          </a:p>
+        </p:txBody>
+      </p:sp>
+      <p:sp>
+        <p:nvSpPr>
+          <p:cNvPr id="77" name="Straight Connector 76"/>
+          <p:cNvSpPr/>
+          <p:nvPr/>
+        </p:nvSpPr>
+        <p:spPr>
+          <a:xfrm flipH="1">
+            <a:off x="6392640" y="3024000"/>
+            <a:ext cx="408000" cy="408000"/>
+          </a:xfrm>
+          <a:prstGeom prst="line">
+            <a:avLst/>
+          </a:prstGeom>
+          <a:ln w="18000">
+            <a:solidFill>
+              <a:srgbClr val="000000"/>
+            </a:solidFill>
+            <a:round/>
+            <a:tailEnd type="triangle" w="med" len="med"/>
+          </a:ln>
+        </p:spPr>
+        <p:style>
+          <a:lnRef idx="0">
+            <a:scrgbClr r="0" g="0" b="0"/>
+          </a:lnRef>
+          <a:fillRef idx="0">
+            <a:scrgbClr r="0" g="0" b="0"/>
+          </a:fillRef>
+          <a:effectRef idx="0">
+            <a:scrgbClr r="0" g="0" b="0"/>
+          </a:effectRef>
+          <a:fontRef idx="minor"/>
+        </p:style>
+        <p:txBody>
+          <a:bodyPr lIns="132000" tIns="72000" rIns="132000" bIns="72000" anchor="ctr">
+            <a:noAutofit/>
+          </a:bodyPr>
+          <a:lstStyle/>
+          <a:p>
+            <a:endParaRPr lang="en-AU" sz="2400" spc="-1">
+              <a:solidFill>
+                <a:srgbClr val="000000"/>
+              </a:solidFill>
+              <a:latin typeface="Arial"/>
+            </a:endParaRPr>
+          </a:p>
+        </p:txBody>
+      </p:sp>
+      <p:sp>
+        <p:nvSpPr>
+          <p:cNvPr id="78" name="Straight Connector 77"/>
+          <p:cNvSpPr/>
+          <p:nvPr/>
+        </p:nvSpPr>
+        <p:spPr>
+          <a:xfrm>
+            <a:off x="7880640" y="2160000"/>
+            <a:ext cx="0" cy="96000"/>
+          </a:xfrm>
+          <a:prstGeom prst="line">
+            <a:avLst/>
+          </a:prstGeom>
+          <a:ln w="18000">
+            <a:solidFill>
+              <a:srgbClr val="000000"/>
+            </a:solidFill>
+            <a:round/>
+            <a:tailEnd type="triangle" w="med" len="med"/>
+          </a:ln>
+        </p:spPr>
+        <p:style>
+          <a:lnRef idx="0">
+            <a:scrgbClr r="0" g="0" b="0"/>
+          </a:lnRef>
+          <a:fillRef idx="0">
+            <a:scrgbClr r="0" g="0" b="0"/>
+          </a:fillRef>
+          <a:effectRef idx="0">
+            <a:scrgbClr r="0" g="0" b="0"/>
+          </a:effectRef>
+          <a:fontRef idx="minor"/>
+        </p:style>
+        <p:txBody>
+          <a:bodyPr lIns="132000" tIns="24000" rIns="132000" bIns="24000" anchor="ctr">
+            <a:noAutofit/>
+          </a:bodyPr>
+          <a:lstStyle/>
+          <a:p>
+            <a:endParaRPr lang="en-AU" sz="2400" spc="-1">
+              <a:solidFill>
+                <a:srgbClr val="000000"/>
+              </a:solidFill>
+              <a:latin typeface="Arial"/>
+            </a:endParaRPr>
+          </a:p>
+        </p:txBody>
+      </p:sp>
+      <p:sp>
+        <p:nvSpPr>
+          <p:cNvPr id="79" name="Rectangle 78"/>
+          <p:cNvSpPr/>
+          <p:nvPr/>
+        </p:nvSpPr>
+        <p:spPr>
+          <a:xfrm>
+            <a:off x="7424640" y="2568000"/>
+            <a:ext cx="864000" cy="144000"/>
+          </a:xfrm>
+          <a:prstGeom prst="rect">
+            <a:avLst/>
+          </a:prstGeom>
+          <a:solidFill>
+            <a:srgbClr val="FFFF99"/>
+          </a:solidFill>
+          <a:ln w="7200">
+            <a:solidFill>
+              <a:srgbClr val="000000"/>
+            </a:solidFill>
+            <a:round/>
+          </a:ln>
+        </p:spPr>
+        <p:style>
+          <a:lnRef idx="0">
+            <a:scrgbClr r="0" g="0" b="0"/>
+          </a:lnRef>
+          <a:fillRef idx="0">
+            <a:scrgbClr r="0" g="0" b="0"/>
+          </a:fillRef>
+          <a:effectRef idx="0">
+            <a:scrgbClr r="0" g="0" b="0"/>
+          </a:effectRef>
+          <a:fontRef idx="minor"/>
+        </p:style>
+        <p:txBody>
+          <a:bodyPr wrap="none" lIns="120000" tIns="60000" rIns="120000" bIns="60000" anchor="ctr">
+            <a:noAutofit/>
+          </a:bodyPr>
+          <a:lstStyle/>
+          <a:p>
+            <a:endParaRPr lang="en-AU" sz="2400" spc="-1">
+              <a:solidFill>
+                <a:srgbClr val="000000"/>
+              </a:solidFill>
+              <a:latin typeface="Arial"/>
+            </a:endParaRPr>
+          </a:p>
+        </p:txBody>
+      </p:sp>
+      <p:sp>
+        <p:nvSpPr>
+          <p:cNvPr id="80" name="Rectangle 79"/>
+          <p:cNvSpPr/>
+          <p:nvPr/>
+        </p:nvSpPr>
+        <p:spPr>
+          <a:xfrm>
+            <a:off x="6800640" y="2808000"/>
+            <a:ext cx="864000" cy="312000"/>
+          </a:xfrm>
+          <a:prstGeom prst="rect">
+            <a:avLst/>
+          </a:prstGeom>
+          <a:solidFill>
+            <a:srgbClr val="FFFF99"/>
+          </a:solidFill>
+          <a:ln w="7200">
+            <a:solidFill>
+              <a:srgbClr val="000000"/>
+            </a:solidFill>
+            <a:round/>
+          </a:ln>
+        </p:spPr>
+        <p:style>
+          <a:lnRef idx="0">
+            <a:scrgbClr r="0" g="0" b="0"/>
+          </a:lnRef>
+          <a:fillRef idx="0">
+            <a:scrgbClr r="0" g="0" b="0"/>
+          </a:fillRef>
+          <a:effectRef idx="0">
+            <a:scrgbClr r="0" g="0" b="0"/>
+          </a:effectRef>
+          <a:fontRef idx="minor"/>
+        </p:style>
+        <p:txBody>
+          <a:bodyPr wrap="none" lIns="120000" tIns="60000" rIns="120000" bIns="60000" anchor="ctr">
+            <a:noAutofit/>
+          </a:bodyPr>
+          <a:lstStyle/>
+          <a:p>
+            <a:endParaRPr lang="en-AU" sz="2400" spc="-1">
+              <a:solidFill>
+                <a:srgbClr val="000000"/>
+              </a:solidFill>
+              <a:latin typeface="Arial"/>
+            </a:endParaRPr>
+          </a:p>
+        </p:txBody>
+      </p:sp>
+      <p:sp>
+        <p:nvSpPr>
+          <p:cNvPr id="81" name="Rectangle 80"/>
+          <p:cNvSpPr/>
+          <p:nvPr/>
+        </p:nvSpPr>
+        <p:spPr>
+          <a:xfrm>
+            <a:off x="5768640" y="2808000"/>
+            <a:ext cx="864000" cy="312000"/>
+          </a:xfrm>
+          <a:prstGeom prst="rect">
+            <a:avLst/>
+          </a:prstGeom>
+          <a:solidFill>
+            <a:srgbClr val="FFFF99"/>
+          </a:solidFill>
+          <a:ln w="7200">
+            <a:solidFill>
+              <a:srgbClr val="000000"/>
+            </a:solidFill>
+            <a:round/>
+          </a:ln>
+        </p:spPr>
+        <p:style>
+          <a:lnRef idx="0">
+            <a:scrgbClr r="0" g="0" b="0"/>
+          </a:lnRef>
+          <a:fillRef idx="0">
+            <a:scrgbClr r="0" g="0" b="0"/>
+          </a:fillRef>
+          <a:effectRef idx="0">
+            <a:scrgbClr r="0" g="0" b="0"/>
+          </a:effectRef>
+          <a:fontRef idx="minor"/>
+        </p:style>
+        <p:txBody>
+          <a:bodyPr wrap="none" lIns="120000" tIns="60000" rIns="120000" bIns="60000" anchor="ctr">
+            <a:noAutofit/>
+          </a:bodyPr>
+          <a:lstStyle/>
+          <a:p>
+            <a:endParaRPr lang="en-AU" sz="2400" spc="-1">
+              <a:solidFill>
+                <a:srgbClr val="000000"/>
+              </a:solidFill>
+              <a:latin typeface="Arial"/>
+            </a:endParaRPr>
+          </a:p>
+        </p:txBody>
+      </p:sp>
+      <p:sp>
+        <p:nvSpPr>
+          <p:cNvPr id="82" name="Rectangle 81"/>
+          <p:cNvSpPr/>
+          <p:nvPr/>
+        </p:nvSpPr>
+        <p:spPr>
+          <a:xfrm>
+            <a:off x="8144640" y="2808000"/>
+            <a:ext cx="576000" cy="384000"/>
+          </a:xfrm>
+          <a:prstGeom prst="rect">
+            <a:avLst/>
+          </a:prstGeom>
+          <a:solidFill>
+            <a:srgbClr val="FFFF99"/>
+          </a:solidFill>
+          <a:ln w="7200">
+            <a:solidFill>
+              <a:srgbClr val="000000"/>
+            </a:solidFill>
+            <a:round/>
+          </a:ln>
+        </p:spPr>
+        <p:style>
+          <a:lnRef idx="0">
+            <a:scrgbClr r="0" g="0" b="0"/>
+          </a:lnRef>
+          <a:fillRef idx="0">
+            <a:scrgbClr r="0" g="0" b="0"/>
+          </a:fillRef>
+          <a:effectRef idx="0">
+            <a:scrgbClr r="0" g="0" b="0"/>
+          </a:effectRef>
+          <a:fontRef idx="minor"/>
+        </p:style>
+        <p:txBody>
+          <a:bodyPr wrap="none" lIns="120000" tIns="60000" rIns="120000" bIns="60000" anchor="ctr">
+            <a:noAutofit/>
+          </a:bodyPr>
+          <a:lstStyle/>
+          <a:p>
+            <a:endParaRPr lang="en-AU" sz="2400" spc="-1">
+              <a:solidFill>
+                <a:srgbClr val="000000"/>
+              </a:solidFill>
+              <a:latin typeface="Arial"/>
+            </a:endParaRPr>
+          </a:p>
+        </p:txBody>
+      </p:sp>
+      <p:sp>
+        <p:nvSpPr>
+          <p:cNvPr id="83" name="Rectangle 82"/>
+          <p:cNvSpPr/>
+          <p:nvPr/>
+        </p:nvSpPr>
+        <p:spPr>
+          <a:xfrm>
+            <a:off x="7472640" y="3432000"/>
+            <a:ext cx="864000" cy="144000"/>
+          </a:xfrm>
+          <a:prstGeom prst="rect">
+            <a:avLst/>
+          </a:prstGeom>
+          <a:solidFill>
+            <a:srgbClr val="FFFF99"/>
+          </a:solidFill>
+          <a:ln w="7200">
+            <a:solidFill>
+              <a:srgbClr val="000000"/>
+            </a:solidFill>
+            <a:round/>
+          </a:ln>
+        </p:spPr>
+        <p:style>
+          <a:lnRef idx="0">
+            <a:scrgbClr r="0" g="0" b="0"/>
+          </a:lnRef>
+          <a:fillRef idx="0">
+            <a:scrgbClr r="0" g="0" b="0"/>
+          </a:fillRef>
+          <a:effectRef idx="0">
+            <a:scrgbClr r="0" g="0" b="0"/>
+          </a:effectRef>
+          <a:fontRef idx="minor"/>
+        </p:style>
+        <p:txBody>
+          <a:bodyPr wrap="none" lIns="120000" tIns="60000" rIns="120000" bIns="60000" anchor="ctr">
+            <a:noAutofit/>
+          </a:bodyPr>
+          <a:lstStyle/>
+          <a:p>
+            <a:endParaRPr lang="en-AU" sz="2400" spc="-1">
+              <a:solidFill>
+                <a:srgbClr val="000000"/>
+              </a:solidFill>
+              <a:latin typeface="Arial"/>
+            </a:endParaRPr>
+          </a:p>
+        </p:txBody>
+      </p:sp>
+      <p:sp>
+        <p:nvSpPr>
+          <p:cNvPr id="84" name="Straight Connector 83"/>
+          <p:cNvSpPr/>
+          <p:nvPr/>
+        </p:nvSpPr>
+        <p:spPr>
+          <a:xfrm>
+            <a:off x="7232640" y="2472000"/>
+            <a:ext cx="0" cy="336000"/>
+          </a:xfrm>
+          <a:prstGeom prst="line">
+            <a:avLst/>
+          </a:prstGeom>
+          <a:ln w="18000">
+            <a:solidFill>
+              <a:srgbClr val="000000"/>
+            </a:solidFill>
+            <a:round/>
+            <a:tailEnd type="triangle" w="med" len="med"/>
+          </a:ln>
+        </p:spPr>
+        <p:style>
+          <a:lnRef idx="0">
+            <a:scrgbClr r="0" g="0" b="0"/>
+          </a:lnRef>
+          <a:fillRef idx="0">
+            <a:scrgbClr r="0" g="0" b="0"/>
+          </a:fillRef>
+          <a:effectRef idx="0">
+            <a:scrgbClr r="0" g="0" b="0"/>
+          </a:effectRef>
+          <a:fontRef idx="minor"/>
+        </p:style>
+        <p:txBody>
+          <a:bodyPr lIns="132000" tIns="72000" rIns="132000" bIns="72000" anchor="ctr">
+            <a:noAutofit/>
+          </a:bodyPr>
+          <a:lstStyle/>
+          <a:p>
+            <a:endParaRPr lang="en-AU" sz="2400" spc="-1">
+              <a:solidFill>
+                <a:srgbClr val="000000"/>
+              </a:solidFill>
+              <a:latin typeface="Arial"/>
+            </a:endParaRPr>
+          </a:p>
+        </p:txBody>
+      </p:sp>
+      <p:sp>
+        <p:nvSpPr>
+          <p:cNvPr id="85" name="Straight Connector 84"/>
+          <p:cNvSpPr/>
+          <p:nvPr/>
+        </p:nvSpPr>
+        <p:spPr>
+          <a:xfrm>
+            <a:off x="7880640" y="2400000"/>
+            <a:ext cx="0" cy="168000"/>
+          </a:xfrm>
+          <a:prstGeom prst="line">
+            <a:avLst/>
+          </a:prstGeom>
+          <a:ln w="18000">
+            <a:solidFill>
+              <a:srgbClr val="000000"/>
+            </a:solidFill>
+            <a:round/>
+            <a:tailEnd type="triangle" w="med" len="med"/>
+          </a:ln>
+        </p:spPr>
+        <p:style>
+          <a:lnRef idx="0">
+            <a:scrgbClr r="0" g="0" b="0"/>
+          </a:lnRef>
+          <a:fillRef idx="0">
+            <a:scrgbClr r="0" g="0" b="0"/>
+          </a:fillRef>
+          <a:effectRef idx="0">
+            <a:scrgbClr r="0" g="0" b="0"/>
+          </a:effectRef>
+          <a:fontRef idx="minor"/>
+        </p:style>
+        <p:txBody>
+          <a:bodyPr lIns="132000" tIns="72000" rIns="132000" bIns="72000" anchor="ctr">
+            <a:noAutofit/>
+          </a:bodyPr>
+          <a:lstStyle/>
+          <a:p>
+            <a:endParaRPr lang="en-AU" sz="2400" spc="-1">
+              <a:solidFill>
+                <a:srgbClr val="000000"/>
+              </a:solidFill>
+              <a:latin typeface="Arial"/>
+            </a:endParaRPr>
+          </a:p>
+        </p:txBody>
+      </p:sp>
+      <p:sp>
+        <p:nvSpPr>
+          <p:cNvPr id="86" name="Straight Connector 85"/>
+          <p:cNvSpPr/>
+          <p:nvPr/>
+        </p:nvSpPr>
+        <p:spPr>
+          <a:xfrm>
+            <a:off x="6248640" y="3120000"/>
+            <a:ext cx="0" cy="312000"/>
+          </a:xfrm>
+          <a:prstGeom prst="line">
+            <a:avLst/>
+          </a:prstGeom>
+          <a:ln w="18000">
+            <a:solidFill>
+              <a:srgbClr val="000000"/>
+            </a:solidFill>
+            <a:round/>
+            <a:headEnd type="triangle" w="med" len="med"/>
+            <a:tailEnd type="triangle" w="med" len="med"/>
+          </a:ln>
+        </p:spPr>
+        <p:style>
+          <a:lnRef idx="0">
+            <a:scrgbClr r="0" g="0" b="0"/>
+          </a:lnRef>
+          <a:fillRef idx="0">
+            <a:scrgbClr r="0" g="0" b="0"/>
+          </a:fillRef>
+          <a:effectRef idx="0">
+            <a:scrgbClr r="0" g="0" b="0"/>
+          </a:effectRef>
+          <a:fontRef idx="minor"/>
+        </p:style>
+        <p:txBody>
+          <a:bodyPr lIns="132000" tIns="72000" rIns="132000" bIns="72000" anchor="ctr">
+            <a:noAutofit/>
+          </a:bodyPr>
+          <a:lstStyle/>
+          <a:p>
+            <a:endParaRPr lang="en-AU" sz="2400" spc="-1">
+              <a:solidFill>
+                <a:srgbClr val="000000"/>
+              </a:solidFill>
+              <a:latin typeface="Arial"/>
+            </a:endParaRPr>
+          </a:p>
+        </p:txBody>
+      </p:sp>
+      <p:sp>
+        <p:nvSpPr>
+          <p:cNvPr id="87" name="Straight Connector 86"/>
+          <p:cNvSpPr/>
+          <p:nvPr/>
+        </p:nvSpPr>
+        <p:spPr>
+          <a:xfrm>
+            <a:off x="7232640" y="3120000"/>
+            <a:ext cx="480000" cy="312000"/>
+          </a:xfrm>
+          <a:prstGeom prst="line">
+            <a:avLst/>
+          </a:prstGeom>
+          <a:ln w="18000">
+            <a:solidFill>
+              <a:srgbClr val="000000"/>
+            </a:solidFill>
+            <a:round/>
+            <a:tailEnd type="triangle" w="med" len="med"/>
+          </a:ln>
+        </p:spPr>
+        <p:style>
+          <a:lnRef idx="0">
+            <a:scrgbClr r="0" g="0" b="0"/>
+          </a:lnRef>
+          <a:fillRef idx="0">
+            <a:scrgbClr r="0" g="0" b="0"/>
+          </a:fillRef>
+          <a:effectRef idx="0">
+            <a:scrgbClr r="0" g="0" b="0"/>
+          </a:effectRef>
+          <a:fontRef idx="minor"/>
+        </p:style>
+        <p:txBody>
+          <a:bodyPr lIns="132000" tIns="72000" rIns="132000" bIns="72000" anchor="ctr">
+            <a:noAutofit/>
+          </a:bodyPr>
+          <a:lstStyle/>
+          <a:p>
+            <a:endParaRPr lang="en-AU" sz="2400" spc="-1">
+              <a:solidFill>
+                <a:srgbClr val="000000"/>
+              </a:solidFill>
+              <a:latin typeface="Arial"/>
+            </a:endParaRPr>
+          </a:p>
+        </p:txBody>
+      </p:sp>
+      <p:sp>
+        <p:nvSpPr>
+          <p:cNvPr id="88" name="Straight Connector 87"/>
+          <p:cNvSpPr/>
+          <p:nvPr/>
+        </p:nvSpPr>
+        <p:spPr>
+          <a:xfrm>
+            <a:off x="7880640" y="2712000"/>
+            <a:ext cx="0" cy="744000"/>
+          </a:xfrm>
+          <a:prstGeom prst="line">
+            <a:avLst/>
+          </a:prstGeom>
+          <a:ln w="18000">
+            <a:solidFill>
+              <a:srgbClr val="000000"/>
+            </a:solidFill>
+            <a:round/>
+            <a:tailEnd type="triangle" w="med" len="med"/>
+          </a:ln>
+        </p:spPr>
+        <p:style>
+          <a:lnRef idx="0">
+            <a:scrgbClr r="0" g="0" b="0"/>
+          </a:lnRef>
+          <a:fillRef idx="0">
+            <a:scrgbClr r="0" g="0" b="0"/>
+          </a:fillRef>
+          <a:effectRef idx="0">
+            <a:scrgbClr r="0" g="0" b="0"/>
+          </a:effectRef>
+          <a:fontRef idx="minor"/>
+        </p:style>
+        <p:txBody>
+          <a:bodyPr lIns="132000" tIns="72000" rIns="132000" bIns="72000" anchor="ctr">
+            <a:noAutofit/>
+          </a:bodyPr>
+          <a:lstStyle/>
+          <a:p>
+            <a:endParaRPr lang="en-AU" sz="2400" spc="-1">
+              <a:solidFill>
+                <a:srgbClr val="000000"/>
+              </a:solidFill>
+              <a:latin typeface="Arial"/>
+            </a:endParaRPr>
+          </a:p>
+        </p:txBody>
+      </p:sp>
+      <p:sp>
+        <p:nvSpPr>
+          <p:cNvPr id="89" name="Straight Connector 88"/>
+          <p:cNvSpPr/>
+          <p:nvPr/>
+        </p:nvSpPr>
+        <p:spPr>
+          <a:xfrm flipH="1" flipV="1">
+            <a:off x="4272000" y="1824000"/>
+            <a:ext cx="3181440" cy="24000"/>
+          </a:xfrm>
+          <a:prstGeom prst="line">
+            <a:avLst/>
+          </a:prstGeom>
+          <a:ln w="18000">
+            <a:solidFill>
+              <a:srgbClr val="3465A4"/>
+            </a:solidFill>
+            <a:round/>
+            <a:headEnd type="triangle" w="med" len="med"/>
+            <a:tailEnd type="triangle" w="med" len="med"/>
+          </a:ln>
+        </p:spPr>
+        <p:style>
+          <a:lnRef idx="0">
+            <a:scrgbClr r="0" g="0" b="0"/>
+          </a:lnRef>
+          <a:fillRef idx="0">
+            <a:scrgbClr r="0" g="0" b="0"/>
+          </a:fillRef>
+          <a:effectRef idx="0">
+            <a:scrgbClr r="0" g="0" b="0"/>
+          </a:effectRef>
+          <a:fontRef idx="minor"/>
+        </p:style>
+        <p:txBody>
+          <a:bodyPr lIns="132000" tIns="-48000" rIns="132000" bIns="-48000" anchor="ctr">
+            <a:noAutofit/>
+          </a:bodyPr>
+          <a:lstStyle/>
+          <a:p>
+            <a:endParaRPr lang="en-AU" sz="2400" spc="-1">
+              <a:solidFill>
+                <a:srgbClr val="000000"/>
+              </a:solidFill>
+              <a:latin typeface="Arial"/>
+            </a:endParaRPr>
+          </a:p>
+        </p:txBody>
+      </p:sp>
+      <p:sp>
+        <p:nvSpPr>
+          <p:cNvPr id="90" name="Straight Connector 89"/>
+          <p:cNvSpPr/>
+          <p:nvPr/>
+        </p:nvSpPr>
+        <p:spPr>
+          <a:xfrm flipH="1" flipV="1">
+            <a:off x="4272000" y="2064000"/>
+            <a:ext cx="1496640" cy="816000"/>
+          </a:xfrm>
+          <a:prstGeom prst="line">
+            <a:avLst/>
+          </a:prstGeom>
+          <a:ln w="18000">
+            <a:solidFill>
+              <a:srgbClr val="3465A4"/>
+            </a:solidFill>
+            <a:round/>
+            <a:headEnd type="triangle" w="med" len="med"/>
+            <a:tailEnd type="triangle" w="med" len="med"/>
+          </a:ln>
+        </p:spPr>
+        <p:style>
+          <a:lnRef idx="0">
+            <a:scrgbClr r="0" g="0" b="0"/>
+          </a:lnRef>
+          <a:fillRef idx="0">
+            <a:scrgbClr r="0" g="0" b="0"/>
+          </a:fillRef>
+          <a:effectRef idx="0">
+            <a:scrgbClr r="0" g="0" b="0"/>
+          </a:effectRef>
+          <a:fontRef idx="minor"/>
+        </p:style>
+        <p:txBody>
+          <a:bodyPr lIns="132000" tIns="72000" rIns="132000" bIns="72000" anchor="ctr">
+            <a:noAutofit/>
+          </a:bodyPr>
+          <a:lstStyle/>
+          <a:p>
+            <a:endParaRPr lang="en-AU" sz="2400" spc="-1">
+              <a:solidFill>
+                <a:srgbClr val="000000"/>
+              </a:solidFill>
+              <a:latin typeface="Arial"/>
+            </a:endParaRPr>
+          </a:p>
+        </p:txBody>
+      </p:sp>
+      <p:sp>
+        <p:nvSpPr>
+          <p:cNvPr id="91" name="Rectangle 90"/>
+          <p:cNvSpPr/>
+          <p:nvPr/>
+        </p:nvSpPr>
+        <p:spPr>
+          <a:xfrm>
+            <a:off x="8624640" y="3312000"/>
+            <a:ext cx="864000" cy="144000"/>
+          </a:xfrm>
+          <a:prstGeom prst="rect">
+            <a:avLst/>
+          </a:prstGeom>
+          <a:solidFill>
+            <a:srgbClr val="FFFF99"/>
+          </a:solidFill>
+          <a:ln w="7200">
+            <a:solidFill>
+              <a:srgbClr val="000000"/>
+            </a:solidFill>
+            <a:round/>
+          </a:ln>
+        </p:spPr>
+        <p:style>
+          <a:lnRef idx="0">
+            <a:scrgbClr r="0" g="0" b="0"/>
+          </a:lnRef>
+          <a:fillRef idx="0">
+            <a:scrgbClr r="0" g="0" b="0"/>
+          </a:fillRef>
+          <a:effectRef idx="0">
+            <a:scrgbClr r="0" g="0" b="0"/>
+          </a:effectRef>
+          <a:fontRef idx="minor"/>
+        </p:style>
+        <p:txBody>
+          <a:bodyPr wrap="none" lIns="120000" tIns="60000" rIns="120000" bIns="60000" anchor="ctr">
+            <a:noAutofit/>
+          </a:bodyPr>
+          <a:lstStyle/>
+          <a:p>
+            <a:endParaRPr lang="en-AU" sz="2400" spc="-1">
+              <a:solidFill>
+                <a:srgbClr val="000000"/>
+              </a:solidFill>
+              <a:latin typeface="Arial"/>
+            </a:endParaRPr>
+          </a:p>
+        </p:txBody>
+      </p:sp>
+      <p:sp>
+        <p:nvSpPr>
+          <p:cNvPr id="92" name="Rectangle 91"/>
+          <p:cNvSpPr/>
+          <p:nvPr/>
+        </p:nvSpPr>
+        <p:spPr>
+          <a:xfrm>
+            <a:off x="8624640" y="3528000"/>
+            <a:ext cx="864000" cy="144000"/>
+          </a:xfrm>
+          <a:prstGeom prst="rect">
+            <a:avLst/>
+          </a:prstGeom>
+          <a:solidFill>
+            <a:srgbClr val="FFFF99"/>
+          </a:solidFill>
+          <a:ln w="7200">
+            <a:solidFill>
+              <a:srgbClr val="000000"/>
+            </a:solidFill>
+            <a:round/>
+          </a:ln>
+        </p:spPr>
+        <p:style>
+          <a:lnRef idx="0">
+            <a:scrgbClr r="0" g="0" b="0"/>
+          </a:lnRef>
+          <a:fillRef idx="0">
+            <a:scrgbClr r="0" g="0" b="0"/>
+          </a:fillRef>
+          <a:effectRef idx="0">
+            <a:scrgbClr r="0" g="0" b="0"/>
+          </a:effectRef>
+          <a:fontRef idx="minor"/>
+        </p:style>
+        <p:txBody>
+          <a:bodyPr wrap="none" lIns="120000" tIns="60000" rIns="120000" bIns="60000" anchor="ctr">
+            <a:noAutofit/>
+          </a:bodyPr>
+          <a:lstStyle/>
+          <a:p>
+            <a:endParaRPr lang="en-AU" sz="2400" spc="-1">
+              <a:solidFill>
+                <a:srgbClr val="000000"/>
+              </a:solidFill>
+              <a:latin typeface="Arial"/>
+            </a:endParaRPr>
+          </a:p>
+        </p:txBody>
+      </p:sp>
+      <p:sp>
+        <p:nvSpPr>
+          <p:cNvPr id="93" name="Straight Connector 92"/>
+          <p:cNvSpPr/>
+          <p:nvPr/>
+        </p:nvSpPr>
+        <p:spPr>
+          <a:xfrm>
+            <a:off x="8336640" y="3528000"/>
+            <a:ext cx="288000" cy="72000"/>
+          </a:xfrm>
+          <a:prstGeom prst="line">
+            <a:avLst/>
+          </a:prstGeom>
+          <a:ln w="18000">
+            <a:solidFill>
+              <a:srgbClr val="000000"/>
+            </a:solidFill>
+            <a:round/>
+            <a:tailEnd type="triangle" w="med" len="med"/>
+          </a:ln>
+        </p:spPr>
+        <p:style>
+          <a:lnRef idx="0">
+            <a:scrgbClr r="0" g="0" b="0"/>
+          </a:lnRef>
+          <a:fillRef idx="0">
+            <a:scrgbClr r="0" g="0" b="0"/>
+          </a:fillRef>
+          <a:effectRef idx="0">
+            <a:scrgbClr r="0" g="0" b="0"/>
+          </a:effectRef>
+          <a:fontRef idx="minor"/>
+        </p:style>
+        <p:txBody>
+          <a:bodyPr lIns="132000" tIns="0" rIns="132000" bIns="0" anchor="ctr">
+            <a:noAutofit/>
+          </a:bodyPr>
+          <a:lstStyle/>
+          <a:p>
+            <a:endParaRPr lang="en-AU" sz="2400" spc="-1">
+              <a:solidFill>
+                <a:srgbClr val="000000"/>
+              </a:solidFill>
+              <a:latin typeface="Arial"/>
+            </a:endParaRPr>
+          </a:p>
+        </p:txBody>
+      </p:sp>
+      <p:sp>
+        <p:nvSpPr>
+          <p:cNvPr id="94" name="Straight Connector 93"/>
+          <p:cNvSpPr/>
+          <p:nvPr/>
+        </p:nvSpPr>
+        <p:spPr>
+          <a:xfrm flipV="1">
+            <a:off x="8336640" y="3384000"/>
+            <a:ext cx="288000" cy="96000"/>
+          </a:xfrm>
+          <a:prstGeom prst="line">
+            <a:avLst/>
+          </a:prstGeom>
+          <a:ln w="18000">
+            <a:solidFill>
+              <a:srgbClr val="000000"/>
+            </a:solidFill>
+            <a:round/>
+            <a:tailEnd type="triangle" w="med" len="med"/>
+          </a:ln>
+        </p:spPr>
+        <p:style>
+          <a:lnRef idx="0">
+            <a:scrgbClr r="0" g="0" b="0"/>
+          </a:lnRef>
+          <a:fillRef idx="0">
+            <a:scrgbClr r="0" g="0" b="0"/>
+          </a:fillRef>
+          <a:effectRef idx="0">
+            <a:scrgbClr r="0" g="0" b="0"/>
+          </a:effectRef>
+          <a:fontRef idx="minor"/>
+        </p:style>
+        <p:txBody>
+          <a:bodyPr lIns="132000" tIns="24000" rIns="132000" bIns="24000" anchor="ctr">
+            <a:noAutofit/>
+          </a:bodyPr>
+          <a:lstStyle/>
+          <a:p>
+            <a:endParaRPr lang="en-AU" sz="2400" spc="-1">
+              <a:solidFill>
+                <a:srgbClr val="000000"/>
+              </a:solidFill>
+              <a:latin typeface="Arial"/>
+            </a:endParaRPr>
+          </a:p>
+        </p:txBody>
+      </p:sp>
+      <p:cxnSp>
+        <p:nvCxnSpPr>
+          <p:cNvPr id="95" name="Elbow Connector 94"/>
+          <p:cNvCxnSpPr>
+            <a:stCxn id="91" idx="3"/>
+            <a:endCxn id="75" idx="3"/>
+          </p:cNvCxnSpPr>
+          <p:nvPr/>
+        </p:nvCxnSpPr>
+        <p:spPr>
+          <a:xfrm flipH="1" flipV="1">
+            <a:off x="8312640" y="2328000"/>
+            <a:ext cx="1176480" cy="1056480"/>
+          </a:xfrm>
+          <a:prstGeom prst="bentConnector3">
+            <a:avLst>
+              <a:gd name="adj1" fmla="val -20816"/>
+            </a:avLst>
+          </a:prstGeom>
+          <a:ln w="18000">
+            <a:solidFill>
+              <a:srgbClr val="000000"/>
+            </a:solidFill>
+            <a:round/>
+            <a:tailEnd type="triangle" w="med" len="med"/>
+          </a:ln>
+        </p:spPr>
+      </p:cxnSp>
+      <p:cxnSp>
+        <p:nvCxnSpPr>
+          <p:cNvPr id="96" name="Elbow Connector 95"/>
+          <p:cNvCxnSpPr>
+            <a:stCxn id="92" idx="3"/>
+            <a:endCxn id="75" idx="3"/>
+          </p:cNvCxnSpPr>
+          <p:nvPr/>
+        </p:nvCxnSpPr>
+        <p:spPr>
+          <a:xfrm flipH="1" flipV="1">
+            <a:off x="8312640" y="2328000"/>
+            <a:ext cx="1176480" cy="1272480"/>
+          </a:xfrm>
+          <a:prstGeom prst="bentConnector3">
+            <a:avLst>
+              <a:gd name="adj1" fmla="val -20816"/>
+            </a:avLst>
+          </a:prstGeom>
+          <a:ln w="18000">
+            <a:solidFill>
+              <a:srgbClr val="000000"/>
+            </a:solidFill>
+            <a:round/>
+            <a:tailEnd type="triangle" w="med" len="med"/>
+          </a:ln>
+        </p:spPr>
+      </p:cxnSp>
+      <p:sp>
+        <p:nvSpPr>
+          <p:cNvPr id="97" name="Straight Connector 96"/>
+          <p:cNvSpPr/>
+          <p:nvPr/>
+        </p:nvSpPr>
+        <p:spPr>
+          <a:xfrm flipH="1">
+            <a:off x="6632640" y="2880000"/>
+            <a:ext cx="168000" cy="0"/>
+          </a:xfrm>
+          <a:prstGeom prst="line">
+            <a:avLst/>
+          </a:prstGeom>
+          <a:ln w="18000">
+            <a:solidFill>
+              <a:srgbClr val="000000"/>
+            </a:solidFill>
+            <a:round/>
+            <a:headEnd type="triangle" w="med" len="med"/>
+            <a:tailEnd type="triangle" w="med" len="med"/>
+          </a:ln>
+        </p:spPr>
+        <p:style>
+          <a:lnRef idx="0">
+            <a:scrgbClr r="0" g="0" b="0"/>
+          </a:lnRef>
+          <a:fillRef idx="0">
+            <a:scrgbClr r="0" g="0" b="0"/>
+          </a:fillRef>
+          <a:effectRef idx="0">
+            <a:scrgbClr r="0" g="0" b="0"/>
+          </a:effectRef>
+          <a:fontRef idx="minor"/>
+        </p:style>
+        <p:txBody>
+          <a:bodyPr lIns="132000" tIns="-72000" rIns="132000" bIns="-72000" anchor="ctr">
+            <a:noAutofit/>
+          </a:bodyPr>
+          <a:lstStyle/>
+          <a:p>
+            <a:endParaRPr lang="en-AU" sz="2400" spc="-1">
+              <a:solidFill>
+                <a:srgbClr val="000000"/>
+              </a:solidFill>
+              <a:latin typeface="Arial"/>
+            </a:endParaRPr>
+          </a:p>
+        </p:txBody>
+      </p:sp>
+      <p:sp>
+        <p:nvSpPr>
+          <p:cNvPr id="98" name="Straight Connector 97"/>
+          <p:cNvSpPr/>
+          <p:nvPr/>
+        </p:nvSpPr>
+        <p:spPr>
+          <a:xfrm>
+            <a:off x="8432640" y="2472000"/>
+            <a:ext cx="0" cy="336000"/>
+          </a:xfrm>
+          <a:prstGeom prst="line">
+            <a:avLst/>
+          </a:prstGeom>
+          <a:ln w="18000">
+            <a:solidFill>
+              <a:srgbClr val="000000"/>
+            </a:solidFill>
+            <a:round/>
+            <a:tailEnd type="triangle" w="med" len="med"/>
+          </a:ln>
+        </p:spPr>
+        <p:style>
+          <a:lnRef idx="0">
+            <a:scrgbClr r="0" g="0" b="0"/>
+          </a:lnRef>
+          <a:fillRef idx="0">
+            <a:scrgbClr r="0" g="0" b="0"/>
+          </a:fillRef>
+          <a:effectRef idx="0">
+            <a:scrgbClr r="0" g="0" b="0"/>
+          </a:effectRef>
+          <a:fontRef idx="minor"/>
+        </p:style>
+        <p:txBody>
+          <a:bodyPr lIns="132000" tIns="72000" rIns="132000" bIns="72000" anchor="ctr">
+            <a:noAutofit/>
+          </a:bodyPr>
+          <a:lstStyle/>
+          <a:p>
+            <a:endParaRPr lang="en-AU" sz="2400" spc="-1">
+              <a:solidFill>
+                <a:srgbClr val="000000"/>
+              </a:solidFill>
+              <a:latin typeface="Arial"/>
+            </a:endParaRPr>
+          </a:p>
+        </p:txBody>
+      </p:sp>
+      <p:sp>
+        <p:nvSpPr>
+          <p:cNvPr id="99" name="Straight Connector 98"/>
+          <p:cNvSpPr/>
+          <p:nvPr/>
+        </p:nvSpPr>
+        <p:spPr>
+          <a:xfrm flipH="1">
+            <a:off x="8096640" y="3192000"/>
+            <a:ext cx="288000" cy="240000"/>
+          </a:xfrm>
+          <a:prstGeom prst="line">
+            <a:avLst/>
+          </a:prstGeom>
+          <a:ln w="18000">
+            <a:solidFill>
+              <a:srgbClr val="000000"/>
+            </a:solidFill>
+            <a:round/>
+            <a:tailEnd type="triangle" w="med" len="med"/>
+          </a:ln>
+        </p:spPr>
+        <p:style>
+          <a:lnRef idx="0">
+            <a:scrgbClr r="0" g="0" b="0"/>
+          </a:lnRef>
+          <a:fillRef idx="0">
+            <a:scrgbClr r="0" g="0" b="0"/>
+          </a:fillRef>
+          <a:effectRef idx="0">
+            <a:scrgbClr r="0" g="0" b="0"/>
+          </a:effectRef>
+          <a:fontRef idx="minor"/>
+        </p:style>
+        <p:txBody>
+          <a:bodyPr lIns="132000" tIns="72000" rIns="132000" bIns="72000" anchor="ctr">
+            <a:noAutofit/>
+          </a:bodyPr>
+          <a:lstStyle/>
+          <a:p>
+            <a:endParaRPr lang="en-AU" sz="2400" spc="-1">
+              <a:solidFill>
+                <a:srgbClr val="000000"/>
+              </a:solidFill>
+              <a:latin typeface="Arial"/>
+            </a:endParaRPr>
+          </a:p>
+        </p:txBody>
+      </p:sp>
+      <p:sp>
+        <p:nvSpPr>
+          <p:cNvPr id="100" name="Straight Connector 99"/>
+          <p:cNvSpPr/>
+          <p:nvPr/>
+        </p:nvSpPr>
+        <p:spPr>
+          <a:xfrm>
+            <a:off x="7232640" y="2472000"/>
+            <a:ext cx="1200000" cy="0"/>
+          </a:xfrm>
+          <a:prstGeom prst="line">
+            <a:avLst/>
+          </a:prstGeom>
+          <a:ln w="18000">
+            <a:solidFill>
+              <a:srgbClr val="000000"/>
+            </a:solidFill>
+            <a:round/>
+          </a:ln>
+        </p:spPr>
+        <p:style>
+          <a:lnRef idx="0">
+            <a:scrgbClr r="0" g="0" b="0"/>
+          </a:lnRef>
+          <a:fillRef idx="0">
+            <a:scrgbClr r="0" g="0" b="0"/>
+          </a:fillRef>
+          <a:effectRef idx="0">
+            <a:scrgbClr r="0" g="0" b="0"/>
+          </a:effectRef>
+          <a:fontRef idx="minor"/>
+        </p:style>
+        <p:txBody>
+          <a:bodyPr lIns="127200" tIns="-67200" rIns="127200" bIns="-67200" anchor="ctr">
+            <a:noAutofit/>
+          </a:bodyPr>
+          <a:lstStyle/>
+          <a:p>
+            <a:endParaRPr lang="en-AU" sz="2400" spc="-1">
+              <a:solidFill>
+                <a:srgbClr val="000000"/>
+              </a:solidFill>
+              <a:latin typeface="Arial"/>
+            </a:endParaRPr>
+          </a:p>
+        </p:txBody>
+      </p:sp>
+      <p:sp>
+        <p:nvSpPr>
+          <p:cNvPr id="101" name="Straight Connector 100"/>
+          <p:cNvSpPr/>
+          <p:nvPr/>
+        </p:nvSpPr>
+        <p:spPr>
+          <a:xfrm>
+            <a:off x="8312640" y="2088000"/>
+            <a:ext cx="168000" cy="0"/>
+          </a:xfrm>
+          <a:prstGeom prst="line">
+            <a:avLst/>
+          </a:prstGeom>
+          <a:ln w="18000">
+            <a:solidFill>
+              <a:srgbClr val="000000"/>
+            </a:solidFill>
+            <a:round/>
+          </a:ln>
+        </p:spPr>
+        <p:style>
+          <a:lnRef idx="0">
+            <a:scrgbClr r="0" g="0" b="0"/>
+          </a:lnRef>
+          <a:fillRef idx="0">
+            <a:scrgbClr r="0" g="0" b="0"/>
+          </a:fillRef>
+          <a:effectRef idx="0">
+            <a:scrgbClr r="0" g="0" b="0"/>
+          </a:effectRef>
+          <a:fontRef idx="minor"/>
+        </p:style>
+        <p:txBody>
+          <a:bodyPr lIns="127200" tIns="-67200" rIns="127200" bIns="-67200" anchor="ctr">
+            <a:noAutofit/>
+          </a:bodyPr>
+          <a:lstStyle/>
+          <a:p>
+            <a:endParaRPr lang="en-AU" sz="2400" spc="-1">
+              <a:solidFill>
+                <a:srgbClr val="000000"/>
+              </a:solidFill>
+              <a:latin typeface="Arial"/>
+            </a:endParaRPr>
+          </a:p>
+        </p:txBody>
+      </p:sp>
+      <p:sp>
+        <p:nvSpPr>
+          <p:cNvPr id="102" name="Straight Connector 101"/>
+          <p:cNvSpPr/>
+          <p:nvPr/>
+        </p:nvSpPr>
+        <p:spPr>
+          <a:xfrm flipV="1">
+            <a:off x="8480640" y="1656000"/>
+            <a:ext cx="0" cy="432000"/>
+          </a:xfrm>
+          <a:prstGeom prst="line">
+            <a:avLst/>
+          </a:prstGeom>
+          <a:ln w="18000">
+            <a:solidFill>
+              <a:srgbClr val="000000"/>
+            </a:solidFill>
+            <a:round/>
+          </a:ln>
+        </p:spPr>
+        <p:style>
+          <a:lnRef idx="0">
+            <a:scrgbClr r="0" g="0" b="0"/>
+          </a:lnRef>
+          <a:fillRef idx="0">
+            <a:scrgbClr r="0" g="0" b="0"/>
+          </a:fillRef>
+          <a:effectRef idx="0">
+            <a:scrgbClr r="0" g="0" b="0"/>
+          </a:effectRef>
+          <a:fontRef idx="minor"/>
+        </p:style>
+        <p:txBody>
+          <a:bodyPr lIns="127200" tIns="67200" rIns="127200" bIns="67200" anchor="ctr">
+            <a:noAutofit/>
+          </a:bodyPr>
+          <a:lstStyle/>
+          <a:p>
+            <a:endParaRPr lang="en-AU" sz="2400" spc="-1">
+              <a:solidFill>
+                <a:srgbClr val="000000"/>
+              </a:solidFill>
+              <a:latin typeface="Arial"/>
+            </a:endParaRPr>
+          </a:p>
+        </p:txBody>
+      </p:sp>
+      <p:sp>
+        <p:nvSpPr>
+          <p:cNvPr id="103" name="Straight Connector 102"/>
+          <p:cNvSpPr/>
+          <p:nvPr/>
+        </p:nvSpPr>
+        <p:spPr>
+          <a:xfrm flipH="1">
+            <a:off x="8317440" y="1656000"/>
+            <a:ext cx="163200" cy="0"/>
+          </a:xfrm>
+          <a:prstGeom prst="line">
+            <a:avLst/>
+          </a:prstGeom>
+          <a:ln w="18000">
+            <a:solidFill>
+              <a:srgbClr val="000000"/>
+            </a:solidFill>
+            <a:round/>
+            <a:tailEnd type="triangle" w="med" len="med"/>
+          </a:ln>
+        </p:spPr>
+        <p:style>
+          <a:lnRef idx="0">
+            <a:scrgbClr r="0" g="0" b="0"/>
+          </a:lnRef>
+          <a:fillRef idx="0">
+            <a:scrgbClr r="0" g="0" b="0"/>
+          </a:fillRef>
+          <a:effectRef idx="0">
+            <a:scrgbClr r="0" g="0" b="0"/>
+          </a:effectRef>
+          <a:fontRef idx="minor"/>
+        </p:style>
+        <p:txBody>
+          <a:bodyPr lIns="127200" tIns="-67200" rIns="127200" bIns="-67200" anchor="ctr">
+            <a:noAutofit/>
+          </a:bodyPr>
+          <a:lstStyle/>
+          <a:p>
+            <a:endParaRPr lang="en-AU" sz="2400" spc="-1">
+              <a:solidFill>
+                <a:srgbClr val="000000"/>
+              </a:solidFill>
+              <a:latin typeface="Arial"/>
+            </a:endParaRPr>
+          </a:p>
+        </p:txBody>
+      </p:sp>
+      <p:sp>
+        <p:nvSpPr>
+          <p:cNvPr id="104" name="Straight Connector 103"/>
+          <p:cNvSpPr/>
+          <p:nvPr/>
+        </p:nvSpPr>
+        <p:spPr>
+          <a:xfrm flipH="1">
+            <a:off x="8317440" y="1584000"/>
+            <a:ext cx="307200" cy="0"/>
+          </a:xfrm>
+          <a:prstGeom prst="line">
+            <a:avLst/>
+          </a:prstGeom>
+          <a:ln w="18000">
+            <a:solidFill>
+              <a:srgbClr val="000000"/>
+            </a:solidFill>
+            <a:round/>
+            <a:tailEnd type="triangle" w="med" len="med"/>
+          </a:ln>
+        </p:spPr>
+        <p:style>
+          <a:lnRef idx="0">
+            <a:scrgbClr r="0" g="0" b="0"/>
+          </a:lnRef>
+          <a:fillRef idx="0">
+            <a:scrgbClr r="0" g="0" b="0"/>
+          </a:fillRef>
+          <a:effectRef idx="0">
+            <a:scrgbClr r="0" g="0" b="0"/>
+          </a:effectRef>
+          <a:fontRef idx="minor"/>
+        </p:style>
+        <p:txBody>
+          <a:bodyPr lIns="127200" tIns="-67200" rIns="127200" bIns="-67200" anchor="ctr">
+            <a:noAutofit/>
+          </a:bodyPr>
+          <a:lstStyle/>
+          <a:p>
+            <a:endParaRPr lang="en-AU" sz="2400" spc="-1">
+              <a:solidFill>
+                <a:srgbClr val="000000"/>
+              </a:solidFill>
+              <a:latin typeface="Arial"/>
+            </a:endParaRPr>
+          </a:p>
+        </p:txBody>
+      </p:sp>
+      <p:sp>
+        <p:nvSpPr>
+          <p:cNvPr id="105" name="Straight Connector 104"/>
+          <p:cNvSpPr/>
+          <p:nvPr/>
+        </p:nvSpPr>
+        <p:spPr>
+          <a:xfrm flipV="1">
+            <a:off x="8624640" y="1584000"/>
+            <a:ext cx="0" cy="1056000"/>
+          </a:xfrm>
+          <a:prstGeom prst="line">
+            <a:avLst/>
+          </a:prstGeom>
+          <a:ln w="18000">
+            <a:solidFill>
+              <a:srgbClr val="000000"/>
+            </a:solidFill>
+            <a:round/>
+          </a:ln>
+        </p:spPr>
+        <p:style>
+          <a:lnRef idx="0">
+            <a:scrgbClr r="0" g="0" b="0"/>
+          </a:lnRef>
+          <a:fillRef idx="0">
+            <a:scrgbClr r="0" g="0" b="0"/>
+          </a:fillRef>
+          <a:effectRef idx="0">
+            <a:scrgbClr r="0" g="0" b="0"/>
+          </a:effectRef>
+          <a:fontRef idx="minor"/>
+        </p:style>
+        <p:txBody>
+          <a:bodyPr lIns="127200" tIns="67200" rIns="127200" bIns="67200" anchor="ctr">
+            <a:noAutofit/>
+          </a:bodyPr>
+          <a:lstStyle/>
+          <a:p>
+            <a:endParaRPr lang="en-AU" sz="2400" spc="-1">
+              <a:solidFill>
+                <a:srgbClr val="000000"/>
+              </a:solidFill>
+              <a:latin typeface="Arial"/>
+            </a:endParaRPr>
+          </a:p>
+        </p:txBody>
+      </p:sp>
+      <p:sp>
+        <p:nvSpPr>
+          <p:cNvPr id="106" name="Straight Connector 105"/>
+          <p:cNvSpPr/>
+          <p:nvPr/>
+        </p:nvSpPr>
+        <p:spPr>
+          <a:xfrm>
+            <a:off x="8288640" y="2640000"/>
+            <a:ext cx="336000" cy="0"/>
+          </a:xfrm>
+          <a:prstGeom prst="line">
+            <a:avLst/>
+          </a:prstGeom>
+          <a:ln w="18000">
+            <a:solidFill>
+              <a:srgbClr val="000000"/>
+            </a:solidFill>
+            <a:round/>
+          </a:ln>
+        </p:spPr>
+        <p:style>
+          <a:lnRef idx="0">
+            <a:scrgbClr r="0" g="0" b="0"/>
+          </a:lnRef>
+          <a:fillRef idx="0">
+            <a:scrgbClr r="0" g="0" b="0"/>
+          </a:fillRef>
+          <a:effectRef idx="0">
+            <a:scrgbClr r="0" g="0" b="0"/>
+          </a:effectRef>
+          <a:fontRef idx="minor"/>
+        </p:style>
+        <p:txBody>
+          <a:bodyPr lIns="127200" tIns="-67200" rIns="127200" bIns="-67200" anchor="ctr">
+            <a:noAutofit/>
+          </a:bodyPr>
+          <a:lstStyle/>
+          <a:p>
+            <a:endParaRPr lang="en-AU" sz="2400" spc="-1">
+              <a:solidFill>
+                <a:srgbClr val="000000"/>
+              </a:solidFill>
+              <a:latin typeface="Arial"/>
+            </a:endParaRPr>
+          </a:p>
+        </p:txBody>
+      </p:sp>
+      <p:sp>
+        <p:nvSpPr>
+          <p:cNvPr id="107" name="Rectangle 106"/>
+          <p:cNvSpPr/>
+          <p:nvPr/>
+        </p:nvSpPr>
+        <p:spPr>
+          <a:xfrm>
+            <a:off x="5616000" y="1392000"/>
+            <a:ext cx="4416000" cy="2544000"/>
+          </a:xfrm>
+          <a:prstGeom prst="rect">
+            <a:avLst/>
+          </a:prstGeom>
+          <a:noFill/>
+          <a:ln w="7200">
+            <a:solidFill>
+              <a:srgbClr val="000000"/>
+            </a:solidFill>
+            <a:round/>
+          </a:ln>
+        </p:spPr>
+        <p:style>
+          <a:lnRef idx="0">
+            <a:scrgbClr r="0" g="0" b="0"/>
+          </a:lnRef>
+          <a:fillRef idx="0">
+            <a:scrgbClr r="0" g="0" b="0"/>
+          </a:fillRef>
+          <a:effectRef idx="0">
+            <a:scrgbClr r="0" g="0" b="0"/>
+          </a:effectRef>
+          <a:fontRef idx="minor"/>
+        </p:style>
+        <p:txBody>
+          <a:bodyPr wrap="none" lIns="120000" tIns="60000" rIns="120000" bIns="60000" anchor="ctr">
+            <a:noAutofit/>
+          </a:bodyPr>
+          <a:lstStyle/>
+          <a:p>
+            <a:endParaRPr lang="en-AU" sz="2400" spc="-1">
+              <a:solidFill>
+                <a:srgbClr val="000000"/>
+              </a:solidFill>
+              <a:latin typeface="Arial"/>
+            </a:endParaRPr>
+          </a:p>
+        </p:txBody>
+      </p:sp>
+      <p:sp>
+        <p:nvSpPr>
+          <p:cNvPr id="108" name="TextBox 107"/>
+          <p:cNvSpPr txBox="1"/>
+          <p:nvPr/>
+        </p:nvSpPr>
+        <p:spPr>
+          <a:xfrm>
+            <a:off x="8784000" y="1008000"/>
+            <a:ext cx="864000" cy="461760"/>
+          </a:xfrm>
+          <a:prstGeom prst="rect">
+            <a:avLst/>
+          </a:prstGeom>
+          <a:noFill/>
+          <a:ln w="7200">
+            <a:noFill/>
+          </a:ln>
+        </p:spPr>
+        <p:txBody>
+          <a:bodyPr lIns="120000" tIns="60000" rIns="120000" bIns="60000" anchor="t">
+            <a:noAutofit/>
+          </a:bodyPr>
+          <a:lstStyle/>
+          <a:p>
+            <a:r>
+              <a:rPr lang="en-AU" sz="2400" spc="-1">
+                <a:solidFill>
+                  <a:srgbClr val="000000"/>
+                </a:solidFill>
+                <a:latin typeface="Arial"/>
+              </a:rPr>
+              <a:t>Core</a:t>
+            </a:r>
+          </a:p>
+        </p:txBody>
+      </p:sp>
+      <p:sp>
+        <p:nvSpPr>
+          <p:cNvPr id="109" name="Rectangle 108"/>
+          <p:cNvSpPr/>
+          <p:nvPr/>
+        </p:nvSpPr>
+        <p:spPr>
+          <a:xfrm>
+            <a:off x="2592000" y="1584000"/>
+            <a:ext cx="1680000" cy="672000"/>
+          </a:xfrm>
+          <a:prstGeom prst="rect">
+            <a:avLst/>
+          </a:prstGeom>
+          <a:solidFill>
+            <a:srgbClr val="FFFF99"/>
+          </a:solidFill>
+          <a:ln w="7200">
+            <a:solidFill>
+              <a:srgbClr val="000000"/>
+            </a:solidFill>
+            <a:round/>
+          </a:ln>
+        </p:spPr>
+        <p:style>
+          <a:lnRef idx="0">
+            <a:scrgbClr r="0" g="0" b="0"/>
+          </a:lnRef>
+          <a:fillRef idx="0">
+            <a:scrgbClr r="0" g="0" b="0"/>
+          </a:fillRef>
+          <a:effectRef idx="0">
+            <a:scrgbClr r="0" g="0" b="0"/>
+          </a:effectRef>
+          <a:fontRef idx="minor"/>
+        </p:style>
+        <p:txBody>
+          <a:bodyPr wrap="none" lIns="120000" tIns="60000" rIns="120000" bIns="60000" anchor="ctr">
+            <a:noAutofit/>
+          </a:bodyPr>
+          <a:lstStyle/>
+          <a:p>
+            <a:pPr algn="ctr"/>
+            <a:r>
+              <a:rPr lang="en-AU" sz="2133" spc="-1">
+                <a:solidFill>
+                  <a:srgbClr val="000000"/>
+                </a:solidFill>
+                <a:latin typeface="Arial"/>
+              </a:rPr>
+              <a:t>Wishbone</a:t>
+            </a:r>
+          </a:p>
+          <a:p>
+            <a:pPr algn="ctr"/>
+            <a:r>
+              <a:rPr lang="en-AU" sz="2133" spc="-1">
+                <a:solidFill>
+                  <a:srgbClr val="000000"/>
+                </a:solidFill>
+                <a:latin typeface="Arial"/>
+              </a:rPr>
+              <a:t>arbiter</a:t>
+            </a:r>
+          </a:p>
+        </p:txBody>
+      </p:sp>
+      <p:sp>
+        <p:nvSpPr>
+          <p:cNvPr id="110" name="Straight Connector 109"/>
+          <p:cNvSpPr/>
+          <p:nvPr/>
+        </p:nvSpPr>
+        <p:spPr>
+          <a:xfrm>
+            <a:off x="3456000" y="2256000"/>
+            <a:ext cx="0" cy="576000"/>
+          </a:xfrm>
+          <a:prstGeom prst="line">
+            <a:avLst/>
+          </a:prstGeom>
+          <a:ln w="18000">
+            <a:solidFill>
+              <a:srgbClr val="3465A4"/>
+            </a:solidFill>
+            <a:round/>
+            <a:headEnd type="triangle" w="med" len="med"/>
+            <a:tailEnd type="triangle" w="med" len="med"/>
+          </a:ln>
+        </p:spPr>
+        <p:style>
+          <a:lnRef idx="0">
+            <a:scrgbClr r="0" g="0" b="0"/>
+          </a:lnRef>
+          <a:fillRef idx="0">
+            <a:scrgbClr r="0" g="0" b="0"/>
+          </a:fillRef>
+          <a:effectRef idx="0">
+            <a:scrgbClr r="0" g="0" b="0"/>
+          </a:effectRef>
+          <a:fontRef idx="minor"/>
+        </p:style>
+        <p:txBody>
+          <a:bodyPr lIns="132000" tIns="72000" rIns="132000" bIns="72000" anchor="ctr">
+            <a:noAutofit/>
+          </a:bodyPr>
+          <a:lstStyle/>
+          <a:p>
+            <a:endParaRPr lang="en-AU" sz="2400" spc="-1">
+              <a:solidFill>
+                <a:srgbClr val="000000"/>
+              </a:solidFill>
+              <a:latin typeface="Arial"/>
+            </a:endParaRPr>
+          </a:p>
+        </p:txBody>
+      </p:sp>
+      <p:sp>
+        <p:nvSpPr>
+          <p:cNvPr id="111" name="Rectangle 110"/>
+          <p:cNvSpPr/>
+          <p:nvPr/>
+        </p:nvSpPr>
+        <p:spPr>
+          <a:xfrm>
+            <a:off x="2592000" y="2832000"/>
+            <a:ext cx="1680000" cy="672000"/>
+          </a:xfrm>
+          <a:prstGeom prst="rect">
+            <a:avLst/>
+          </a:prstGeom>
+          <a:solidFill>
+            <a:srgbClr val="FFFF99"/>
+          </a:solidFill>
+          <a:ln w="7200">
+            <a:solidFill>
+              <a:srgbClr val="000000"/>
+            </a:solidFill>
+            <a:round/>
+          </a:ln>
+        </p:spPr>
+        <p:style>
+          <a:lnRef idx="0">
+            <a:scrgbClr r="0" g="0" b="0"/>
+          </a:lnRef>
+          <a:fillRef idx="0">
+            <a:scrgbClr r="0" g="0" b="0"/>
+          </a:fillRef>
+          <a:effectRef idx="0">
+            <a:scrgbClr r="0" g="0" b="0"/>
+          </a:effectRef>
+          <a:fontRef idx="minor"/>
+        </p:style>
+        <p:txBody>
+          <a:bodyPr wrap="none" lIns="120000" tIns="60000" rIns="120000" bIns="60000" anchor="ctr">
+            <a:noAutofit/>
+          </a:bodyPr>
+          <a:lstStyle/>
+          <a:p>
+            <a:pPr algn="ctr"/>
+            <a:r>
+              <a:rPr lang="en-AU" sz="2133" spc="-1">
+                <a:solidFill>
+                  <a:srgbClr val="000000"/>
+                </a:solidFill>
+                <a:latin typeface="Arial"/>
+              </a:rPr>
+              <a:t>Address</a:t>
+            </a:r>
+          </a:p>
+          <a:p>
+            <a:pPr algn="ctr"/>
+            <a:r>
+              <a:rPr lang="en-AU" sz="2133" spc="-1">
+                <a:solidFill>
+                  <a:srgbClr val="000000"/>
+                </a:solidFill>
+                <a:latin typeface="Arial"/>
+              </a:rPr>
+              <a:t>decoder</a:t>
+            </a:r>
+          </a:p>
+        </p:txBody>
+      </p:sp>
+      <p:sp>
+        <p:nvSpPr>
+          <p:cNvPr id="112" name="Rectangle 111"/>
+          <p:cNvSpPr/>
+          <p:nvPr/>
+        </p:nvSpPr>
+        <p:spPr>
+          <a:xfrm>
+            <a:off x="1680000" y="4128000"/>
+            <a:ext cx="864000" cy="1200000"/>
+          </a:xfrm>
+          <a:prstGeom prst="rect">
+            <a:avLst/>
+          </a:prstGeom>
+          <a:solidFill>
+            <a:srgbClr val="FFFF99"/>
+          </a:solidFill>
+          <a:ln w="7200">
+            <a:solidFill>
+              <a:srgbClr val="000000"/>
+            </a:solidFill>
+            <a:round/>
+          </a:ln>
+        </p:spPr>
+        <p:style>
+          <a:lnRef idx="0">
+            <a:scrgbClr r="0" g="0" b="0"/>
+          </a:lnRef>
+          <a:fillRef idx="0">
+            <a:scrgbClr r="0" g="0" b="0"/>
+          </a:fillRef>
+          <a:effectRef idx="0">
+            <a:scrgbClr r="0" g="0" b="0"/>
+          </a:effectRef>
+          <a:fontRef idx="minor"/>
+        </p:style>
+        <p:txBody>
+          <a:bodyPr wrap="none" lIns="120000" tIns="60000" rIns="120000" bIns="60000" anchor="ctr">
+            <a:noAutofit/>
+          </a:bodyPr>
+          <a:lstStyle/>
+          <a:p>
+            <a:pPr algn="ctr"/>
+            <a:r>
+              <a:rPr lang="en-AU" sz="2133" spc="-1">
+                <a:solidFill>
+                  <a:srgbClr val="000000"/>
+                </a:solidFill>
+                <a:latin typeface="Arial"/>
+              </a:rPr>
+              <a:t>L2C/</a:t>
+            </a:r>
+          </a:p>
+          <a:p>
+            <a:pPr algn="ctr"/>
+            <a:r>
+              <a:rPr lang="en-AU" sz="2133" spc="-1">
+                <a:solidFill>
+                  <a:srgbClr val="000000"/>
+                </a:solidFill>
+                <a:latin typeface="Arial"/>
+              </a:rPr>
+              <a:t>DRAM</a:t>
+            </a:r>
+          </a:p>
+        </p:txBody>
+      </p:sp>
+      <p:sp>
+        <p:nvSpPr>
+          <p:cNvPr id="113" name="Rectangle 112"/>
+          <p:cNvSpPr/>
+          <p:nvPr/>
+        </p:nvSpPr>
+        <p:spPr>
+          <a:xfrm>
+            <a:off x="2928000" y="4128000"/>
+            <a:ext cx="864000" cy="624000"/>
+          </a:xfrm>
+          <a:prstGeom prst="rect">
+            <a:avLst/>
+          </a:prstGeom>
+          <a:solidFill>
+            <a:srgbClr val="FFFF99"/>
+          </a:solidFill>
+          <a:ln w="7200">
+            <a:solidFill>
+              <a:srgbClr val="000000"/>
+            </a:solidFill>
+            <a:round/>
+          </a:ln>
+        </p:spPr>
+        <p:style>
+          <a:lnRef idx="0">
+            <a:scrgbClr r="0" g="0" b="0"/>
+          </a:lnRef>
+          <a:fillRef idx="0">
+            <a:scrgbClr r="0" g="0" b="0"/>
+          </a:fillRef>
+          <a:effectRef idx="0">
+            <a:scrgbClr r="0" g="0" b="0"/>
+          </a:effectRef>
+          <a:fontRef idx="minor"/>
+        </p:style>
+        <p:txBody>
+          <a:bodyPr wrap="none" lIns="120000" tIns="60000" rIns="120000" bIns="60000" anchor="ctr">
+            <a:noAutofit/>
+          </a:bodyPr>
+          <a:lstStyle/>
+          <a:p>
+            <a:pPr algn="ctr"/>
+            <a:r>
+              <a:rPr lang="en-AU" sz="2133" spc="-1">
+                <a:solidFill>
+                  <a:srgbClr val="000000"/>
+                </a:solidFill>
+                <a:latin typeface="Arial"/>
+              </a:rPr>
+              <a:t>BRAM</a:t>
+            </a:r>
+          </a:p>
+        </p:txBody>
+      </p:sp>
+      <p:sp>
+        <p:nvSpPr>
+          <p:cNvPr id="114" name="Rectangle 113"/>
+          <p:cNvSpPr/>
+          <p:nvPr/>
+        </p:nvSpPr>
+        <p:spPr>
+          <a:xfrm>
+            <a:off x="4224000" y="4128000"/>
+            <a:ext cx="1680000" cy="624000"/>
+          </a:xfrm>
+          <a:prstGeom prst="rect">
+            <a:avLst/>
+          </a:prstGeom>
+          <a:solidFill>
+            <a:srgbClr val="FFFF99"/>
+          </a:solidFill>
+          <a:ln w="7200">
+            <a:solidFill>
+              <a:srgbClr val="000000"/>
+            </a:solidFill>
+            <a:round/>
+          </a:ln>
+        </p:spPr>
+        <p:style>
+          <a:lnRef idx="0">
+            <a:scrgbClr r="0" g="0" b="0"/>
+          </a:lnRef>
+          <a:fillRef idx="0">
+            <a:scrgbClr r="0" g="0" b="0"/>
+          </a:fillRef>
+          <a:effectRef idx="0">
+            <a:scrgbClr r="0" g="0" b="0"/>
+          </a:effectRef>
+          <a:fontRef idx="minor"/>
+        </p:style>
+        <p:txBody>
+          <a:bodyPr wrap="none" lIns="120000" tIns="60000" rIns="120000" bIns="60000" anchor="ctr">
+            <a:noAutofit/>
+          </a:bodyPr>
+          <a:lstStyle/>
+          <a:p>
+            <a:pPr algn="ctr"/>
+            <a:r>
+              <a:rPr lang="en-AU" sz="2133" spc="-1">
+                <a:solidFill>
+                  <a:srgbClr val="000000"/>
+                </a:solidFill>
+                <a:latin typeface="Arial"/>
+              </a:rPr>
+              <a:t>I/O decoder</a:t>
+            </a:r>
+          </a:p>
+        </p:txBody>
+      </p:sp>
+      <p:sp>
+        <p:nvSpPr>
+          <p:cNvPr id="115" name="Straight Connector 114"/>
+          <p:cNvSpPr/>
+          <p:nvPr/>
+        </p:nvSpPr>
+        <p:spPr>
+          <a:xfrm flipH="1">
+            <a:off x="2112000" y="3504000"/>
+            <a:ext cx="936000" cy="624000"/>
+          </a:xfrm>
+          <a:prstGeom prst="line">
+            <a:avLst/>
+          </a:prstGeom>
+          <a:ln w="18000">
+            <a:solidFill>
+              <a:srgbClr val="3465A4"/>
+            </a:solidFill>
+            <a:round/>
+            <a:tailEnd type="triangle" w="med" len="med"/>
+          </a:ln>
+        </p:spPr>
+        <p:style>
+          <a:lnRef idx="0">
+            <a:scrgbClr r="0" g="0" b="0"/>
+          </a:lnRef>
+          <a:fillRef idx="0">
+            <a:scrgbClr r="0" g="0" b="0"/>
+          </a:fillRef>
+          <a:effectRef idx="0">
+            <a:scrgbClr r="0" g="0" b="0"/>
+          </a:effectRef>
+          <a:fontRef idx="minor"/>
+        </p:style>
+        <p:txBody>
+          <a:bodyPr lIns="132000" tIns="72000" rIns="132000" bIns="72000" anchor="ctr">
+            <a:noAutofit/>
+          </a:bodyPr>
+          <a:lstStyle/>
+          <a:p>
+            <a:endParaRPr lang="en-AU" sz="2400" spc="-1">
+              <a:solidFill>
+                <a:srgbClr val="000000"/>
+              </a:solidFill>
+              <a:latin typeface="Arial"/>
+            </a:endParaRPr>
+          </a:p>
+        </p:txBody>
+      </p:sp>
+      <p:sp>
+        <p:nvSpPr>
+          <p:cNvPr id="116" name="Straight Connector 115"/>
+          <p:cNvSpPr/>
+          <p:nvPr/>
+        </p:nvSpPr>
+        <p:spPr>
+          <a:xfrm>
+            <a:off x="3408000" y="3504000"/>
+            <a:ext cx="0" cy="624000"/>
+          </a:xfrm>
+          <a:prstGeom prst="line">
+            <a:avLst/>
+          </a:prstGeom>
+          <a:ln w="18000">
+            <a:solidFill>
+              <a:srgbClr val="3465A4"/>
+            </a:solidFill>
+            <a:round/>
+            <a:tailEnd type="triangle" w="med" len="med"/>
+          </a:ln>
+        </p:spPr>
+        <p:style>
+          <a:lnRef idx="0">
+            <a:scrgbClr r="0" g="0" b="0"/>
+          </a:lnRef>
+          <a:fillRef idx="0">
+            <a:scrgbClr r="0" g="0" b="0"/>
+          </a:fillRef>
+          <a:effectRef idx="0">
+            <a:scrgbClr r="0" g="0" b="0"/>
+          </a:effectRef>
+          <a:fontRef idx="minor"/>
+        </p:style>
+        <p:txBody>
+          <a:bodyPr lIns="132000" tIns="72000" rIns="132000" bIns="72000" anchor="ctr">
+            <a:noAutofit/>
+          </a:bodyPr>
+          <a:lstStyle/>
+          <a:p>
+            <a:endParaRPr lang="en-AU" sz="2400" spc="-1">
+              <a:solidFill>
+                <a:srgbClr val="000000"/>
+              </a:solidFill>
+              <a:latin typeface="Arial"/>
+            </a:endParaRPr>
+          </a:p>
+        </p:txBody>
+      </p:sp>
+      <p:sp>
+        <p:nvSpPr>
+          <p:cNvPr id="117" name="Straight Connector 116"/>
+          <p:cNvSpPr/>
+          <p:nvPr/>
+        </p:nvSpPr>
+        <p:spPr>
+          <a:xfrm>
+            <a:off x="3840000" y="3504000"/>
+            <a:ext cx="1056000" cy="624000"/>
+          </a:xfrm>
+          <a:prstGeom prst="line">
+            <a:avLst/>
+          </a:prstGeom>
+          <a:ln w="18000">
+            <a:solidFill>
+              <a:srgbClr val="3465A4"/>
+            </a:solidFill>
+            <a:round/>
+            <a:tailEnd type="triangle" w="med" len="med"/>
+          </a:ln>
+        </p:spPr>
+        <p:style>
+          <a:lnRef idx="0">
+            <a:scrgbClr r="0" g="0" b="0"/>
+          </a:lnRef>
+          <a:fillRef idx="0">
+            <a:scrgbClr r="0" g="0" b="0"/>
+          </a:fillRef>
+          <a:effectRef idx="0">
+            <a:scrgbClr r="0" g="0" b="0"/>
+          </a:effectRef>
+          <a:fontRef idx="minor"/>
+        </p:style>
+        <p:txBody>
+          <a:bodyPr lIns="132000" tIns="72000" rIns="132000" bIns="72000" anchor="ctr">
+            <a:noAutofit/>
+          </a:bodyPr>
+          <a:lstStyle/>
+          <a:p>
+            <a:endParaRPr lang="en-AU" sz="2400" spc="-1">
+              <a:solidFill>
+                <a:srgbClr val="000000"/>
+              </a:solidFill>
+              <a:latin typeface="Arial"/>
+            </a:endParaRPr>
+          </a:p>
+        </p:txBody>
+      </p:sp>
+      <p:sp>
+        <p:nvSpPr>
+          <p:cNvPr id="118" name="Rectangle 117"/>
+          <p:cNvSpPr/>
+          <p:nvPr/>
+        </p:nvSpPr>
+        <p:spPr>
+          <a:xfrm>
+            <a:off x="3552000" y="5352000"/>
+            <a:ext cx="864000" cy="312000"/>
+          </a:xfrm>
+          <a:prstGeom prst="rect">
+            <a:avLst/>
+          </a:prstGeom>
+          <a:solidFill>
+            <a:srgbClr val="FFFF99"/>
+          </a:solidFill>
+          <a:ln w="7200">
+            <a:solidFill>
+              <a:srgbClr val="000000"/>
+            </a:solidFill>
+            <a:round/>
+          </a:ln>
+        </p:spPr>
+        <p:style>
+          <a:lnRef idx="0">
+            <a:scrgbClr r="0" g="0" b="0"/>
+          </a:lnRef>
+          <a:fillRef idx="0">
+            <a:scrgbClr r="0" g="0" b="0"/>
+          </a:fillRef>
+          <a:effectRef idx="0">
+            <a:scrgbClr r="0" g="0" b="0"/>
+          </a:effectRef>
+          <a:fontRef idx="minor"/>
+        </p:style>
+        <p:txBody>
+          <a:bodyPr wrap="none" lIns="120000" tIns="60000" rIns="120000" bIns="60000" anchor="ctr">
+            <a:noAutofit/>
+          </a:bodyPr>
+          <a:lstStyle/>
+          <a:p>
+            <a:pPr algn="ctr"/>
+            <a:r>
+              <a:rPr lang="en-AU" sz="1467" spc="-1">
+                <a:solidFill>
+                  <a:srgbClr val="000000"/>
+                </a:solidFill>
+                <a:latin typeface="Arial"/>
+              </a:rPr>
+              <a:t>SYSCON</a:t>
+            </a:r>
+          </a:p>
+        </p:txBody>
+      </p:sp>
+      <p:sp>
+        <p:nvSpPr>
+          <p:cNvPr id="119" name="Rectangle 118"/>
+          <p:cNvSpPr/>
+          <p:nvPr/>
+        </p:nvSpPr>
+        <p:spPr>
+          <a:xfrm>
+            <a:off x="4752000" y="5352000"/>
+            <a:ext cx="864000" cy="312000"/>
+          </a:xfrm>
+          <a:prstGeom prst="rect">
+            <a:avLst/>
+          </a:prstGeom>
+          <a:solidFill>
+            <a:srgbClr val="FFFF99"/>
+          </a:solidFill>
+          <a:ln w="7200">
+            <a:solidFill>
+              <a:srgbClr val="000000"/>
+            </a:solidFill>
+            <a:round/>
+          </a:ln>
+        </p:spPr>
+        <p:style>
+          <a:lnRef idx="0">
+            <a:scrgbClr r="0" g="0" b="0"/>
+          </a:lnRef>
+          <a:fillRef idx="0">
+            <a:scrgbClr r="0" g="0" b="0"/>
+          </a:fillRef>
+          <a:effectRef idx="0">
+            <a:scrgbClr r="0" g="0" b="0"/>
+          </a:effectRef>
+          <a:fontRef idx="minor"/>
+        </p:style>
+        <p:txBody>
+          <a:bodyPr wrap="none" lIns="120000" tIns="60000" rIns="120000" bIns="60000" anchor="ctr">
+            <a:noAutofit/>
+          </a:bodyPr>
+          <a:lstStyle/>
+          <a:p>
+            <a:pPr algn="ctr"/>
+            <a:r>
+              <a:rPr lang="en-AU" sz="1467" spc="-1">
+                <a:solidFill>
+                  <a:srgbClr val="000000"/>
+                </a:solidFill>
+                <a:latin typeface="Arial"/>
+              </a:rPr>
+              <a:t>SPI flash</a:t>
+            </a:r>
+          </a:p>
+        </p:txBody>
+      </p:sp>
+      <p:sp>
+        <p:nvSpPr>
+          <p:cNvPr id="120" name="Rectangle 119"/>
+          <p:cNvSpPr/>
+          <p:nvPr/>
+        </p:nvSpPr>
+        <p:spPr>
+          <a:xfrm>
+            <a:off x="5952000" y="5352000"/>
+            <a:ext cx="864000" cy="312000"/>
+          </a:xfrm>
+          <a:prstGeom prst="rect">
+            <a:avLst/>
+          </a:prstGeom>
+          <a:solidFill>
+            <a:srgbClr val="FFFF99"/>
+          </a:solidFill>
+          <a:ln w="7200">
+            <a:solidFill>
+              <a:srgbClr val="000000"/>
+            </a:solidFill>
+            <a:round/>
+          </a:ln>
+        </p:spPr>
+        <p:style>
+          <a:lnRef idx="0">
+            <a:scrgbClr r="0" g="0" b="0"/>
+          </a:lnRef>
+          <a:fillRef idx="0">
+            <a:scrgbClr r="0" g="0" b="0"/>
+          </a:fillRef>
+          <a:effectRef idx="0">
+            <a:scrgbClr r="0" g="0" b="0"/>
+          </a:effectRef>
+          <a:fontRef idx="minor"/>
+        </p:style>
+        <p:txBody>
+          <a:bodyPr wrap="none" lIns="120000" tIns="60000" rIns="120000" bIns="60000" anchor="ctr">
+            <a:noAutofit/>
+          </a:bodyPr>
+          <a:lstStyle/>
+          <a:p>
+            <a:pPr algn="ctr"/>
+            <a:r>
+              <a:rPr lang="en-AU" sz="1467" spc="-1">
+                <a:solidFill>
+                  <a:srgbClr val="000000"/>
+                </a:solidFill>
+                <a:latin typeface="Arial"/>
+              </a:rPr>
+              <a:t>UART</a:t>
+            </a:r>
+          </a:p>
+        </p:txBody>
+      </p:sp>
+      <p:sp>
+        <p:nvSpPr>
+          <p:cNvPr id="121" name="Rectangle 120"/>
+          <p:cNvSpPr/>
+          <p:nvPr/>
+        </p:nvSpPr>
+        <p:spPr>
+          <a:xfrm>
+            <a:off x="7152000" y="5352000"/>
+            <a:ext cx="864000" cy="312000"/>
+          </a:xfrm>
+          <a:prstGeom prst="rect">
+            <a:avLst/>
+          </a:prstGeom>
+          <a:solidFill>
+            <a:srgbClr val="FFFF99"/>
+          </a:solidFill>
+          <a:ln w="7200">
+            <a:solidFill>
+              <a:srgbClr val="000000"/>
+            </a:solidFill>
+            <a:round/>
+          </a:ln>
+        </p:spPr>
+        <p:style>
+          <a:lnRef idx="0">
+            <a:scrgbClr r="0" g="0" b="0"/>
+          </a:lnRef>
+          <a:fillRef idx="0">
+            <a:scrgbClr r="0" g="0" b="0"/>
+          </a:fillRef>
+          <a:effectRef idx="0">
+            <a:scrgbClr r="0" g="0" b="0"/>
+          </a:effectRef>
+          <a:fontRef idx="minor"/>
+        </p:style>
+        <p:txBody>
+          <a:bodyPr wrap="none" lIns="120000" tIns="60000" rIns="120000" bIns="60000" anchor="ctr">
+            <a:noAutofit/>
+          </a:bodyPr>
+          <a:lstStyle/>
+          <a:p>
+            <a:pPr algn="ctr"/>
+            <a:r>
+              <a:rPr lang="en-AU" sz="1467" spc="-1">
+                <a:solidFill>
+                  <a:srgbClr val="000000"/>
+                </a:solidFill>
+                <a:latin typeface="Arial"/>
+              </a:rPr>
+              <a:t>XICS</a:t>
+            </a:r>
+          </a:p>
+        </p:txBody>
+      </p:sp>
+      <p:sp>
+        <p:nvSpPr>
+          <p:cNvPr id="122" name="Rectangle 121"/>
+          <p:cNvSpPr/>
+          <p:nvPr/>
+        </p:nvSpPr>
+        <p:spPr>
+          <a:xfrm>
+            <a:off x="8352000" y="5352000"/>
+            <a:ext cx="864000" cy="312000"/>
+          </a:xfrm>
+          <a:prstGeom prst="rect">
+            <a:avLst/>
+          </a:prstGeom>
+          <a:solidFill>
+            <a:srgbClr val="FFFF99"/>
+          </a:solidFill>
+          <a:ln w="7200">
+            <a:solidFill>
+              <a:srgbClr val="000000"/>
+            </a:solidFill>
+            <a:round/>
+          </a:ln>
+        </p:spPr>
+        <p:style>
+          <a:lnRef idx="0">
+            <a:scrgbClr r="0" g="0" b="0"/>
+          </a:lnRef>
+          <a:fillRef idx="0">
+            <a:scrgbClr r="0" g="0" b="0"/>
+          </a:fillRef>
+          <a:effectRef idx="0">
+            <a:scrgbClr r="0" g="0" b="0"/>
+          </a:effectRef>
+          <a:fontRef idx="minor"/>
+        </p:style>
+        <p:txBody>
+          <a:bodyPr wrap="none" lIns="120000" tIns="60000" rIns="120000" bIns="60000" anchor="ctr">
+            <a:noAutofit/>
+          </a:bodyPr>
+          <a:lstStyle/>
+          <a:p>
+            <a:pPr algn="ctr"/>
+            <a:r>
+              <a:rPr lang="en-AU" sz="1467" spc="-1">
+                <a:solidFill>
+                  <a:srgbClr val="000000"/>
+                </a:solidFill>
+                <a:latin typeface="Arial"/>
+              </a:rPr>
+              <a:t>ENET</a:t>
+            </a:r>
+          </a:p>
+        </p:txBody>
+      </p:sp>
+      <p:sp>
+        <p:nvSpPr>
+          <p:cNvPr id="123" name="Rectangle 122"/>
+          <p:cNvSpPr/>
+          <p:nvPr/>
+        </p:nvSpPr>
+        <p:spPr>
+          <a:xfrm>
+            <a:off x="480000" y="1584000"/>
+            <a:ext cx="1344000" cy="864000"/>
+          </a:xfrm>
+          <a:prstGeom prst="rect">
+            <a:avLst/>
+          </a:prstGeom>
+          <a:solidFill>
+            <a:srgbClr val="FFFF99"/>
+          </a:solidFill>
+          <a:ln w="7200">
+            <a:solidFill>
+              <a:srgbClr val="000000"/>
+            </a:solidFill>
+            <a:round/>
+          </a:ln>
+        </p:spPr>
+        <p:style>
+          <a:lnRef idx="0">
+            <a:scrgbClr r="0" g="0" b="0"/>
+          </a:lnRef>
+          <a:fillRef idx="0">
+            <a:scrgbClr r="0" g="0" b="0"/>
+          </a:fillRef>
+          <a:effectRef idx="0">
+            <a:scrgbClr r="0" g="0" b="0"/>
+          </a:effectRef>
+          <a:fontRef idx="minor"/>
+        </p:style>
+        <p:txBody>
+          <a:bodyPr wrap="none" lIns="120000" tIns="60000" rIns="120000" bIns="60000" anchor="ctr">
+            <a:noAutofit/>
+          </a:bodyPr>
+          <a:lstStyle/>
+          <a:p>
+            <a:pPr algn="ctr"/>
+            <a:r>
+              <a:rPr lang="en-AU" sz="2133" spc="-1">
+                <a:solidFill>
+                  <a:srgbClr val="000000"/>
+                </a:solidFill>
+                <a:latin typeface="Arial"/>
+              </a:rPr>
+              <a:t>JTAG/</a:t>
+            </a:r>
+          </a:p>
+          <a:p>
+            <a:pPr algn="ctr"/>
+            <a:r>
+              <a:rPr lang="en-AU" sz="2133" spc="-1">
+                <a:solidFill>
+                  <a:srgbClr val="000000"/>
+                </a:solidFill>
+                <a:latin typeface="Arial"/>
+              </a:rPr>
+              <a:t>debug</a:t>
+            </a:r>
+          </a:p>
+        </p:txBody>
+      </p:sp>
+      <p:sp>
+        <p:nvSpPr>
+          <p:cNvPr id="124" name="Straight Connector 123"/>
+          <p:cNvSpPr/>
+          <p:nvPr/>
+        </p:nvSpPr>
+        <p:spPr>
+          <a:xfrm>
+            <a:off x="1824000" y="1920000"/>
+            <a:ext cx="768000" cy="0"/>
+          </a:xfrm>
+          <a:prstGeom prst="line">
+            <a:avLst/>
+          </a:prstGeom>
+          <a:ln w="18000">
+            <a:solidFill>
+              <a:srgbClr val="000000"/>
+            </a:solidFill>
+            <a:round/>
+            <a:tailEnd type="triangle" w="med" len="med"/>
+          </a:ln>
+        </p:spPr>
+        <p:style>
+          <a:lnRef idx="0">
+            <a:scrgbClr r="0" g="0" b="0"/>
+          </a:lnRef>
+          <a:fillRef idx="0">
+            <a:scrgbClr r="0" g="0" b="0"/>
+          </a:fillRef>
+          <a:effectRef idx="0">
+            <a:scrgbClr r="0" g="0" b="0"/>
+          </a:effectRef>
+          <a:fontRef idx="minor"/>
+        </p:style>
+        <p:txBody>
+          <a:bodyPr lIns="132000" tIns="-72000" rIns="132000" bIns="-72000" anchor="ctr">
+            <a:noAutofit/>
+          </a:bodyPr>
+          <a:lstStyle/>
+          <a:p>
+            <a:endParaRPr lang="en-AU" sz="2400" spc="-1">
+              <a:solidFill>
+                <a:srgbClr val="000000"/>
+              </a:solidFill>
+              <a:latin typeface="Arial"/>
+            </a:endParaRPr>
+          </a:p>
+        </p:txBody>
+      </p:sp>
+      <p:sp>
+        <p:nvSpPr>
+          <p:cNvPr id="125" name="Straight Connector 124"/>
+          <p:cNvSpPr/>
+          <p:nvPr/>
+        </p:nvSpPr>
+        <p:spPr>
+          <a:xfrm flipH="1">
+            <a:off x="3936000" y="4752000"/>
+            <a:ext cx="624000" cy="600000"/>
+          </a:xfrm>
+          <a:prstGeom prst="line">
+            <a:avLst/>
+          </a:prstGeom>
+          <a:ln w="18000">
+            <a:solidFill>
+              <a:srgbClr val="000000"/>
+            </a:solidFill>
+            <a:round/>
+            <a:tailEnd type="triangle" w="med" len="med"/>
+          </a:ln>
+        </p:spPr>
+        <p:style>
+          <a:lnRef idx="0">
+            <a:scrgbClr r="0" g="0" b="0"/>
+          </a:lnRef>
+          <a:fillRef idx="0">
+            <a:scrgbClr r="0" g="0" b="0"/>
+          </a:fillRef>
+          <a:effectRef idx="0">
+            <a:scrgbClr r="0" g="0" b="0"/>
+          </a:effectRef>
+          <a:fontRef idx="minor"/>
+        </p:style>
+        <p:txBody>
+          <a:bodyPr lIns="132000" tIns="72000" rIns="132000" bIns="72000" anchor="ctr">
+            <a:noAutofit/>
+          </a:bodyPr>
+          <a:lstStyle/>
+          <a:p>
+            <a:endParaRPr lang="en-AU" sz="2400" spc="-1">
+              <a:solidFill>
+                <a:srgbClr val="000000"/>
+              </a:solidFill>
+              <a:latin typeface="Arial"/>
+            </a:endParaRPr>
+          </a:p>
+        </p:txBody>
+      </p:sp>
+      <p:sp>
+        <p:nvSpPr>
+          <p:cNvPr id="126" name="Straight Connector 125"/>
+          <p:cNvSpPr/>
+          <p:nvPr/>
+        </p:nvSpPr>
+        <p:spPr>
+          <a:xfrm>
+            <a:off x="4752000" y="4746240"/>
+            <a:ext cx="432000" cy="605760"/>
+          </a:xfrm>
+          <a:prstGeom prst="line">
+            <a:avLst/>
+          </a:prstGeom>
+          <a:ln w="18000">
+            <a:solidFill>
+              <a:srgbClr val="000000"/>
+            </a:solidFill>
+            <a:round/>
+            <a:tailEnd type="triangle" w="med" len="med"/>
+          </a:ln>
+        </p:spPr>
+        <p:style>
+          <a:lnRef idx="0">
+            <a:scrgbClr r="0" g="0" b="0"/>
+          </a:lnRef>
+          <a:fillRef idx="0">
+            <a:scrgbClr r="0" g="0" b="0"/>
+          </a:fillRef>
+          <a:effectRef idx="0">
+            <a:scrgbClr r="0" g="0" b="0"/>
+          </a:effectRef>
+          <a:fontRef idx="minor"/>
+        </p:style>
+        <p:txBody>
+          <a:bodyPr lIns="132000" tIns="72000" rIns="132000" bIns="72000" anchor="ctr">
+            <a:noAutofit/>
+          </a:bodyPr>
+          <a:lstStyle/>
+          <a:p>
+            <a:endParaRPr lang="en-AU" sz="2400" spc="-1">
+              <a:solidFill>
+                <a:srgbClr val="000000"/>
+              </a:solidFill>
+              <a:latin typeface="Arial"/>
+            </a:endParaRPr>
+          </a:p>
+        </p:txBody>
+      </p:sp>
+      <p:sp>
+        <p:nvSpPr>
+          <p:cNvPr id="127" name="Straight Connector 126"/>
+          <p:cNvSpPr/>
+          <p:nvPr/>
+        </p:nvSpPr>
+        <p:spPr>
+          <a:xfrm>
+            <a:off x="5088000" y="4746240"/>
+            <a:ext cx="1296000" cy="605760"/>
+          </a:xfrm>
+          <a:prstGeom prst="line">
+            <a:avLst/>
+          </a:prstGeom>
+          <a:ln w="18000">
+            <a:solidFill>
+              <a:srgbClr val="000000"/>
+            </a:solidFill>
+            <a:round/>
+            <a:tailEnd type="triangle" w="med" len="med"/>
+          </a:ln>
+        </p:spPr>
+        <p:style>
+          <a:lnRef idx="0">
+            <a:scrgbClr r="0" g="0" b="0"/>
+          </a:lnRef>
+          <a:fillRef idx="0">
+            <a:scrgbClr r="0" g="0" b="0"/>
+          </a:fillRef>
+          <a:effectRef idx="0">
+            <a:scrgbClr r="0" g="0" b="0"/>
+          </a:effectRef>
+          <a:fontRef idx="minor"/>
+        </p:style>
+        <p:txBody>
+          <a:bodyPr lIns="132000" tIns="72000" rIns="132000" bIns="72000" anchor="ctr">
+            <a:noAutofit/>
+          </a:bodyPr>
+          <a:lstStyle/>
+          <a:p>
+            <a:endParaRPr lang="en-AU" sz="2400" spc="-1">
+              <a:solidFill>
+                <a:srgbClr val="000000"/>
+              </a:solidFill>
+              <a:latin typeface="Arial"/>
+            </a:endParaRPr>
+          </a:p>
+        </p:txBody>
+      </p:sp>
+      <p:sp>
+        <p:nvSpPr>
+          <p:cNvPr id="128" name="Straight Connector 127"/>
+          <p:cNvSpPr/>
+          <p:nvPr/>
+        </p:nvSpPr>
+        <p:spPr>
+          <a:xfrm>
+            <a:off x="5424000" y="4752000"/>
+            <a:ext cx="2160000" cy="600000"/>
+          </a:xfrm>
+          <a:prstGeom prst="line">
+            <a:avLst/>
+          </a:prstGeom>
+          <a:ln w="18000">
+            <a:solidFill>
+              <a:srgbClr val="000000"/>
+            </a:solidFill>
+            <a:round/>
+            <a:tailEnd type="triangle" w="med" len="med"/>
+          </a:ln>
+        </p:spPr>
+        <p:style>
+          <a:lnRef idx="0">
+            <a:scrgbClr r="0" g="0" b="0"/>
+          </a:lnRef>
+          <a:fillRef idx="0">
+            <a:scrgbClr r="0" g="0" b="0"/>
+          </a:fillRef>
+          <a:effectRef idx="0">
+            <a:scrgbClr r="0" g="0" b="0"/>
+          </a:effectRef>
+          <a:fontRef idx="minor"/>
+        </p:style>
+        <p:txBody>
+          <a:bodyPr lIns="132000" tIns="72000" rIns="132000" bIns="72000" anchor="ctr">
+            <a:noAutofit/>
+          </a:bodyPr>
+          <a:lstStyle/>
+          <a:p>
+            <a:endParaRPr lang="en-AU" sz="2400" spc="-1">
+              <a:solidFill>
+                <a:srgbClr val="000000"/>
+              </a:solidFill>
+              <a:latin typeface="Arial"/>
+            </a:endParaRPr>
+          </a:p>
+        </p:txBody>
+      </p:sp>
+      <p:sp>
+        <p:nvSpPr>
+          <p:cNvPr id="129" name="Straight Connector 128"/>
+          <p:cNvSpPr/>
+          <p:nvPr/>
+        </p:nvSpPr>
+        <p:spPr>
+          <a:xfrm>
+            <a:off x="5904000" y="4746240"/>
+            <a:ext cx="2880000" cy="605760"/>
+          </a:xfrm>
+          <a:prstGeom prst="line">
+            <a:avLst/>
+          </a:prstGeom>
+          <a:ln w="18000">
+            <a:solidFill>
+              <a:srgbClr val="000000"/>
+            </a:solidFill>
+            <a:round/>
+            <a:tailEnd type="triangle" w="med" len="med"/>
+          </a:ln>
+        </p:spPr>
+        <p:style>
+          <a:lnRef idx="0">
+            <a:scrgbClr r="0" g="0" b="0"/>
+          </a:lnRef>
+          <a:fillRef idx="0">
+            <a:scrgbClr r="0" g="0" b="0"/>
+          </a:fillRef>
+          <a:effectRef idx="0">
+            <a:scrgbClr r="0" g="0" b="0"/>
+          </a:effectRef>
+          <a:fontRef idx="minor"/>
+        </p:style>
+        <p:txBody>
+          <a:bodyPr lIns="132000" tIns="72000" rIns="132000" bIns="72000" anchor="ctr">
+            <a:noAutofit/>
+          </a:bodyPr>
+          <a:lstStyle/>
+          <a:p>
+            <a:endParaRPr lang="en-AU" sz="2400" spc="-1">
+              <a:solidFill>
+                <a:srgbClr val="000000"/>
+              </a:solidFill>
+              <a:latin typeface="Arial"/>
+            </a:endParaRPr>
+          </a:p>
+        </p:txBody>
+      </p:sp>
+      <p:sp>
+        <p:nvSpPr>
+          <p:cNvPr id="130" name="Rectangle 129"/>
+          <p:cNvSpPr/>
+          <p:nvPr/>
+        </p:nvSpPr>
+        <p:spPr>
+          <a:xfrm>
+            <a:off x="9504000" y="5352000"/>
+            <a:ext cx="864000" cy="312000"/>
+          </a:xfrm>
+          <a:prstGeom prst="rect">
+            <a:avLst/>
+          </a:prstGeom>
+          <a:solidFill>
+            <a:srgbClr val="FFFF99"/>
+          </a:solidFill>
+          <a:ln w="7200">
+            <a:solidFill>
+              <a:srgbClr val="000000"/>
+            </a:solidFill>
+            <a:round/>
+          </a:ln>
+        </p:spPr>
+        <p:style>
+          <a:lnRef idx="0">
+            <a:scrgbClr r="0" g="0" b="0"/>
+          </a:lnRef>
+          <a:fillRef idx="0">
+            <a:scrgbClr r="0" g="0" b="0"/>
+          </a:fillRef>
+          <a:effectRef idx="0">
+            <a:scrgbClr r="0" g="0" b="0"/>
+          </a:effectRef>
+          <a:fontRef idx="minor"/>
+        </p:style>
+        <p:txBody>
+          <a:bodyPr wrap="none" lIns="120000" tIns="60000" rIns="120000" bIns="60000" anchor="ctr">
+            <a:noAutofit/>
+          </a:bodyPr>
+          <a:lstStyle/>
+          <a:p>
+            <a:pPr algn="ctr"/>
+            <a:r>
+              <a:rPr lang="en-AU" sz="1467" spc="-1">
+                <a:solidFill>
+                  <a:srgbClr val="000000"/>
+                </a:solidFill>
+                <a:latin typeface="Arial"/>
+              </a:rPr>
+              <a:t>SDcard</a:t>
+            </a:r>
+          </a:p>
+        </p:txBody>
+      </p:sp>
+      <p:sp>
+        <p:nvSpPr>
+          <p:cNvPr id="131" name="Straight Connector 130"/>
+          <p:cNvSpPr/>
+          <p:nvPr/>
+        </p:nvSpPr>
+        <p:spPr>
+          <a:xfrm>
+            <a:off x="5904960" y="4620480"/>
+            <a:ext cx="4031040" cy="731520"/>
+          </a:xfrm>
+          <a:prstGeom prst="line">
+            <a:avLst/>
+          </a:prstGeom>
+          <a:ln w="18000">
+            <a:solidFill>
+              <a:srgbClr val="000000"/>
+            </a:solidFill>
+            <a:round/>
+            <a:tailEnd type="triangle" w="med" len="med"/>
+          </a:ln>
+        </p:spPr>
+        <p:style>
+          <a:lnRef idx="0">
+            <a:scrgbClr r="0" g="0" b="0"/>
+          </a:lnRef>
+          <a:fillRef idx="0">
+            <a:scrgbClr r="0" g="0" b="0"/>
+          </a:fillRef>
+          <a:effectRef idx="0">
+            <a:scrgbClr r="0" g="0" b="0"/>
+          </a:effectRef>
+          <a:fontRef idx="minor"/>
+        </p:style>
+        <p:txBody>
+          <a:bodyPr lIns="132000" tIns="72000" rIns="132000" bIns="72000" anchor="ctr">
+            <a:noAutofit/>
+          </a:bodyPr>
+          <a:lstStyle/>
+          <a:p>
+            <a:endParaRPr lang="en-AU" sz="2400" spc="-1">
+              <a:solidFill>
+                <a:srgbClr val="000000"/>
+              </a:solidFill>
+              <a:latin typeface="Arial"/>
+            </a:endParaRPr>
+          </a:p>
+        </p:txBody>
+      </p:sp>
+      <p:sp>
+        <p:nvSpPr>
+          <p:cNvPr id="2" name="TextBox 1">
+            <a:extLst>
+              <a:ext uri="{FF2B5EF4-FFF2-40B4-BE49-F238E27FC236}">
+                <a16:creationId xmlns:a16="http://schemas.microsoft.com/office/drawing/2014/main" id="{15D18784-B1F2-7D1D-984F-994CB9888554}"/>
+              </a:ext>
+            </a:extLst>
+          </p:cNvPr>
+          <p:cNvSpPr txBox="1"/>
+          <p:nvPr/>
+        </p:nvSpPr>
+        <p:spPr>
+          <a:xfrm>
+            <a:off x="3900509" y="6264000"/>
+            <a:ext cx="3332131" cy="369332"/>
+          </a:xfrm>
+          <a:prstGeom prst="rect">
+            <a:avLst/>
+          </a:prstGeom>
+          <a:noFill/>
+        </p:spPr>
+        <p:txBody>
+          <a:bodyPr wrap="none" rtlCol="0">
+            <a:spAutoFit/>
+          </a:bodyPr>
+          <a:lstStyle/>
+          <a:p>
+            <a:r>
+              <a:rPr lang="en-US" dirty="0"/>
+              <a:t>See prior talk by Paul </a:t>
+            </a:r>
+            <a:r>
+              <a:rPr lang="en-US" dirty="0" err="1"/>
+              <a:t>Mackerras</a:t>
+            </a:r>
+            <a:endParaRPr lang="en-US" dirty="0"/>
+          </a:p>
+        </p:txBody>
+      </p:sp>
+    </p:spTree>
+  </p:cSld>
+  <p:clrMapOvr>
+    <a:masterClrMapping/>
+  </p:clrMapOvr>
+</p:sld>
+</file>
+
+<file path=ppt/slides/slide15.xml><?xml version="1.0" encoding="utf-8"?>
+<p:sld xmlns:a="http://schemas.openxmlformats.org/drawingml/2006/main" xmlns:r="http://schemas.openxmlformats.org/officeDocument/2006/relationships" xmlns:p="http://schemas.openxmlformats.org/presentationml/2006/main">
+  <p:cSld>
+    <p:spTree>
+      <p:nvGrpSpPr>
+        <p:cNvPr id="1" name=""/>
+        <p:cNvGrpSpPr/>
+        <p:nvPr/>
+      </p:nvGrpSpPr>
+      <p:grpSpPr>
+        <a:xfrm>
+          <a:off x="0" y="0"/>
+          <a:ext cx="0" cy="0"/>
+          <a:chOff x="0" y="0"/>
+          <a:chExt cx="0" cy="0"/>
+        </a:xfrm>
+      </p:grpSpPr>
+      <p:sp>
+        <p:nvSpPr>
+          <p:cNvPr id="20" name="PlaceHolder 1"/>
+          <p:cNvSpPr>
+            <a:spLocks noGrp="1"/>
+          </p:cNvSpPr>
+          <p:nvPr>
+            <p:ph type="title"/>
+          </p:nvPr>
+        </p:nvSpPr>
+        <p:spPr>
+          <a:xfrm>
+            <a:off x="438240" y="292320"/>
+            <a:ext cx="11581920" cy="526080"/>
+          </a:xfrm>
+          <a:prstGeom prst="rect">
+            <a:avLst/>
+          </a:prstGeom>
+          <a:noFill/>
+          <a:ln w="0">
+            <a:noFill/>
+          </a:ln>
+        </p:spPr>
+        <p:txBody>
+          <a:bodyPr vert="horz" lIns="0" tIns="0" rIns="0" bIns="0" rtlCol="0" anchor="ctr">
+            <a:noAutofit/>
+          </a:bodyPr>
+          <a:lstStyle/>
+          <a:p>
+            <a:r>
+              <a:rPr lang="en-US" sz="2933" b="1" spc="-1">
+                <a:solidFill>
+                  <a:srgbClr val="191919"/>
+                </a:solidFill>
+                <a:latin typeface="Arial"/>
+              </a:rPr>
+              <a:t>Pipeline Overview</a:t>
+            </a:r>
+          </a:p>
+        </p:txBody>
+      </p:sp>
+      <p:grpSp>
+        <p:nvGrpSpPr>
+          <p:cNvPr id="21" name="Group 20"/>
+          <p:cNvGrpSpPr/>
+          <p:nvPr/>
+        </p:nvGrpSpPr>
+        <p:grpSpPr>
+          <a:xfrm>
+            <a:off x="432000" y="1536000"/>
+            <a:ext cx="9456000" cy="4656000"/>
+            <a:chOff x="324000" y="1152000"/>
+            <a:chExt cx="7092000" cy="3492000"/>
+          </a:xfrm>
+        </p:grpSpPr>
+        <p:sp>
+          <p:nvSpPr>
+            <p:cNvPr id="22" name="Rectangle 21"/>
+            <p:cNvSpPr/>
+            <p:nvPr/>
+          </p:nvSpPr>
+          <p:spPr>
+            <a:xfrm>
+              <a:off x="3967200" y="1152000"/>
+              <a:ext cx="1296000" cy="216000"/>
+            </a:xfrm>
+            <a:prstGeom prst="rect">
+              <a:avLst/>
+            </a:prstGeom>
+            <a:solidFill>
+              <a:srgbClr val="FFFF99"/>
+            </a:solidFill>
+            <a:ln w="7200">
+              <a:solidFill>
+                <a:srgbClr val="000000"/>
+              </a:solidFill>
+              <a:round/>
+            </a:ln>
+          </p:spPr>
+          <p:style>
+            <a:lnRef idx="0">
+              <a:scrgbClr r="0" g="0" b="0"/>
+            </a:lnRef>
+            <a:fillRef idx="0">
+              <a:scrgbClr r="0" g="0" b="0"/>
+            </a:fillRef>
+            <a:effectRef idx="0">
+              <a:scrgbClr r="0" g="0" b="0"/>
+            </a:effectRef>
+            <a:fontRef idx="minor"/>
+          </p:style>
+          <p:txBody>
+            <a:bodyPr wrap="none" lIns="120000" tIns="60000" rIns="120000" bIns="60000" anchor="ctr">
+              <a:noAutofit/>
+            </a:bodyPr>
+            <a:lstStyle/>
+            <a:p>
+              <a:pPr algn="ctr"/>
+              <a:r>
+                <a:rPr lang="en-AU" sz="2400" spc="-1">
+                  <a:solidFill>
+                    <a:srgbClr val="000000"/>
+                  </a:solidFill>
+                  <a:latin typeface="Arial"/>
+                </a:rPr>
+                <a:t>fetch1</a:t>
+              </a:r>
+            </a:p>
+          </p:txBody>
+        </p:sp>
+        <p:sp>
+          <p:nvSpPr>
+            <p:cNvPr id="23" name="Rectangle 22"/>
+            <p:cNvSpPr/>
+            <p:nvPr/>
+          </p:nvSpPr>
+          <p:spPr>
+            <a:xfrm>
+              <a:off x="3967200" y="1512000"/>
+              <a:ext cx="1296000" cy="216000"/>
+            </a:xfrm>
+            <a:prstGeom prst="rect">
+              <a:avLst/>
+            </a:prstGeom>
+            <a:solidFill>
+              <a:srgbClr val="FFFF99"/>
+            </a:solidFill>
+            <a:ln w="7200">
+              <a:solidFill>
+                <a:srgbClr val="000000"/>
+              </a:solidFill>
+              <a:round/>
+            </a:ln>
+          </p:spPr>
+          <p:style>
+            <a:lnRef idx="0">
+              <a:scrgbClr r="0" g="0" b="0"/>
+            </a:lnRef>
+            <a:fillRef idx="0">
+              <a:scrgbClr r="0" g="0" b="0"/>
+            </a:fillRef>
+            <a:effectRef idx="0">
+              <a:scrgbClr r="0" g="0" b="0"/>
+            </a:effectRef>
+            <a:fontRef idx="minor"/>
+          </p:style>
+          <p:txBody>
+            <a:bodyPr wrap="none" lIns="120000" tIns="60000" rIns="120000" bIns="60000" anchor="ctr">
+              <a:noAutofit/>
+            </a:bodyPr>
+            <a:lstStyle/>
+            <a:p>
+              <a:pPr algn="ctr"/>
+              <a:r>
+                <a:rPr lang="en-AU" sz="2400" spc="-1">
+                  <a:solidFill>
+                    <a:srgbClr val="000000"/>
+                  </a:solidFill>
+                  <a:latin typeface="Arial"/>
+                </a:rPr>
+                <a:t>icache</a:t>
+              </a:r>
+            </a:p>
+          </p:txBody>
+        </p:sp>
+        <p:sp>
+          <p:nvSpPr>
+            <p:cNvPr id="24" name="Straight Connector 23"/>
+            <p:cNvSpPr/>
+            <p:nvPr/>
+          </p:nvSpPr>
+          <p:spPr>
+            <a:xfrm>
+              <a:off x="4615200" y="1368000"/>
+              <a:ext cx="0" cy="144000"/>
+            </a:xfrm>
+            <a:prstGeom prst="line">
+              <a:avLst/>
+            </a:prstGeom>
+            <a:ln w="18000">
+              <a:solidFill>
+                <a:srgbClr val="000000"/>
+              </a:solidFill>
+              <a:round/>
+              <a:tailEnd type="triangle" w="med" len="med"/>
+            </a:ln>
+          </p:spPr>
+          <p:style>
+            <a:lnRef idx="0">
+              <a:scrgbClr r="0" g="0" b="0"/>
+            </a:lnRef>
+            <a:fillRef idx="0">
+              <a:scrgbClr r="0" g="0" b="0"/>
+            </a:fillRef>
+            <a:effectRef idx="0">
+              <a:scrgbClr r="0" g="0" b="0"/>
+            </a:effectRef>
+            <a:fontRef idx="minor"/>
+          </p:style>
+          <p:txBody>
+            <a:bodyPr lIns="132000" tIns="72000" rIns="132000" bIns="72000" anchor="ctr">
+              <a:noAutofit/>
+            </a:bodyPr>
+            <a:lstStyle/>
+            <a:p>
+              <a:endParaRPr lang="en-AU" sz="2400" spc="-1">
+                <a:solidFill>
+                  <a:srgbClr val="000000"/>
+                </a:solidFill>
+                <a:latin typeface="Arial"/>
+              </a:endParaRPr>
+            </a:p>
+          </p:txBody>
+        </p:sp>
+        <p:sp>
+          <p:nvSpPr>
+            <p:cNvPr id="25" name="Rectangle 24"/>
+            <p:cNvSpPr/>
+            <p:nvPr/>
+          </p:nvSpPr>
+          <p:spPr>
+            <a:xfrm>
+              <a:off x="1440000" y="3996000"/>
+              <a:ext cx="1296000" cy="468000"/>
+            </a:xfrm>
+            <a:prstGeom prst="rect">
+              <a:avLst/>
+            </a:prstGeom>
+            <a:solidFill>
+              <a:srgbClr val="FFFF99"/>
+            </a:solidFill>
+            <a:ln w="7200">
+              <a:solidFill>
+                <a:srgbClr val="000000"/>
+              </a:solidFill>
+              <a:round/>
+            </a:ln>
+          </p:spPr>
+          <p:style>
+            <a:lnRef idx="0">
+              <a:scrgbClr r="0" g="0" b="0"/>
+            </a:lnRef>
+            <a:fillRef idx="0">
+              <a:scrgbClr r="0" g="0" b="0"/>
+            </a:fillRef>
+            <a:effectRef idx="0">
+              <a:scrgbClr r="0" g="0" b="0"/>
+            </a:effectRef>
+            <a:fontRef idx="minor"/>
+          </p:style>
+          <p:txBody>
+            <a:bodyPr wrap="none" lIns="120000" tIns="60000" rIns="120000" bIns="60000" anchor="ctr">
+              <a:noAutofit/>
+            </a:bodyPr>
+            <a:lstStyle/>
+            <a:p>
+              <a:pPr algn="ctr"/>
+              <a:r>
+                <a:rPr lang="en-AU" sz="2400" spc="-1">
+                  <a:solidFill>
+                    <a:srgbClr val="000000"/>
+                  </a:solidFill>
+                  <a:latin typeface="Arial"/>
+                </a:rPr>
+                <a:t>MMU</a:t>
+              </a:r>
+            </a:p>
+          </p:txBody>
+        </p:sp>
+        <p:sp>
+          <p:nvSpPr>
+            <p:cNvPr id="26" name="Rectangle 25"/>
+            <p:cNvSpPr/>
+            <p:nvPr/>
+          </p:nvSpPr>
+          <p:spPr>
+            <a:xfrm>
+              <a:off x="3960000" y="1872000"/>
+              <a:ext cx="1296000" cy="216000"/>
+            </a:xfrm>
+            <a:prstGeom prst="rect">
+              <a:avLst/>
+            </a:prstGeom>
+            <a:solidFill>
+              <a:srgbClr val="FFFF99"/>
+            </a:solidFill>
+            <a:ln w="7200">
+              <a:solidFill>
+                <a:srgbClr val="000000"/>
+              </a:solidFill>
+              <a:round/>
+            </a:ln>
+          </p:spPr>
+          <p:style>
+            <a:lnRef idx="0">
+              <a:scrgbClr r="0" g="0" b="0"/>
+            </a:lnRef>
+            <a:fillRef idx="0">
+              <a:scrgbClr r="0" g="0" b="0"/>
+            </a:fillRef>
+            <a:effectRef idx="0">
+              <a:scrgbClr r="0" g="0" b="0"/>
+            </a:effectRef>
+            <a:fontRef idx="minor"/>
+          </p:style>
+          <p:txBody>
+            <a:bodyPr wrap="none" lIns="120000" tIns="60000" rIns="120000" bIns="60000" anchor="ctr">
+              <a:noAutofit/>
+            </a:bodyPr>
+            <a:lstStyle/>
+            <a:p>
+              <a:pPr algn="ctr"/>
+              <a:r>
+                <a:rPr lang="en-AU" sz="2400" spc="-1">
+                  <a:solidFill>
+                    <a:srgbClr val="000000"/>
+                  </a:solidFill>
+                  <a:latin typeface="Arial"/>
+                </a:rPr>
+                <a:t>decode1</a:t>
+              </a:r>
+            </a:p>
+          </p:txBody>
+        </p:sp>
+        <p:sp>
+          <p:nvSpPr>
+            <p:cNvPr id="27" name="Rectangle 26"/>
+            <p:cNvSpPr/>
+            <p:nvPr/>
+          </p:nvSpPr>
+          <p:spPr>
+            <a:xfrm>
+              <a:off x="3960000" y="2232000"/>
+              <a:ext cx="1296000" cy="216000"/>
+            </a:xfrm>
+            <a:prstGeom prst="rect">
+              <a:avLst/>
+            </a:prstGeom>
+            <a:solidFill>
+              <a:srgbClr val="FFFF99"/>
+            </a:solidFill>
+            <a:ln w="7200">
+              <a:solidFill>
+                <a:srgbClr val="000000"/>
+              </a:solidFill>
+              <a:round/>
+            </a:ln>
+          </p:spPr>
+          <p:style>
+            <a:lnRef idx="0">
+              <a:scrgbClr r="0" g="0" b="0"/>
+            </a:lnRef>
+            <a:fillRef idx="0">
+              <a:scrgbClr r="0" g="0" b="0"/>
+            </a:fillRef>
+            <a:effectRef idx="0">
+              <a:scrgbClr r="0" g="0" b="0"/>
+            </a:effectRef>
+            <a:fontRef idx="minor"/>
+          </p:style>
+          <p:txBody>
+            <a:bodyPr wrap="none" lIns="120000" tIns="60000" rIns="120000" bIns="60000" anchor="ctr">
+              <a:noAutofit/>
+            </a:bodyPr>
+            <a:lstStyle/>
+            <a:p>
+              <a:pPr algn="ctr"/>
+              <a:r>
+                <a:rPr lang="en-AU" sz="2400" spc="-1">
+                  <a:solidFill>
+                    <a:srgbClr val="000000"/>
+                  </a:solidFill>
+                  <a:latin typeface="Arial"/>
+                </a:rPr>
+                <a:t>decode2</a:t>
+              </a:r>
+            </a:p>
+          </p:txBody>
+        </p:sp>
+        <p:sp>
+          <p:nvSpPr>
+            <p:cNvPr id="28" name="Straight Connector 27"/>
+            <p:cNvSpPr/>
+            <p:nvPr/>
+          </p:nvSpPr>
+          <p:spPr>
+            <a:xfrm>
+              <a:off x="4615200" y="1728000"/>
+              <a:ext cx="0" cy="144000"/>
+            </a:xfrm>
+            <a:prstGeom prst="line">
+              <a:avLst/>
+            </a:prstGeom>
+            <a:ln w="18000">
+              <a:solidFill>
+                <a:srgbClr val="000000"/>
+              </a:solidFill>
+              <a:round/>
+              <a:tailEnd type="triangle" w="med" len="med"/>
+            </a:ln>
+          </p:spPr>
+          <p:style>
+            <a:lnRef idx="0">
+              <a:scrgbClr r="0" g="0" b="0"/>
+            </a:lnRef>
+            <a:fillRef idx="0">
+              <a:scrgbClr r="0" g="0" b="0"/>
+            </a:fillRef>
+            <a:effectRef idx="0">
+              <a:scrgbClr r="0" g="0" b="0"/>
+            </a:effectRef>
+            <a:fontRef idx="minor"/>
+          </p:style>
+          <p:txBody>
+            <a:bodyPr lIns="132000" tIns="72000" rIns="132000" bIns="72000" anchor="ctr">
+              <a:noAutofit/>
+            </a:bodyPr>
+            <a:lstStyle/>
+            <a:p>
+              <a:endParaRPr lang="en-AU" sz="2400" spc="-1">
+                <a:solidFill>
+                  <a:srgbClr val="000000"/>
+                </a:solidFill>
+                <a:latin typeface="Arial"/>
+              </a:endParaRPr>
+            </a:p>
+          </p:txBody>
+        </p:sp>
+        <p:sp>
+          <p:nvSpPr>
+            <p:cNvPr id="29" name="Straight Connector 28"/>
+            <p:cNvSpPr/>
+            <p:nvPr/>
+          </p:nvSpPr>
+          <p:spPr>
+            <a:xfrm flipH="1">
+              <a:off x="2376000" y="3384000"/>
+              <a:ext cx="612000" cy="612000"/>
+            </a:xfrm>
+            <a:prstGeom prst="line">
+              <a:avLst/>
+            </a:prstGeom>
+            <a:ln w="18000">
+              <a:solidFill>
+                <a:srgbClr val="000000"/>
+              </a:solidFill>
+              <a:round/>
+              <a:tailEnd type="triangle" w="med" len="med"/>
+            </a:ln>
+          </p:spPr>
+          <p:style>
+            <a:lnRef idx="0">
+              <a:scrgbClr r="0" g="0" b="0"/>
+            </a:lnRef>
+            <a:fillRef idx="0">
+              <a:scrgbClr r="0" g="0" b="0"/>
+            </a:fillRef>
+            <a:effectRef idx="0">
+              <a:scrgbClr r="0" g="0" b="0"/>
+            </a:effectRef>
+            <a:fontRef idx="minor"/>
+          </p:style>
+          <p:txBody>
+            <a:bodyPr lIns="132000" tIns="72000" rIns="132000" bIns="72000" anchor="ctr">
+              <a:noAutofit/>
+            </a:bodyPr>
+            <a:lstStyle/>
+            <a:p>
+              <a:endParaRPr lang="en-AU" sz="2400" spc="-1">
+                <a:solidFill>
+                  <a:srgbClr val="000000"/>
+                </a:solidFill>
+                <a:latin typeface="Arial"/>
+              </a:endParaRPr>
+            </a:p>
+          </p:txBody>
+        </p:sp>
+        <p:sp>
+          <p:nvSpPr>
+            <p:cNvPr id="30" name="Straight Connector 29"/>
+            <p:cNvSpPr/>
+            <p:nvPr/>
+          </p:nvSpPr>
+          <p:spPr>
+            <a:xfrm>
+              <a:off x="4608000" y="2088000"/>
+              <a:ext cx="0" cy="144000"/>
+            </a:xfrm>
+            <a:prstGeom prst="line">
+              <a:avLst/>
+            </a:prstGeom>
+            <a:ln w="18000">
+              <a:solidFill>
+                <a:srgbClr val="000000"/>
+              </a:solidFill>
+              <a:round/>
+              <a:tailEnd type="triangle" w="med" len="med"/>
+            </a:ln>
+          </p:spPr>
+          <p:style>
+            <a:lnRef idx="0">
+              <a:scrgbClr r="0" g="0" b="0"/>
+            </a:lnRef>
+            <a:fillRef idx="0">
+              <a:scrgbClr r="0" g="0" b="0"/>
+            </a:fillRef>
+            <a:effectRef idx="0">
+              <a:scrgbClr r="0" g="0" b="0"/>
+            </a:effectRef>
+            <a:fontRef idx="minor"/>
+          </p:style>
+          <p:txBody>
+            <a:bodyPr lIns="132000" tIns="72000" rIns="132000" bIns="72000" anchor="ctr">
+              <a:noAutofit/>
+            </a:bodyPr>
+            <a:lstStyle/>
+            <a:p>
+              <a:endParaRPr lang="en-AU" sz="2400" spc="-1">
+                <a:solidFill>
+                  <a:srgbClr val="000000"/>
+                </a:solidFill>
+                <a:latin typeface="Arial"/>
+              </a:endParaRPr>
+            </a:p>
+          </p:txBody>
+        </p:sp>
+        <p:sp>
+          <p:nvSpPr>
+            <p:cNvPr id="31" name="Rectangle 30"/>
+            <p:cNvSpPr/>
+            <p:nvPr/>
+          </p:nvSpPr>
+          <p:spPr>
+            <a:xfrm>
+              <a:off x="4536000" y="3060000"/>
+              <a:ext cx="1296000" cy="216000"/>
+            </a:xfrm>
+            <a:prstGeom prst="rect">
+              <a:avLst/>
+            </a:prstGeom>
+            <a:solidFill>
+              <a:srgbClr val="FFFF99"/>
+            </a:solidFill>
+            <a:ln w="7200">
+              <a:solidFill>
+                <a:srgbClr val="000000"/>
+              </a:solidFill>
+              <a:round/>
+            </a:ln>
+          </p:spPr>
+          <p:style>
+            <a:lnRef idx="0">
+              <a:scrgbClr r="0" g="0" b="0"/>
+            </a:lnRef>
+            <a:fillRef idx="0">
+              <a:scrgbClr r="0" g="0" b="0"/>
+            </a:fillRef>
+            <a:effectRef idx="0">
+              <a:scrgbClr r="0" g="0" b="0"/>
+            </a:effectRef>
+            <a:fontRef idx="minor"/>
+          </p:style>
+          <p:txBody>
+            <a:bodyPr wrap="none" lIns="120000" tIns="60000" rIns="120000" bIns="60000" anchor="ctr">
+              <a:noAutofit/>
+            </a:bodyPr>
+            <a:lstStyle/>
+            <a:p>
+              <a:pPr algn="ctr"/>
+              <a:r>
+                <a:rPr lang="en-AU" sz="2400" spc="-1" dirty="0">
+                  <a:solidFill>
+                    <a:srgbClr val="000000"/>
+                  </a:solidFill>
+                  <a:latin typeface="Arial"/>
+                </a:rPr>
+                <a:t>execute1</a:t>
+              </a:r>
+            </a:p>
+          </p:txBody>
+        </p:sp>
+        <p:sp>
+          <p:nvSpPr>
+            <p:cNvPr id="32" name="Rectangle 31"/>
+            <p:cNvSpPr/>
+            <p:nvPr/>
+          </p:nvSpPr>
+          <p:spPr>
+            <a:xfrm>
+              <a:off x="2988000" y="3060000"/>
+              <a:ext cx="1296000" cy="468000"/>
+            </a:xfrm>
+            <a:prstGeom prst="rect">
+              <a:avLst/>
+            </a:prstGeom>
+            <a:solidFill>
+              <a:srgbClr val="FFFF99"/>
+            </a:solidFill>
+            <a:ln w="7200">
+              <a:solidFill>
+                <a:srgbClr val="000000"/>
+              </a:solidFill>
+              <a:round/>
+            </a:ln>
+          </p:spPr>
+          <p:style>
+            <a:lnRef idx="0">
+              <a:scrgbClr r="0" g="0" b="0"/>
+            </a:lnRef>
+            <a:fillRef idx="0">
+              <a:scrgbClr r="0" g="0" b="0"/>
+            </a:fillRef>
+            <a:effectRef idx="0">
+              <a:scrgbClr r="0" g="0" b="0"/>
+            </a:effectRef>
+            <a:fontRef idx="minor"/>
+          </p:style>
+          <p:txBody>
+            <a:bodyPr wrap="none" lIns="120000" tIns="60000" rIns="120000" bIns="60000" anchor="ctr">
+              <a:noAutofit/>
+            </a:bodyPr>
+            <a:lstStyle/>
+            <a:p>
+              <a:pPr algn="ctr"/>
+              <a:r>
+                <a:rPr lang="en-AU" sz="2400" spc="-1">
+                  <a:solidFill>
+                    <a:srgbClr val="000000"/>
+                  </a:solidFill>
+                  <a:latin typeface="Arial"/>
+                </a:rPr>
+                <a:t>loadstore1/2</a:t>
+              </a:r>
+            </a:p>
+          </p:txBody>
+        </p:sp>
+        <p:sp>
+          <p:nvSpPr>
+            <p:cNvPr id="33" name="Rectangle 32"/>
+            <p:cNvSpPr/>
+            <p:nvPr/>
+          </p:nvSpPr>
+          <p:spPr>
+            <a:xfrm>
+              <a:off x="1440000" y="3060000"/>
+              <a:ext cx="1296000" cy="468000"/>
+            </a:xfrm>
+            <a:prstGeom prst="rect">
+              <a:avLst/>
+            </a:prstGeom>
+            <a:solidFill>
+              <a:srgbClr val="FFFF99"/>
+            </a:solidFill>
+            <a:ln w="7200">
+              <a:solidFill>
+                <a:srgbClr val="000000"/>
+              </a:solidFill>
+              <a:round/>
+            </a:ln>
+          </p:spPr>
+          <p:style>
+            <a:lnRef idx="0">
+              <a:scrgbClr r="0" g="0" b="0"/>
+            </a:lnRef>
+            <a:fillRef idx="0">
+              <a:scrgbClr r="0" g="0" b="0"/>
+            </a:fillRef>
+            <a:effectRef idx="0">
+              <a:scrgbClr r="0" g="0" b="0"/>
+            </a:effectRef>
+            <a:fontRef idx="minor"/>
+          </p:style>
+          <p:txBody>
+            <a:bodyPr wrap="none" lIns="120000" tIns="60000" rIns="120000" bIns="60000" anchor="ctr">
+              <a:noAutofit/>
+            </a:bodyPr>
+            <a:lstStyle/>
+            <a:p>
+              <a:pPr algn="ctr"/>
+              <a:r>
+                <a:rPr lang="en-AU" sz="2400" spc="-1">
+                  <a:solidFill>
+                    <a:srgbClr val="000000"/>
+                  </a:solidFill>
+                  <a:latin typeface="Arial"/>
+                </a:rPr>
+                <a:t>dcache</a:t>
+              </a:r>
+            </a:p>
+          </p:txBody>
+        </p:sp>
+        <p:sp>
+          <p:nvSpPr>
+            <p:cNvPr id="34" name="Rectangle 33"/>
+            <p:cNvSpPr/>
+            <p:nvPr/>
+          </p:nvSpPr>
+          <p:spPr>
+            <a:xfrm>
+              <a:off x="6048000" y="3060000"/>
+              <a:ext cx="864000" cy="576000"/>
+            </a:xfrm>
+            <a:prstGeom prst="rect">
+              <a:avLst/>
+            </a:prstGeom>
+            <a:solidFill>
+              <a:srgbClr val="FFFF99"/>
+            </a:solidFill>
+            <a:ln w="7200">
+              <a:solidFill>
+                <a:srgbClr val="000000"/>
+              </a:solidFill>
+              <a:round/>
+            </a:ln>
+          </p:spPr>
+          <p:style>
+            <a:lnRef idx="0">
+              <a:scrgbClr r="0" g="0" b="0"/>
+            </a:lnRef>
+            <a:fillRef idx="0">
+              <a:scrgbClr r="0" g="0" b="0"/>
+            </a:fillRef>
+            <a:effectRef idx="0">
+              <a:scrgbClr r="0" g="0" b="0"/>
+            </a:effectRef>
+            <a:fontRef idx="minor"/>
+          </p:style>
+          <p:txBody>
+            <a:bodyPr wrap="none" lIns="120000" tIns="60000" rIns="120000" bIns="60000" anchor="ctr">
+              <a:noAutofit/>
+            </a:bodyPr>
+            <a:lstStyle/>
+            <a:p>
+              <a:pPr algn="ctr"/>
+              <a:r>
+                <a:rPr lang="en-AU" sz="2400" spc="-1">
+                  <a:solidFill>
+                    <a:srgbClr val="000000"/>
+                  </a:solidFill>
+                  <a:latin typeface="Arial"/>
+                </a:rPr>
+                <a:t>FPU</a:t>
+              </a:r>
+            </a:p>
+          </p:txBody>
+        </p:sp>
+        <p:sp>
+          <p:nvSpPr>
+            <p:cNvPr id="35" name="Rectangle 34"/>
+            <p:cNvSpPr/>
+            <p:nvPr/>
+          </p:nvSpPr>
+          <p:spPr>
+            <a:xfrm>
+              <a:off x="3996000" y="3996000"/>
+              <a:ext cx="1296000" cy="216000"/>
+            </a:xfrm>
+            <a:prstGeom prst="rect">
+              <a:avLst/>
+            </a:prstGeom>
+            <a:solidFill>
+              <a:srgbClr val="FFFF99"/>
+            </a:solidFill>
+            <a:ln w="7200">
+              <a:solidFill>
+                <a:srgbClr val="000000"/>
+              </a:solidFill>
+              <a:round/>
+            </a:ln>
+          </p:spPr>
+          <p:style>
+            <a:lnRef idx="0">
+              <a:scrgbClr r="0" g="0" b="0"/>
+            </a:lnRef>
+            <a:fillRef idx="0">
+              <a:scrgbClr r="0" g="0" b="0"/>
+            </a:fillRef>
+            <a:effectRef idx="0">
+              <a:scrgbClr r="0" g="0" b="0"/>
+            </a:effectRef>
+            <a:fontRef idx="minor"/>
+          </p:style>
+          <p:txBody>
+            <a:bodyPr wrap="none" lIns="120000" tIns="60000" rIns="120000" bIns="60000" anchor="ctr">
+              <a:noAutofit/>
+            </a:bodyPr>
+            <a:lstStyle/>
+            <a:p>
+              <a:pPr algn="ctr"/>
+              <a:r>
+                <a:rPr lang="en-AU" sz="2400" spc="-1">
+                  <a:solidFill>
+                    <a:srgbClr val="000000"/>
+                  </a:solidFill>
+                  <a:latin typeface="Arial"/>
+                </a:rPr>
+                <a:t>writeback</a:t>
+              </a:r>
+            </a:p>
+          </p:txBody>
+        </p:sp>
+        <p:sp>
+          <p:nvSpPr>
+            <p:cNvPr id="36" name="Straight Connector 35"/>
+            <p:cNvSpPr/>
+            <p:nvPr/>
+          </p:nvSpPr>
+          <p:spPr>
+            <a:xfrm>
+              <a:off x="3636000" y="2700000"/>
+              <a:ext cx="0" cy="360000"/>
+            </a:xfrm>
+            <a:prstGeom prst="line">
+              <a:avLst/>
+            </a:prstGeom>
+            <a:ln w="18000">
+              <a:solidFill>
+                <a:srgbClr val="000000"/>
+              </a:solidFill>
+              <a:round/>
+              <a:tailEnd type="triangle" w="med" len="med"/>
+            </a:ln>
+          </p:spPr>
+          <p:style>
+            <a:lnRef idx="0">
+              <a:scrgbClr r="0" g="0" b="0"/>
+            </a:lnRef>
+            <a:fillRef idx="0">
+              <a:scrgbClr r="0" g="0" b="0"/>
+            </a:fillRef>
+            <a:effectRef idx="0">
+              <a:scrgbClr r="0" g="0" b="0"/>
+            </a:effectRef>
+            <a:fontRef idx="minor"/>
+          </p:style>
+          <p:txBody>
+            <a:bodyPr lIns="132000" tIns="72000" rIns="132000" bIns="72000" anchor="ctr">
+              <a:noAutofit/>
+            </a:bodyPr>
+            <a:lstStyle/>
+            <a:p>
+              <a:endParaRPr lang="en-AU" sz="2400" spc="-1">
+                <a:solidFill>
+                  <a:srgbClr val="000000"/>
+                </a:solidFill>
+                <a:latin typeface="Arial"/>
+              </a:endParaRPr>
+            </a:p>
+          </p:txBody>
+        </p:sp>
+        <p:sp>
+          <p:nvSpPr>
+            <p:cNvPr id="37" name="Straight Connector 36"/>
+            <p:cNvSpPr/>
+            <p:nvPr/>
+          </p:nvSpPr>
+          <p:spPr>
+            <a:xfrm>
+              <a:off x="4608000" y="2448000"/>
+              <a:ext cx="0" cy="252000"/>
+            </a:xfrm>
+            <a:prstGeom prst="line">
+              <a:avLst/>
+            </a:prstGeom>
+            <a:ln w="18000">
+              <a:solidFill>
+                <a:srgbClr val="000000"/>
+              </a:solidFill>
+              <a:round/>
+              <a:tailEnd type="triangle" w="med" len="med"/>
+            </a:ln>
+          </p:spPr>
+          <p:style>
+            <a:lnRef idx="0">
+              <a:scrgbClr r="0" g="0" b="0"/>
+            </a:lnRef>
+            <a:fillRef idx="0">
+              <a:scrgbClr r="0" g="0" b="0"/>
+            </a:fillRef>
+            <a:effectRef idx="0">
+              <a:scrgbClr r="0" g="0" b="0"/>
+            </a:effectRef>
+            <a:fontRef idx="minor"/>
+          </p:style>
+          <p:txBody>
+            <a:bodyPr lIns="132000" tIns="72000" rIns="132000" bIns="72000" anchor="ctr">
+              <a:noAutofit/>
+            </a:bodyPr>
+            <a:lstStyle/>
+            <a:p>
+              <a:endParaRPr lang="en-AU" sz="2400" spc="-1">
+                <a:solidFill>
+                  <a:srgbClr val="000000"/>
+                </a:solidFill>
+                <a:latin typeface="Arial"/>
+              </a:endParaRPr>
+            </a:p>
+          </p:txBody>
+        </p:sp>
+        <p:sp>
+          <p:nvSpPr>
+            <p:cNvPr id="38" name="Straight Connector 37"/>
+            <p:cNvSpPr/>
+            <p:nvPr/>
+          </p:nvSpPr>
+          <p:spPr>
+            <a:xfrm>
+              <a:off x="2160000" y="3528000"/>
+              <a:ext cx="0" cy="468000"/>
+            </a:xfrm>
+            <a:prstGeom prst="line">
+              <a:avLst/>
+            </a:prstGeom>
+            <a:ln w="18000">
+              <a:solidFill>
+                <a:srgbClr val="000000"/>
+              </a:solidFill>
+              <a:round/>
+              <a:headEnd type="triangle" w="med" len="med"/>
+              <a:tailEnd type="triangle" w="med" len="med"/>
+            </a:ln>
+          </p:spPr>
+          <p:style>
+            <a:lnRef idx="0">
+              <a:scrgbClr r="0" g="0" b="0"/>
+            </a:lnRef>
+            <a:fillRef idx="0">
+              <a:scrgbClr r="0" g="0" b="0"/>
+            </a:fillRef>
+            <a:effectRef idx="0">
+              <a:scrgbClr r="0" g="0" b="0"/>
+            </a:effectRef>
+            <a:fontRef idx="minor"/>
+          </p:style>
+          <p:txBody>
+            <a:bodyPr lIns="132000" tIns="72000" rIns="132000" bIns="72000" anchor="ctr">
+              <a:noAutofit/>
+            </a:bodyPr>
+            <a:lstStyle/>
+            <a:p>
+              <a:endParaRPr lang="en-AU" sz="2400" spc="-1">
+                <a:solidFill>
+                  <a:srgbClr val="000000"/>
+                </a:solidFill>
+                <a:latin typeface="Arial"/>
+              </a:endParaRPr>
+            </a:p>
+          </p:txBody>
+        </p:sp>
+        <p:sp>
+          <p:nvSpPr>
+            <p:cNvPr id="39" name="Straight Connector 38"/>
+            <p:cNvSpPr/>
+            <p:nvPr/>
+          </p:nvSpPr>
+          <p:spPr>
+            <a:xfrm>
+              <a:off x="3636000" y="3528000"/>
+              <a:ext cx="720000" cy="468000"/>
+            </a:xfrm>
+            <a:prstGeom prst="line">
+              <a:avLst/>
+            </a:prstGeom>
+            <a:ln w="18000">
+              <a:solidFill>
+                <a:srgbClr val="000000"/>
+              </a:solidFill>
+              <a:round/>
+              <a:tailEnd type="triangle" w="med" len="med"/>
+            </a:ln>
+          </p:spPr>
+          <p:style>
+            <a:lnRef idx="0">
+              <a:scrgbClr r="0" g="0" b="0"/>
+            </a:lnRef>
+            <a:fillRef idx="0">
+              <a:scrgbClr r="0" g="0" b="0"/>
+            </a:fillRef>
+            <a:effectRef idx="0">
+              <a:scrgbClr r="0" g="0" b="0"/>
+            </a:effectRef>
+            <a:fontRef idx="minor"/>
+          </p:style>
+          <p:txBody>
+            <a:bodyPr lIns="132000" tIns="72000" rIns="132000" bIns="72000" anchor="ctr">
+              <a:noAutofit/>
+            </a:bodyPr>
+            <a:lstStyle/>
+            <a:p>
+              <a:endParaRPr lang="en-AU" sz="2400" spc="-1">
+                <a:solidFill>
+                  <a:srgbClr val="000000"/>
+                </a:solidFill>
+                <a:latin typeface="Arial"/>
+              </a:endParaRPr>
+            </a:p>
+          </p:txBody>
+        </p:sp>
+        <p:sp>
+          <p:nvSpPr>
+            <p:cNvPr id="40" name="Straight Connector 39"/>
+            <p:cNvSpPr/>
+            <p:nvPr/>
+          </p:nvSpPr>
+          <p:spPr>
+            <a:xfrm flipH="1">
+              <a:off x="4680000" y="3492000"/>
+              <a:ext cx="468000" cy="504000"/>
+            </a:xfrm>
+            <a:prstGeom prst="line">
+              <a:avLst/>
+            </a:prstGeom>
+            <a:ln w="18000">
+              <a:solidFill>
+                <a:srgbClr val="000000"/>
+              </a:solidFill>
+              <a:round/>
+              <a:tailEnd type="triangle" w="med" len="med"/>
+            </a:ln>
+          </p:spPr>
+          <p:style>
+            <a:lnRef idx="0">
+              <a:scrgbClr r="0" g="0" b="0"/>
+            </a:lnRef>
+            <a:fillRef idx="0">
+              <a:scrgbClr r="0" g="0" b="0"/>
+            </a:fillRef>
+            <a:effectRef idx="0">
+              <a:scrgbClr r="0" g="0" b="0"/>
+            </a:effectRef>
+            <a:fontRef idx="minor"/>
+          </p:style>
+          <p:txBody>
+            <a:bodyPr lIns="132000" tIns="72000" rIns="132000" bIns="72000" anchor="ctr">
+              <a:noAutofit/>
+            </a:bodyPr>
+            <a:lstStyle/>
+            <a:p>
+              <a:endParaRPr lang="en-AU" sz="2400" spc="-1">
+                <a:solidFill>
+                  <a:srgbClr val="000000"/>
+                </a:solidFill>
+                <a:latin typeface="Arial"/>
+              </a:endParaRPr>
+            </a:p>
+          </p:txBody>
+        </p:sp>
+        <p:sp>
+          <p:nvSpPr>
+            <p:cNvPr id="41" name="Straight Connector 40"/>
+            <p:cNvSpPr/>
+            <p:nvPr/>
+          </p:nvSpPr>
+          <p:spPr>
+            <a:xfrm flipH="1">
+              <a:off x="3355200" y="1620000"/>
+              <a:ext cx="612000" cy="0"/>
+            </a:xfrm>
+            <a:prstGeom prst="line">
+              <a:avLst/>
+            </a:prstGeom>
+            <a:ln w="18000">
+              <a:solidFill>
+                <a:srgbClr val="000000"/>
+              </a:solidFill>
+              <a:round/>
+              <a:headEnd type="triangle" w="med" len="med"/>
+              <a:tailEnd type="triangle" w="med" len="med"/>
+            </a:ln>
+          </p:spPr>
+          <p:style>
+            <a:lnRef idx="0">
+              <a:scrgbClr r="0" g="0" b="0"/>
+            </a:lnRef>
+            <a:fillRef idx="0">
+              <a:scrgbClr r="0" g="0" b="0"/>
+            </a:fillRef>
+            <a:effectRef idx="0">
+              <a:scrgbClr r="0" g="0" b="0"/>
+            </a:effectRef>
+            <a:fontRef idx="minor"/>
+          </p:style>
+          <p:txBody>
+            <a:bodyPr lIns="132000" tIns="-72000" rIns="132000" bIns="-72000" anchor="ctr">
+              <a:noAutofit/>
+            </a:bodyPr>
+            <a:lstStyle/>
+            <a:p>
+              <a:endParaRPr lang="en-AU" sz="2400" spc="-1">
+                <a:solidFill>
+                  <a:srgbClr val="000000"/>
+                </a:solidFill>
+                <a:latin typeface="Arial"/>
+              </a:endParaRPr>
+            </a:p>
+          </p:txBody>
+        </p:sp>
+        <p:sp>
+          <p:nvSpPr>
+            <p:cNvPr id="42" name="Straight Connector 41"/>
+            <p:cNvSpPr/>
+            <p:nvPr/>
+          </p:nvSpPr>
+          <p:spPr>
+            <a:xfrm flipH="1">
+              <a:off x="1108800" y="3168000"/>
+              <a:ext cx="331200" cy="0"/>
+            </a:xfrm>
+            <a:prstGeom prst="line">
+              <a:avLst/>
+            </a:prstGeom>
+            <a:ln w="18000">
+              <a:solidFill>
+                <a:srgbClr val="000000"/>
+              </a:solidFill>
+              <a:round/>
+              <a:headEnd type="triangle" w="med" len="med"/>
+              <a:tailEnd type="triangle" w="med" len="med"/>
+            </a:ln>
+          </p:spPr>
+          <p:style>
+            <a:lnRef idx="0">
+              <a:scrgbClr r="0" g="0" b="0"/>
+            </a:lnRef>
+            <a:fillRef idx="0">
+              <a:scrgbClr r="0" g="0" b="0"/>
+            </a:fillRef>
+            <a:effectRef idx="0">
+              <a:scrgbClr r="0" g="0" b="0"/>
+            </a:effectRef>
+            <a:fontRef idx="minor"/>
+          </p:style>
+          <p:txBody>
+            <a:bodyPr lIns="132000" tIns="-72000" rIns="132000" bIns="-72000" anchor="ctr">
+              <a:noAutofit/>
+            </a:bodyPr>
+            <a:lstStyle/>
+            <a:p>
+              <a:endParaRPr lang="en-AU" sz="2400" spc="-1">
+                <a:solidFill>
+                  <a:srgbClr val="000000"/>
+                </a:solidFill>
+                <a:latin typeface="Arial"/>
+              </a:endParaRPr>
+            </a:p>
+          </p:txBody>
+        </p:sp>
+        <p:sp>
+          <p:nvSpPr>
+            <p:cNvPr id="43" name="TextBox 42"/>
+            <p:cNvSpPr txBox="1"/>
+            <p:nvPr/>
+          </p:nvSpPr>
+          <p:spPr>
+            <a:xfrm>
+              <a:off x="2520000" y="1440000"/>
+              <a:ext cx="871200" cy="302040"/>
+            </a:xfrm>
+            <a:prstGeom prst="rect">
+              <a:avLst/>
+            </a:prstGeom>
+            <a:noFill/>
+            <a:ln w="7200">
+              <a:noFill/>
+            </a:ln>
+          </p:spPr>
+          <p:txBody>
+            <a:bodyPr lIns="120000" tIns="60000" rIns="120000" bIns="60000" anchor="t">
+              <a:noAutofit/>
+            </a:bodyPr>
+            <a:lstStyle/>
+            <a:p>
+              <a:r>
+                <a:rPr lang="en-AU" sz="2000" spc="-1">
+                  <a:solidFill>
+                    <a:srgbClr val="000000"/>
+                  </a:solidFill>
+                  <a:latin typeface="Arial"/>
+                </a:rPr>
+                <a:t>memory</a:t>
+              </a:r>
+            </a:p>
+          </p:txBody>
+        </p:sp>
+        <p:sp>
+          <p:nvSpPr>
+            <p:cNvPr id="44" name="TextBox 43"/>
+            <p:cNvSpPr txBox="1"/>
+            <p:nvPr/>
+          </p:nvSpPr>
+          <p:spPr>
+            <a:xfrm>
+              <a:off x="324000" y="2988000"/>
+              <a:ext cx="907200" cy="302040"/>
+            </a:xfrm>
+            <a:prstGeom prst="rect">
+              <a:avLst/>
+            </a:prstGeom>
+            <a:noFill/>
+            <a:ln w="7200">
+              <a:noFill/>
+            </a:ln>
+          </p:spPr>
+          <p:txBody>
+            <a:bodyPr lIns="120000" tIns="60000" rIns="120000" bIns="60000" anchor="t">
+              <a:noAutofit/>
+            </a:bodyPr>
+            <a:lstStyle/>
+            <a:p>
+              <a:r>
+                <a:rPr lang="en-AU" sz="2000" spc="-1">
+                  <a:solidFill>
+                    <a:srgbClr val="000000"/>
+                  </a:solidFill>
+                  <a:latin typeface="Arial"/>
+                </a:rPr>
+                <a:t>memory</a:t>
+              </a:r>
+            </a:p>
+          </p:txBody>
+        </p:sp>
+        <p:sp>
+          <p:nvSpPr>
+            <p:cNvPr id="45" name="Rectangle 44"/>
+            <p:cNvSpPr/>
+            <p:nvPr/>
+          </p:nvSpPr>
+          <p:spPr>
+            <a:xfrm>
+              <a:off x="5724000" y="3816000"/>
+              <a:ext cx="1296000" cy="216000"/>
+            </a:xfrm>
+            <a:prstGeom prst="rect">
+              <a:avLst/>
+            </a:prstGeom>
+            <a:solidFill>
+              <a:srgbClr val="FFFF99"/>
+            </a:solidFill>
+            <a:ln w="7200">
+              <a:solidFill>
+                <a:srgbClr val="000000"/>
+              </a:solidFill>
+              <a:round/>
+            </a:ln>
+          </p:spPr>
+          <p:style>
+            <a:lnRef idx="0">
+              <a:scrgbClr r="0" g="0" b="0"/>
+            </a:lnRef>
+            <a:fillRef idx="0">
+              <a:scrgbClr r="0" g="0" b="0"/>
+            </a:fillRef>
+            <a:effectRef idx="0">
+              <a:scrgbClr r="0" g="0" b="0"/>
+            </a:effectRef>
+            <a:fontRef idx="minor"/>
+          </p:style>
+          <p:txBody>
+            <a:bodyPr wrap="none" lIns="120000" tIns="60000" rIns="120000" bIns="60000" anchor="ctr">
+              <a:noAutofit/>
+            </a:bodyPr>
+            <a:lstStyle/>
+            <a:p>
+              <a:pPr algn="ctr"/>
+              <a:r>
+                <a:rPr lang="en-AU" sz="2133" spc="-1">
+                  <a:solidFill>
+                    <a:srgbClr val="000000"/>
+                  </a:solidFill>
+                  <a:latin typeface="Arial"/>
+                </a:rPr>
+                <a:t>register_file</a:t>
+              </a:r>
+            </a:p>
+          </p:txBody>
+        </p:sp>
+        <p:sp>
+          <p:nvSpPr>
+            <p:cNvPr id="46" name="Rectangle 45"/>
+            <p:cNvSpPr/>
+            <p:nvPr/>
+          </p:nvSpPr>
+          <p:spPr>
+            <a:xfrm>
+              <a:off x="5724000" y="4140000"/>
+              <a:ext cx="1296000" cy="216000"/>
+            </a:xfrm>
+            <a:prstGeom prst="rect">
+              <a:avLst/>
+            </a:prstGeom>
+            <a:solidFill>
+              <a:srgbClr val="FFFF99"/>
+            </a:solidFill>
+            <a:ln w="7200">
+              <a:solidFill>
+                <a:srgbClr val="000000"/>
+              </a:solidFill>
+              <a:round/>
+            </a:ln>
+          </p:spPr>
+          <p:style>
+            <a:lnRef idx="0">
+              <a:scrgbClr r="0" g="0" b="0"/>
+            </a:lnRef>
+            <a:fillRef idx="0">
+              <a:scrgbClr r="0" g="0" b="0"/>
+            </a:fillRef>
+            <a:effectRef idx="0">
+              <a:scrgbClr r="0" g="0" b="0"/>
+            </a:effectRef>
+            <a:fontRef idx="minor"/>
+          </p:style>
+          <p:txBody>
+            <a:bodyPr wrap="none" lIns="120000" tIns="60000" rIns="120000" bIns="60000" anchor="ctr">
+              <a:noAutofit/>
+            </a:bodyPr>
+            <a:lstStyle/>
+            <a:p>
+              <a:pPr algn="ctr"/>
+              <a:r>
+                <a:rPr lang="en-AU" sz="2133" spc="-1">
+                  <a:solidFill>
+                    <a:srgbClr val="000000"/>
+                  </a:solidFill>
+                  <a:latin typeface="Arial"/>
+                </a:rPr>
+                <a:t>cr_file</a:t>
+              </a:r>
+            </a:p>
+          </p:txBody>
+        </p:sp>
+        <p:sp>
+          <p:nvSpPr>
+            <p:cNvPr id="47" name="Straight Connector 46"/>
+            <p:cNvSpPr/>
+            <p:nvPr/>
+          </p:nvSpPr>
+          <p:spPr>
+            <a:xfrm>
+              <a:off x="5292000" y="4140000"/>
+              <a:ext cx="432000" cy="108000"/>
+            </a:xfrm>
+            <a:prstGeom prst="line">
+              <a:avLst/>
+            </a:prstGeom>
+            <a:ln w="18000">
+              <a:solidFill>
+                <a:srgbClr val="000000"/>
+              </a:solidFill>
+              <a:round/>
+              <a:tailEnd type="triangle" w="med" len="med"/>
+            </a:ln>
+          </p:spPr>
+          <p:style>
+            <a:lnRef idx="0">
+              <a:scrgbClr r="0" g="0" b="0"/>
+            </a:lnRef>
+            <a:fillRef idx="0">
+              <a:scrgbClr r="0" g="0" b="0"/>
+            </a:fillRef>
+            <a:effectRef idx="0">
+              <a:scrgbClr r="0" g="0" b="0"/>
+            </a:effectRef>
+            <a:fontRef idx="minor"/>
+          </p:style>
+          <p:txBody>
+            <a:bodyPr lIns="132000" tIns="72000" rIns="132000" bIns="72000" anchor="ctr">
+              <a:noAutofit/>
+            </a:bodyPr>
+            <a:lstStyle/>
+            <a:p>
+              <a:endParaRPr lang="en-AU" sz="2400" spc="-1">
+                <a:solidFill>
+                  <a:srgbClr val="000000"/>
+                </a:solidFill>
+                <a:latin typeface="Arial"/>
+              </a:endParaRPr>
+            </a:p>
+          </p:txBody>
+        </p:sp>
+        <p:sp>
+          <p:nvSpPr>
+            <p:cNvPr id="48" name="Straight Connector 47"/>
+            <p:cNvSpPr/>
+            <p:nvPr/>
+          </p:nvSpPr>
+          <p:spPr>
+            <a:xfrm flipV="1">
+              <a:off x="5292000" y="3924000"/>
+              <a:ext cx="432000" cy="144000"/>
+            </a:xfrm>
+            <a:prstGeom prst="line">
+              <a:avLst/>
+            </a:prstGeom>
+            <a:ln w="18000">
+              <a:solidFill>
+                <a:srgbClr val="000000"/>
+              </a:solidFill>
+              <a:round/>
+              <a:tailEnd type="triangle" w="med" len="med"/>
+            </a:ln>
+          </p:spPr>
+          <p:style>
+            <a:lnRef idx="0">
+              <a:scrgbClr r="0" g="0" b="0"/>
+            </a:lnRef>
+            <a:fillRef idx="0">
+              <a:scrgbClr r="0" g="0" b="0"/>
+            </a:fillRef>
+            <a:effectRef idx="0">
+              <a:scrgbClr r="0" g="0" b="0"/>
+            </a:effectRef>
+            <a:fontRef idx="minor"/>
+          </p:style>
+          <p:txBody>
+            <a:bodyPr lIns="132000" tIns="72000" rIns="132000" bIns="72000" anchor="ctr">
+              <a:noAutofit/>
+            </a:bodyPr>
+            <a:lstStyle/>
+            <a:p>
+              <a:endParaRPr lang="en-AU" sz="2400" spc="-1">
+                <a:solidFill>
+                  <a:srgbClr val="000000"/>
+                </a:solidFill>
+                <a:latin typeface="Arial"/>
+              </a:endParaRPr>
+            </a:p>
+          </p:txBody>
+        </p:sp>
+        <p:cxnSp>
+          <p:nvCxnSpPr>
+            <p:cNvPr id="49" name="Elbow Connector 48"/>
+            <p:cNvCxnSpPr>
+              <a:stCxn id="45" idx="3"/>
+              <a:endCxn id="27" idx="3"/>
+            </p:cNvCxnSpPr>
+            <p:nvPr/>
+          </p:nvCxnSpPr>
+          <p:spPr>
+            <a:xfrm flipH="1" flipV="1">
+              <a:off x="5256000" y="2340000"/>
+              <a:ext cx="1764360" cy="1584360"/>
+            </a:xfrm>
+            <a:prstGeom prst="bentConnector3">
+              <a:avLst>
+                <a:gd name="adj1" fmla="val -10408"/>
+              </a:avLst>
+            </a:prstGeom>
+            <a:ln w="18000">
+              <a:solidFill>
+                <a:srgbClr val="000000"/>
+              </a:solidFill>
+              <a:round/>
+              <a:tailEnd type="triangle" w="med" len="med"/>
+            </a:ln>
+          </p:spPr>
+        </p:cxnSp>
+        <p:cxnSp>
+          <p:nvCxnSpPr>
+            <p:cNvPr id="50" name="Elbow Connector 49"/>
+            <p:cNvCxnSpPr>
+              <a:stCxn id="46" idx="3"/>
+              <a:endCxn id="27" idx="3"/>
+            </p:cNvCxnSpPr>
+            <p:nvPr/>
+          </p:nvCxnSpPr>
+          <p:spPr>
+            <a:xfrm flipH="1" flipV="1">
+              <a:off x="5256000" y="2340000"/>
+              <a:ext cx="1764360" cy="1908360"/>
+            </a:xfrm>
+            <a:prstGeom prst="bentConnector3">
+              <a:avLst>
+                <a:gd name="adj1" fmla="val -10408"/>
+              </a:avLst>
+            </a:prstGeom>
+            <a:ln w="18000">
+              <a:solidFill>
+                <a:srgbClr val="000000"/>
+              </a:solidFill>
+              <a:round/>
+              <a:tailEnd type="triangle" w="med" len="med"/>
+            </a:ln>
+          </p:spPr>
+        </p:cxnSp>
+        <p:sp>
+          <p:nvSpPr>
+            <p:cNvPr id="51" name="Straight Connector 50"/>
+            <p:cNvSpPr/>
+            <p:nvPr/>
+          </p:nvSpPr>
+          <p:spPr>
+            <a:xfrm flipH="1">
+              <a:off x="2736000" y="3276000"/>
+              <a:ext cx="252000" cy="0"/>
+            </a:xfrm>
+            <a:prstGeom prst="line">
+              <a:avLst/>
+            </a:prstGeom>
+            <a:ln w="18000">
+              <a:solidFill>
+                <a:srgbClr val="000000"/>
+              </a:solidFill>
+              <a:round/>
+              <a:headEnd type="triangle" w="med" len="med"/>
+              <a:tailEnd type="triangle" w="med" len="med"/>
+            </a:ln>
+          </p:spPr>
+          <p:style>
+            <a:lnRef idx="0">
+              <a:scrgbClr r="0" g="0" b="0"/>
+            </a:lnRef>
+            <a:fillRef idx="0">
+              <a:scrgbClr r="0" g="0" b="0"/>
+            </a:fillRef>
+            <a:effectRef idx="0">
+              <a:scrgbClr r="0" g="0" b="0"/>
+            </a:effectRef>
+            <a:fontRef idx="minor"/>
+          </p:style>
+          <p:txBody>
+            <a:bodyPr lIns="132000" tIns="-72000" rIns="132000" bIns="-72000" anchor="ctr">
+              <a:noAutofit/>
+            </a:bodyPr>
+            <a:lstStyle/>
+            <a:p>
+              <a:endParaRPr lang="en-AU" sz="2400" spc="-1">
+                <a:solidFill>
+                  <a:srgbClr val="000000"/>
+                </a:solidFill>
+                <a:latin typeface="Arial"/>
+              </a:endParaRPr>
+            </a:p>
+          </p:txBody>
+        </p:sp>
+        <p:sp>
+          <p:nvSpPr>
+            <p:cNvPr id="52" name="Straight Connector 51"/>
+            <p:cNvSpPr/>
+            <p:nvPr/>
+          </p:nvSpPr>
+          <p:spPr>
+            <a:xfrm flipH="1">
+              <a:off x="6473520" y="2700000"/>
+              <a:ext cx="6480" cy="371160"/>
+            </a:xfrm>
+            <a:prstGeom prst="line">
+              <a:avLst/>
+            </a:prstGeom>
+            <a:ln w="18000">
+              <a:solidFill>
+                <a:srgbClr val="000000"/>
+              </a:solidFill>
+              <a:round/>
+              <a:tailEnd type="triangle" w="med" len="med"/>
+            </a:ln>
+          </p:spPr>
+          <p:style>
+            <a:lnRef idx="0">
+              <a:scrgbClr r="0" g="0" b="0"/>
+            </a:lnRef>
+            <a:fillRef idx="0">
+              <a:scrgbClr r="0" g="0" b="0"/>
+            </a:fillRef>
+            <a:effectRef idx="0">
+              <a:scrgbClr r="0" g="0" b="0"/>
+            </a:effectRef>
+            <a:fontRef idx="minor"/>
+          </p:style>
+          <p:txBody>
+            <a:bodyPr lIns="132000" tIns="72000" rIns="132000" bIns="72000" anchor="ctr">
+              <a:noAutofit/>
+            </a:bodyPr>
+            <a:lstStyle/>
+            <a:p>
+              <a:endParaRPr lang="en-AU" sz="2400" spc="-1">
+                <a:solidFill>
+                  <a:srgbClr val="000000"/>
+                </a:solidFill>
+                <a:latin typeface="Arial"/>
+              </a:endParaRPr>
+            </a:p>
+          </p:txBody>
+        </p:sp>
+        <p:sp>
+          <p:nvSpPr>
+            <p:cNvPr id="53" name="Straight Connector 52"/>
+            <p:cNvSpPr/>
+            <p:nvPr/>
+          </p:nvSpPr>
+          <p:spPr>
+            <a:xfrm flipH="1">
+              <a:off x="4932000" y="3636000"/>
+              <a:ext cx="1224000" cy="360000"/>
+            </a:xfrm>
+            <a:prstGeom prst="line">
+              <a:avLst/>
+            </a:prstGeom>
+            <a:ln w="18000">
+              <a:solidFill>
+                <a:srgbClr val="000000"/>
+              </a:solidFill>
+              <a:round/>
+              <a:tailEnd type="triangle" w="med" len="med"/>
+            </a:ln>
+          </p:spPr>
+          <p:style>
+            <a:lnRef idx="0">
+              <a:scrgbClr r="0" g="0" b="0"/>
+            </a:lnRef>
+            <a:fillRef idx="0">
+              <a:scrgbClr r="0" g="0" b="0"/>
+            </a:fillRef>
+            <a:effectRef idx="0">
+              <a:scrgbClr r="0" g="0" b="0"/>
+            </a:effectRef>
+            <a:fontRef idx="minor"/>
+          </p:style>
+          <p:txBody>
+            <a:bodyPr lIns="132000" tIns="72000" rIns="132000" bIns="72000" anchor="ctr">
+              <a:noAutofit/>
+            </a:bodyPr>
+            <a:lstStyle/>
+            <a:p>
+              <a:endParaRPr lang="en-AU" sz="2400" spc="-1">
+                <a:solidFill>
+                  <a:srgbClr val="000000"/>
+                </a:solidFill>
+                <a:latin typeface="Arial"/>
+              </a:endParaRPr>
+            </a:p>
+          </p:txBody>
+        </p:sp>
+        <p:sp>
+          <p:nvSpPr>
+            <p:cNvPr id="54" name="Straight Connector 53"/>
+            <p:cNvSpPr/>
+            <p:nvPr/>
+          </p:nvSpPr>
+          <p:spPr>
+            <a:xfrm>
+              <a:off x="3636000" y="2700000"/>
+              <a:ext cx="2844000" cy="0"/>
+            </a:xfrm>
+            <a:prstGeom prst="line">
+              <a:avLst/>
+            </a:prstGeom>
+            <a:ln w="18000">
+              <a:solidFill>
+                <a:srgbClr val="000000"/>
+              </a:solidFill>
+              <a:round/>
+            </a:ln>
+          </p:spPr>
+          <p:style>
+            <a:lnRef idx="0">
+              <a:scrgbClr r="0" g="0" b="0"/>
+            </a:lnRef>
+            <a:fillRef idx="0">
+              <a:scrgbClr r="0" g="0" b="0"/>
+            </a:fillRef>
+            <a:effectRef idx="0">
+              <a:scrgbClr r="0" g="0" b="0"/>
+            </a:effectRef>
+            <a:fontRef idx="minor"/>
+          </p:style>
+          <p:txBody>
+            <a:bodyPr lIns="127200" tIns="-67200" rIns="127200" bIns="-67200" anchor="ctr">
+              <a:noAutofit/>
+            </a:bodyPr>
+            <a:lstStyle/>
+            <a:p>
+              <a:endParaRPr lang="en-AU" sz="2400" spc="-1">
+                <a:solidFill>
+                  <a:srgbClr val="000000"/>
+                </a:solidFill>
+                <a:latin typeface="Arial"/>
+              </a:endParaRPr>
+            </a:p>
+          </p:txBody>
+        </p:sp>
+        <p:sp>
+          <p:nvSpPr>
+            <p:cNvPr id="55" name="Straight Connector 54"/>
+            <p:cNvSpPr/>
+            <p:nvPr/>
+          </p:nvSpPr>
+          <p:spPr>
+            <a:xfrm>
+              <a:off x="5256000" y="1980000"/>
+              <a:ext cx="252000" cy="0"/>
+            </a:xfrm>
+            <a:prstGeom prst="line">
+              <a:avLst/>
+            </a:prstGeom>
+            <a:ln w="18000">
+              <a:solidFill>
+                <a:srgbClr val="000000"/>
+              </a:solidFill>
+              <a:round/>
+            </a:ln>
+          </p:spPr>
+          <p:style>
+            <a:lnRef idx="0">
+              <a:scrgbClr r="0" g="0" b="0"/>
+            </a:lnRef>
+            <a:fillRef idx="0">
+              <a:scrgbClr r="0" g="0" b="0"/>
+            </a:fillRef>
+            <a:effectRef idx="0">
+              <a:scrgbClr r="0" g="0" b="0"/>
+            </a:effectRef>
+            <a:fontRef idx="minor"/>
+          </p:style>
+          <p:txBody>
+            <a:bodyPr lIns="127200" tIns="-67200" rIns="127200" bIns="-67200" anchor="ctr">
+              <a:noAutofit/>
+            </a:bodyPr>
+            <a:lstStyle/>
+            <a:p>
+              <a:endParaRPr lang="en-AU" sz="2400" spc="-1">
+                <a:solidFill>
+                  <a:srgbClr val="000000"/>
+                </a:solidFill>
+                <a:latin typeface="Arial"/>
+              </a:endParaRPr>
+            </a:p>
+          </p:txBody>
+        </p:sp>
+        <p:sp>
+          <p:nvSpPr>
+            <p:cNvPr id="56" name="Straight Connector 55"/>
+            <p:cNvSpPr/>
+            <p:nvPr/>
+          </p:nvSpPr>
+          <p:spPr>
+            <a:xfrm flipV="1">
+              <a:off x="5508000" y="1332000"/>
+              <a:ext cx="0" cy="648000"/>
+            </a:xfrm>
+            <a:prstGeom prst="line">
+              <a:avLst/>
+            </a:prstGeom>
+            <a:ln w="18000">
+              <a:solidFill>
+                <a:srgbClr val="000000"/>
+              </a:solidFill>
+              <a:round/>
+            </a:ln>
+          </p:spPr>
+          <p:style>
+            <a:lnRef idx="0">
+              <a:scrgbClr r="0" g="0" b="0"/>
+            </a:lnRef>
+            <a:fillRef idx="0">
+              <a:scrgbClr r="0" g="0" b="0"/>
+            </a:fillRef>
+            <a:effectRef idx="0">
+              <a:scrgbClr r="0" g="0" b="0"/>
+            </a:effectRef>
+            <a:fontRef idx="minor"/>
+          </p:style>
+          <p:txBody>
+            <a:bodyPr lIns="127200" tIns="67200" rIns="127200" bIns="67200" anchor="ctr">
+              <a:noAutofit/>
+            </a:bodyPr>
+            <a:lstStyle/>
+            <a:p>
+              <a:endParaRPr lang="en-AU" sz="2400" spc="-1">
+                <a:solidFill>
+                  <a:srgbClr val="000000"/>
+                </a:solidFill>
+                <a:latin typeface="Arial"/>
+              </a:endParaRPr>
+            </a:p>
+          </p:txBody>
+        </p:sp>
+        <p:sp>
+          <p:nvSpPr>
+            <p:cNvPr id="57" name="Straight Connector 56"/>
+            <p:cNvSpPr/>
+            <p:nvPr/>
+          </p:nvSpPr>
+          <p:spPr>
+            <a:xfrm flipH="1">
+              <a:off x="5263200" y="1332000"/>
+              <a:ext cx="244800" cy="0"/>
+            </a:xfrm>
+            <a:prstGeom prst="line">
+              <a:avLst/>
+            </a:prstGeom>
+            <a:ln w="18000">
+              <a:solidFill>
+                <a:srgbClr val="000000"/>
+              </a:solidFill>
+              <a:round/>
+              <a:tailEnd type="triangle" w="med" len="med"/>
+            </a:ln>
+          </p:spPr>
+          <p:style>
+            <a:lnRef idx="0">
+              <a:scrgbClr r="0" g="0" b="0"/>
+            </a:lnRef>
+            <a:fillRef idx="0">
+              <a:scrgbClr r="0" g="0" b="0"/>
+            </a:fillRef>
+            <a:effectRef idx="0">
+              <a:scrgbClr r="0" g="0" b="0"/>
+            </a:effectRef>
+            <a:fontRef idx="minor"/>
+          </p:style>
+          <p:txBody>
+            <a:bodyPr lIns="127200" tIns="-67200" rIns="127200" bIns="-67200" anchor="ctr">
+              <a:noAutofit/>
+            </a:bodyPr>
+            <a:lstStyle/>
+            <a:p>
+              <a:endParaRPr lang="en-AU" sz="2400" spc="-1">
+                <a:solidFill>
+                  <a:srgbClr val="000000"/>
+                </a:solidFill>
+                <a:latin typeface="Arial"/>
+              </a:endParaRPr>
+            </a:p>
+          </p:txBody>
+        </p:sp>
+        <p:sp>
+          <p:nvSpPr>
+            <p:cNvPr id="58" name="Straight Connector 57"/>
+            <p:cNvSpPr/>
+            <p:nvPr/>
+          </p:nvSpPr>
+          <p:spPr>
+            <a:xfrm flipH="1">
+              <a:off x="5254560" y="1260000"/>
+              <a:ext cx="2044800" cy="0"/>
+            </a:xfrm>
+            <a:prstGeom prst="line">
+              <a:avLst/>
+            </a:prstGeom>
+            <a:ln w="18000">
+              <a:solidFill>
+                <a:srgbClr val="000000"/>
+              </a:solidFill>
+              <a:round/>
+              <a:tailEnd type="triangle" w="med" len="med"/>
+            </a:ln>
+          </p:spPr>
+          <p:style>
+            <a:lnRef idx="0">
+              <a:scrgbClr r="0" g="0" b="0"/>
+            </a:lnRef>
+            <a:fillRef idx="0">
+              <a:scrgbClr r="0" g="0" b="0"/>
+            </a:fillRef>
+            <a:effectRef idx="0">
+              <a:scrgbClr r="0" g="0" b="0"/>
+            </a:effectRef>
+            <a:fontRef idx="minor"/>
+          </p:style>
+          <p:txBody>
+            <a:bodyPr lIns="127200" tIns="-67200" rIns="127200" bIns="-67200" anchor="ctr">
+              <a:noAutofit/>
+            </a:bodyPr>
+            <a:lstStyle/>
+            <a:p>
+              <a:endParaRPr lang="en-AU" sz="2400" spc="-1">
+                <a:solidFill>
+                  <a:srgbClr val="000000"/>
+                </a:solidFill>
+                <a:latin typeface="Arial"/>
+              </a:endParaRPr>
+            </a:p>
+          </p:txBody>
+        </p:sp>
+        <p:sp>
+          <p:nvSpPr>
+            <p:cNvPr id="59" name="Straight Connector 58"/>
+            <p:cNvSpPr/>
+            <p:nvPr/>
+          </p:nvSpPr>
+          <p:spPr>
+            <a:xfrm flipV="1">
+              <a:off x="7308000" y="1260000"/>
+              <a:ext cx="0" cy="3204000"/>
+            </a:xfrm>
+            <a:prstGeom prst="line">
+              <a:avLst/>
+            </a:prstGeom>
+            <a:ln w="18000">
+              <a:solidFill>
+                <a:srgbClr val="000000"/>
+              </a:solidFill>
+              <a:round/>
+            </a:ln>
+          </p:spPr>
+          <p:style>
+            <a:lnRef idx="0">
+              <a:scrgbClr r="0" g="0" b="0"/>
+            </a:lnRef>
+            <a:fillRef idx="0">
+              <a:scrgbClr r="0" g="0" b="0"/>
+            </a:fillRef>
+            <a:effectRef idx="0">
+              <a:scrgbClr r="0" g="0" b="0"/>
+            </a:effectRef>
+            <a:fontRef idx="minor"/>
+          </p:style>
+          <p:txBody>
+            <a:bodyPr lIns="127200" tIns="67200" rIns="127200" bIns="67200" anchor="ctr">
+              <a:noAutofit/>
+            </a:bodyPr>
+            <a:lstStyle/>
+            <a:p>
+              <a:endParaRPr lang="en-AU" sz="2400" spc="-1">
+                <a:solidFill>
+                  <a:srgbClr val="000000"/>
+                </a:solidFill>
+                <a:latin typeface="Arial"/>
+              </a:endParaRPr>
+            </a:p>
+          </p:txBody>
+        </p:sp>
+        <p:sp>
+          <p:nvSpPr>
+            <p:cNvPr id="60" name="Straight Connector 59"/>
+            <p:cNvSpPr/>
+            <p:nvPr/>
+          </p:nvSpPr>
+          <p:spPr>
+            <a:xfrm>
+              <a:off x="4788000" y="4212000"/>
+              <a:ext cx="0" cy="252000"/>
+            </a:xfrm>
+            <a:prstGeom prst="line">
+              <a:avLst/>
+            </a:prstGeom>
+            <a:ln w="18000">
+              <a:solidFill>
+                <a:srgbClr val="000000"/>
+              </a:solidFill>
+              <a:round/>
+            </a:ln>
+          </p:spPr>
+          <p:style>
+            <a:lnRef idx="0">
+              <a:scrgbClr r="0" g="0" b="0"/>
+            </a:lnRef>
+            <a:fillRef idx="0">
+              <a:scrgbClr r="0" g="0" b="0"/>
+            </a:fillRef>
+            <a:effectRef idx="0">
+              <a:scrgbClr r="0" g="0" b="0"/>
+            </a:effectRef>
+            <a:fontRef idx="minor"/>
+          </p:style>
+          <p:txBody>
+            <a:bodyPr lIns="127200" tIns="67200" rIns="127200" bIns="67200" anchor="ctr">
+              <a:noAutofit/>
+            </a:bodyPr>
+            <a:lstStyle/>
+            <a:p>
+              <a:endParaRPr lang="en-AU" sz="2400" spc="-1">
+                <a:solidFill>
+                  <a:srgbClr val="000000"/>
+                </a:solidFill>
+                <a:latin typeface="Arial"/>
+              </a:endParaRPr>
+            </a:p>
+          </p:txBody>
+        </p:sp>
+        <p:sp>
+          <p:nvSpPr>
+            <p:cNvPr id="61" name="Rectangle 60"/>
+            <p:cNvSpPr/>
+            <p:nvPr/>
+          </p:nvSpPr>
+          <p:spPr>
+            <a:xfrm>
+              <a:off x="4536000" y="3276000"/>
+              <a:ext cx="1296000" cy="216000"/>
+            </a:xfrm>
+            <a:prstGeom prst="rect">
+              <a:avLst/>
+            </a:prstGeom>
+            <a:solidFill>
+              <a:srgbClr val="FFFF99"/>
+            </a:solidFill>
+            <a:ln w="7200">
+              <a:solidFill>
+                <a:srgbClr val="000000"/>
+              </a:solidFill>
+              <a:round/>
+            </a:ln>
+          </p:spPr>
+          <p:style>
+            <a:lnRef idx="0">
+              <a:scrgbClr r="0" g="0" b="0"/>
+            </a:lnRef>
+            <a:fillRef idx="0">
+              <a:scrgbClr r="0" g="0" b="0"/>
+            </a:fillRef>
+            <a:effectRef idx="0">
+              <a:scrgbClr r="0" g="0" b="0"/>
+            </a:effectRef>
+            <a:fontRef idx="minor"/>
+          </p:style>
+          <p:txBody>
+            <a:bodyPr wrap="none" lIns="120000" tIns="60000" rIns="120000" bIns="60000" anchor="ctr">
+              <a:noAutofit/>
+            </a:bodyPr>
+            <a:lstStyle/>
+            <a:p>
+              <a:pPr algn="ctr"/>
+              <a:r>
+                <a:rPr lang="en-AU" sz="2400" spc="-1">
+                  <a:solidFill>
+                    <a:srgbClr val="000000"/>
+                  </a:solidFill>
+                  <a:latin typeface="Arial"/>
+                </a:rPr>
+                <a:t>execute2</a:t>
+              </a:r>
+            </a:p>
+          </p:txBody>
+        </p:sp>
+        <p:sp>
+          <p:nvSpPr>
+            <p:cNvPr id="62" name="Straight Connector 61"/>
+            <p:cNvSpPr/>
+            <p:nvPr/>
+          </p:nvSpPr>
+          <p:spPr>
+            <a:xfrm flipH="1">
+              <a:off x="5213520" y="2688840"/>
+              <a:ext cx="6480" cy="371160"/>
+            </a:xfrm>
+            <a:prstGeom prst="line">
+              <a:avLst/>
+            </a:prstGeom>
+            <a:ln w="18000">
+              <a:solidFill>
+                <a:srgbClr val="000000"/>
+              </a:solidFill>
+              <a:round/>
+              <a:tailEnd type="triangle" w="med" len="med"/>
+            </a:ln>
+          </p:spPr>
+          <p:style>
+            <a:lnRef idx="0">
+              <a:scrgbClr r="0" g="0" b="0"/>
+            </a:lnRef>
+            <a:fillRef idx="0">
+              <a:scrgbClr r="0" g="0" b="0"/>
+            </a:fillRef>
+            <a:effectRef idx="0">
+              <a:scrgbClr r="0" g="0" b="0"/>
+            </a:effectRef>
+            <a:fontRef idx="minor"/>
+          </p:style>
+          <p:txBody>
+            <a:bodyPr lIns="132000" tIns="72000" rIns="132000" bIns="72000" anchor="ctr">
+              <a:noAutofit/>
+            </a:bodyPr>
+            <a:lstStyle/>
+            <a:p>
+              <a:endParaRPr lang="en-AU" sz="2400" spc="-1">
+                <a:solidFill>
+                  <a:srgbClr val="000000"/>
+                </a:solidFill>
+                <a:latin typeface="Arial"/>
+              </a:endParaRPr>
+            </a:p>
+          </p:txBody>
+        </p:sp>
+        <p:sp>
+          <p:nvSpPr>
+            <p:cNvPr id="63" name="Straight Connector 62"/>
+            <p:cNvSpPr/>
+            <p:nvPr/>
+          </p:nvSpPr>
+          <p:spPr>
+            <a:xfrm>
+              <a:off x="4788000" y="4464000"/>
+              <a:ext cx="2520000" cy="0"/>
+            </a:xfrm>
+            <a:prstGeom prst="line">
+              <a:avLst/>
+            </a:prstGeom>
+            <a:ln w="18000">
+              <a:solidFill>
+                <a:srgbClr val="000000"/>
+              </a:solidFill>
+              <a:round/>
+            </a:ln>
+          </p:spPr>
+          <p:style>
+            <a:lnRef idx="0">
+              <a:scrgbClr r="0" g="0" b="0"/>
+            </a:lnRef>
+            <a:fillRef idx="0">
+              <a:scrgbClr r="0" g="0" b="0"/>
+            </a:fillRef>
+            <a:effectRef idx="0">
+              <a:scrgbClr r="0" g="0" b="0"/>
+            </a:effectRef>
+            <a:fontRef idx="minor"/>
+          </p:style>
+          <p:txBody>
+            <a:bodyPr lIns="127200" tIns="-67200" rIns="127200" bIns="-67200" anchor="ctr">
+              <a:noAutofit/>
+            </a:bodyPr>
+            <a:lstStyle/>
+            <a:p>
+              <a:endParaRPr lang="en-AU" sz="2400" spc="-1">
+                <a:solidFill>
+                  <a:srgbClr val="000000"/>
+                </a:solidFill>
+                <a:latin typeface="Arial"/>
+              </a:endParaRPr>
+            </a:p>
+          </p:txBody>
+        </p:sp>
+        <p:sp>
+          <p:nvSpPr>
+            <p:cNvPr id="64" name="Straight Connector 63"/>
+            <p:cNvSpPr/>
+            <p:nvPr/>
+          </p:nvSpPr>
+          <p:spPr>
+            <a:xfrm>
+              <a:off x="2196000" y="4464000"/>
+              <a:ext cx="0" cy="180000"/>
+            </a:xfrm>
+            <a:prstGeom prst="line">
+              <a:avLst/>
+            </a:prstGeom>
+            <a:ln w="18000">
+              <a:solidFill>
+                <a:srgbClr val="000000"/>
+              </a:solidFill>
+              <a:round/>
+            </a:ln>
+          </p:spPr>
+          <p:style>
+            <a:lnRef idx="0">
+              <a:scrgbClr r="0" g="0" b="0"/>
+            </a:lnRef>
+            <a:fillRef idx="0">
+              <a:scrgbClr r="0" g="0" b="0"/>
+            </a:fillRef>
+            <a:effectRef idx="0">
+              <a:scrgbClr r="0" g="0" b="0"/>
+            </a:effectRef>
+            <a:fontRef idx="minor"/>
+          </p:style>
+          <p:txBody>
+            <a:bodyPr lIns="127200" tIns="67200" rIns="127200" bIns="67200" anchor="ctr">
+              <a:noAutofit/>
+            </a:bodyPr>
+            <a:lstStyle/>
+            <a:p>
+              <a:endParaRPr lang="en-AU" sz="2400" spc="-1">
+                <a:solidFill>
+                  <a:srgbClr val="000000"/>
+                </a:solidFill>
+                <a:latin typeface="Arial"/>
+              </a:endParaRPr>
+            </a:p>
+          </p:txBody>
+        </p:sp>
+        <p:sp>
+          <p:nvSpPr>
+            <p:cNvPr id="65" name="Straight Connector 64"/>
+            <p:cNvSpPr/>
+            <p:nvPr/>
+          </p:nvSpPr>
+          <p:spPr>
+            <a:xfrm>
+              <a:off x="2196000" y="4644000"/>
+              <a:ext cx="5220000" cy="0"/>
+            </a:xfrm>
+            <a:prstGeom prst="line">
+              <a:avLst/>
+            </a:prstGeom>
+            <a:ln w="18000">
+              <a:solidFill>
+                <a:srgbClr val="000000"/>
+              </a:solidFill>
+              <a:round/>
+            </a:ln>
+          </p:spPr>
+          <p:style>
+            <a:lnRef idx="0">
+              <a:scrgbClr r="0" g="0" b="0"/>
+            </a:lnRef>
+            <a:fillRef idx="0">
+              <a:scrgbClr r="0" g="0" b="0"/>
+            </a:fillRef>
+            <a:effectRef idx="0">
+              <a:scrgbClr r="0" g="0" b="0"/>
+            </a:effectRef>
+            <a:fontRef idx="minor"/>
+          </p:style>
+          <p:txBody>
+            <a:bodyPr lIns="127200" tIns="-67200" rIns="127200" bIns="-67200" anchor="ctr">
+              <a:noAutofit/>
+            </a:bodyPr>
+            <a:lstStyle/>
+            <a:p>
+              <a:endParaRPr lang="en-AU" sz="2400" spc="-1">
+                <a:solidFill>
+                  <a:srgbClr val="000000"/>
+                </a:solidFill>
+                <a:latin typeface="Arial"/>
+              </a:endParaRPr>
+            </a:p>
+          </p:txBody>
+        </p:sp>
+        <p:sp>
+          <p:nvSpPr>
+            <p:cNvPr id="66" name="Straight Connector 65"/>
+            <p:cNvSpPr/>
+            <p:nvPr/>
+          </p:nvSpPr>
+          <p:spPr>
+            <a:xfrm flipV="1">
+              <a:off x="7416000" y="1188000"/>
+              <a:ext cx="0" cy="3456000"/>
+            </a:xfrm>
+            <a:prstGeom prst="line">
+              <a:avLst/>
+            </a:prstGeom>
+            <a:ln w="18000">
+              <a:solidFill>
+                <a:srgbClr val="000000"/>
+              </a:solidFill>
+              <a:round/>
+            </a:ln>
+          </p:spPr>
+          <p:style>
+            <a:lnRef idx="0">
+              <a:scrgbClr r="0" g="0" b="0"/>
+            </a:lnRef>
+            <a:fillRef idx="0">
+              <a:scrgbClr r="0" g="0" b="0"/>
+            </a:fillRef>
+            <a:effectRef idx="0">
+              <a:scrgbClr r="0" g="0" b="0"/>
+            </a:effectRef>
+            <a:fontRef idx="minor"/>
+          </p:style>
+          <p:txBody>
+            <a:bodyPr lIns="127200" tIns="67200" rIns="127200" bIns="67200" anchor="ctr">
+              <a:noAutofit/>
+            </a:bodyPr>
+            <a:lstStyle/>
+            <a:p>
+              <a:endParaRPr lang="en-AU" sz="2400" spc="-1">
+                <a:solidFill>
+                  <a:srgbClr val="000000"/>
+                </a:solidFill>
+                <a:latin typeface="Arial"/>
+              </a:endParaRPr>
+            </a:p>
+          </p:txBody>
+        </p:sp>
+        <p:sp>
+          <p:nvSpPr>
+            <p:cNvPr id="67" name="Straight Connector 66"/>
+            <p:cNvSpPr/>
+            <p:nvPr/>
+          </p:nvSpPr>
+          <p:spPr>
+            <a:xfrm flipH="1">
+              <a:off x="5263200" y="1188000"/>
+              <a:ext cx="2152800" cy="0"/>
+            </a:xfrm>
+            <a:prstGeom prst="line">
+              <a:avLst/>
+            </a:prstGeom>
+            <a:ln w="18000">
+              <a:solidFill>
+                <a:srgbClr val="000000"/>
+              </a:solidFill>
+              <a:round/>
+              <a:tailEnd type="triangle" w="med" len="med"/>
+            </a:ln>
+          </p:spPr>
+          <p:style>
+            <a:lnRef idx="0">
+              <a:scrgbClr r="0" g="0" b="0"/>
+            </a:lnRef>
+            <a:fillRef idx="0">
+              <a:scrgbClr r="0" g="0" b="0"/>
+            </a:fillRef>
+            <a:effectRef idx="0">
+              <a:scrgbClr r="0" g="0" b="0"/>
+            </a:effectRef>
+            <a:fontRef idx="minor"/>
+          </p:style>
+          <p:txBody>
+            <a:bodyPr lIns="127200" tIns="-67200" rIns="127200" bIns="-67200" anchor="ctr">
+              <a:noAutofit/>
+            </a:bodyPr>
+            <a:lstStyle/>
+            <a:p>
+              <a:endParaRPr lang="en-AU" sz="2400" spc="-1">
+                <a:solidFill>
+                  <a:srgbClr val="000000"/>
+                </a:solidFill>
+                <a:latin typeface="Arial"/>
+              </a:endParaRPr>
+            </a:p>
+          </p:txBody>
+        </p:sp>
+      </p:grpSp>
+      <p:sp>
+        <p:nvSpPr>
+          <p:cNvPr id="68" name="Rectangle 67"/>
+          <p:cNvSpPr/>
+          <p:nvPr/>
+        </p:nvSpPr>
+        <p:spPr>
+          <a:xfrm>
+            <a:off x="10128000" y="3264000"/>
+            <a:ext cx="1248000" cy="624000"/>
+          </a:xfrm>
+          <a:prstGeom prst="rect">
+            <a:avLst/>
+          </a:prstGeom>
+          <a:solidFill>
+            <a:srgbClr val="FFFF99"/>
+          </a:solidFill>
+          <a:ln w="7200">
+            <a:solidFill>
+              <a:srgbClr val="000000"/>
+            </a:solidFill>
+            <a:round/>
+          </a:ln>
+        </p:spPr>
+        <p:style>
+          <a:lnRef idx="0">
+            <a:scrgbClr r="0" g="0" b="0"/>
+          </a:lnRef>
+          <a:fillRef idx="0">
+            <a:scrgbClr r="0" g="0" b="0"/>
+          </a:fillRef>
+          <a:effectRef idx="0">
+            <a:scrgbClr r="0" g="0" b="0"/>
+          </a:effectRef>
+          <a:fontRef idx="minor"/>
+        </p:style>
+        <p:txBody>
+          <a:bodyPr wrap="none" lIns="120000" tIns="60000" rIns="120000" bIns="60000" anchor="ctr">
+            <a:noAutofit/>
+          </a:bodyPr>
+          <a:lstStyle/>
+          <a:p>
+            <a:pPr algn="ctr"/>
+            <a:r>
+              <a:rPr lang="en-AU" sz="2400" spc="-1">
+                <a:solidFill>
+                  <a:srgbClr val="000000"/>
+                </a:solidFill>
+                <a:latin typeface="Arial"/>
+              </a:rPr>
+              <a:t>PMU</a:t>
+            </a:r>
+          </a:p>
+        </p:txBody>
+      </p:sp>
+      <p:sp>
+        <p:nvSpPr>
+          <p:cNvPr id="2" name="TextBox 1">
+            <a:extLst>
+              <a:ext uri="{FF2B5EF4-FFF2-40B4-BE49-F238E27FC236}">
+                <a16:creationId xmlns:a16="http://schemas.microsoft.com/office/drawing/2014/main" id="{554E697E-9276-8D1F-FFC1-D53F61A20210}"/>
+              </a:ext>
+            </a:extLst>
+          </p:cNvPr>
+          <p:cNvSpPr txBox="1"/>
+          <p:nvPr/>
+        </p:nvSpPr>
+        <p:spPr>
+          <a:xfrm>
+            <a:off x="3900509" y="6264000"/>
+            <a:ext cx="3332131" cy="369332"/>
+          </a:xfrm>
+          <a:prstGeom prst="rect">
+            <a:avLst/>
+          </a:prstGeom>
+          <a:noFill/>
+        </p:spPr>
+        <p:txBody>
+          <a:bodyPr wrap="none" rtlCol="0">
+            <a:spAutoFit/>
+          </a:bodyPr>
+          <a:lstStyle/>
+          <a:p>
+            <a:r>
+              <a:rPr lang="en-US" dirty="0"/>
+              <a:t>See prior talk by Paul </a:t>
+            </a:r>
+            <a:r>
+              <a:rPr lang="en-US" dirty="0" err="1"/>
+              <a:t>Mackerras</a:t>
+            </a:r>
+            <a:endParaRPr lang="en-US" dirty="0"/>
+          </a:p>
+        </p:txBody>
+      </p:sp>
+    </p:spTree>
+  </p:cSld>
+  <p:clrMapOvr>
+    <a:masterClrMapping/>
+  </p:clrMapOvr>
+</p:sld>
+</file>
+
+<file path=ppt/slides/slide16.xml><?xml version="1.0" encoding="utf-8"?>
+<p:sld xmlns:a="http://schemas.openxmlformats.org/drawingml/2006/main" xmlns:r="http://schemas.openxmlformats.org/officeDocument/2006/relationships" xmlns:p="http://schemas.openxmlformats.org/presentationml/2006/main">
+  <p:cSld>
+    <p:spTree>
+      <p:nvGrpSpPr>
+        <p:cNvPr id="1" name=""/>
+        <p:cNvGrpSpPr/>
+        <p:nvPr/>
+      </p:nvGrpSpPr>
+      <p:grpSpPr>
+        <a:xfrm>
+          <a:off x="0" y="0"/>
+          <a:ext cx="0" cy="0"/>
+          <a:chOff x="0" y="0"/>
+          <a:chExt cx="0" cy="0"/>
+        </a:xfrm>
+      </p:grpSpPr>
+      <p:sp>
+        <p:nvSpPr>
+          <p:cNvPr id="132" name="PlaceHolder 1"/>
+          <p:cNvSpPr>
+            <a:spLocks noGrp="1"/>
+          </p:cNvSpPr>
+          <p:nvPr>
+            <p:ph type="title"/>
+          </p:nvPr>
+        </p:nvSpPr>
+        <p:spPr>
+          <a:xfrm>
+            <a:off x="438240" y="292320"/>
+            <a:ext cx="11581920" cy="526080"/>
+          </a:xfrm>
+          <a:prstGeom prst="rect">
+            <a:avLst/>
+          </a:prstGeom>
+          <a:noFill/>
+          <a:ln w="0">
+            <a:noFill/>
+          </a:ln>
+        </p:spPr>
+        <p:txBody>
+          <a:bodyPr vert="horz" lIns="0" tIns="0" rIns="0" bIns="0" rtlCol="0" anchor="ctr">
+            <a:noAutofit/>
+          </a:bodyPr>
+          <a:lstStyle/>
+          <a:p>
+            <a:r>
+              <a:rPr lang="en-US" sz="2933" b="1" spc="-1">
+                <a:solidFill>
+                  <a:srgbClr val="191919"/>
+                </a:solidFill>
+                <a:latin typeface="Arial"/>
+              </a:rPr>
+              <a:t>Fetch1 and icache</a:t>
+            </a:r>
+          </a:p>
+        </p:txBody>
+      </p:sp>
+      <p:sp>
+        <p:nvSpPr>
+          <p:cNvPr id="133" name="PlaceHolder 2"/>
+          <p:cNvSpPr>
+            <a:spLocks noGrp="1"/>
+          </p:cNvSpPr>
+          <p:nvPr>
+            <p:ph/>
+          </p:nvPr>
+        </p:nvSpPr>
+        <p:spPr>
+          <a:xfrm>
+            <a:off x="438240" y="1152000"/>
+            <a:ext cx="11273760" cy="5376000"/>
+          </a:xfrm>
+          <a:prstGeom prst="rect">
+            <a:avLst/>
+          </a:prstGeom>
+          <a:noFill/>
+          <a:ln w="0">
+            <a:noFill/>
+          </a:ln>
+        </p:spPr>
+        <p:txBody>
+          <a:bodyPr vert="horz" lIns="0" tIns="0" rIns="0" bIns="0" rtlCol="0" anchor="t">
+            <a:normAutofit fontScale="93333" lnSpcReduction="10000"/>
+          </a:bodyPr>
+          <a:lstStyle/>
+          <a:p>
+            <a:pPr marL="575986" indent="-431989">
+              <a:spcBef>
+                <a:spcPts val="1273"/>
+              </a:spcBef>
+              <a:buClr>
+                <a:srgbClr val="000000"/>
+              </a:buClr>
+              <a:buSzPct val="45000"/>
+              <a:buFont typeface="Wingdings" charset="2"/>
+              <a:buChar char=""/>
+            </a:pPr>
+            <a:r>
+              <a:rPr lang="en-US" sz="2400" spc="-1">
+                <a:solidFill>
+                  <a:srgbClr val="000000"/>
+                </a:solidFill>
+                <a:latin typeface="Arial"/>
+              </a:rPr>
+              <a:t>Fetch1 generates a sequence of effective and corresponding real addresses</a:t>
+            </a:r>
+          </a:p>
+          <a:p>
+            <a:pPr marL="1151971" lvl="1" indent="-431989">
+              <a:spcBef>
+                <a:spcPts val="756"/>
+              </a:spcBef>
+              <a:buClr>
+                <a:srgbClr val="000000"/>
+              </a:buClr>
+              <a:buSzPct val="75000"/>
+              <a:buFont typeface="Symbol" charset="2"/>
+              <a:buChar char=""/>
+            </a:pPr>
+            <a:r>
+              <a:rPr lang="en-US" sz="2133" spc="-1">
+                <a:solidFill>
+                  <a:srgbClr val="000000"/>
+                </a:solidFill>
+                <a:latin typeface="Arial"/>
+              </a:rPr>
+              <a:t>Increment by 4 each cycle unless redirected by decode1 or writeback</a:t>
+            </a:r>
+          </a:p>
+          <a:p>
+            <a:pPr marL="1727957" lvl="2" indent="-383990">
+              <a:spcBef>
+                <a:spcPts val="756"/>
+              </a:spcBef>
+              <a:buClr>
+                <a:srgbClr val="000000"/>
+              </a:buClr>
+              <a:buSzPct val="45000"/>
+              <a:buFont typeface="Wingdings" charset="2"/>
+              <a:buChar char=""/>
+            </a:pPr>
+            <a:r>
+              <a:rPr lang="en-US" sz="2133" spc="-1">
+                <a:solidFill>
+                  <a:srgbClr val="000000"/>
+                </a:solidFill>
+                <a:latin typeface="Arial"/>
+              </a:rPr>
+              <a:t>Branches, interrupts, rfid, isync cause redirects</a:t>
+            </a:r>
+          </a:p>
+          <a:p>
+            <a:pPr marL="1151971" lvl="1" indent="-431989">
+              <a:spcBef>
+                <a:spcPts val="756"/>
+              </a:spcBef>
+              <a:buClr>
+                <a:srgbClr val="000000"/>
+              </a:buClr>
+              <a:buSzPct val="75000"/>
+              <a:buFont typeface="Symbol" charset="2"/>
+              <a:buChar char=""/>
+            </a:pPr>
+            <a:r>
+              <a:rPr lang="en-US" sz="2133" spc="-1">
+                <a:solidFill>
+                  <a:srgbClr val="000000"/>
+                </a:solidFill>
+                <a:latin typeface="Arial"/>
+              </a:rPr>
+              <a:t>Contains instruction TLB and tiny 2-entry cache of TLB</a:t>
+            </a:r>
+          </a:p>
+          <a:p>
+            <a:pPr marL="1151971" lvl="1" indent="-431989">
+              <a:spcBef>
+                <a:spcPts val="756"/>
+              </a:spcBef>
+              <a:buClr>
+                <a:srgbClr val="000000"/>
+              </a:buClr>
+              <a:buSzPct val="75000"/>
+              <a:buFont typeface="Symbol" charset="2"/>
+              <a:buChar char=""/>
+            </a:pPr>
+            <a:r>
+              <a:rPr lang="en-US" sz="2133" spc="-1">
+                <a:solidFill>
+                  <a:srgbClr val="000000"/>
+                </a:solidFill>
+                <a:latin typeface="Arial"/>
+              </a:rPr>
+              <a:t>Contains (optional) Branch Target Cache (BTC)</a:t>
+            </a:r>
+          </a:p>
+          <a:p>
+            <a:pPr marL="1727957" lvl="2" indent="-383990">
+              <a:spcBef>
+                <a:spcPts val="756"/>
+              </a:spcBef>
+              <a:buClr>
+                <a:srgbClr val="000000"/>
+              </a:buClr>
+              <a:buSzPct val="45000"/>
+              <a:buFont typeface="Wingdings" charset="2"/>
+              <a:buChar char=""/>
+            </a:pPr>
+            <a:r>
+              <a:rPr lang="en-US" sz="2133" spc="-1">
+                <a:solidFill>
+                  <a:srgbClr val="000000"/>
+                </a:solidFill>
+                <a:latin typeface="Arial"/>
+              </a:rPr>
+              <a:t>Stores instruction address, target address and taken indication for executed direct branches</a:t>
+            </a:r>
+          </a:p>
+          <a:p>
+            <a:pPr marL="575986" indent="-431989">
+              <a:spcBef>
+                <a:spcPts val="1273"/>
+              </a:spcBef>
+              <a:buClr>
+                <a:srgbClr val="000000"/>
+              </a:buClr>
+              <a:buSzPct val="45000"/>
+              <a:buFont typeface="Wingdings" charset="2"/>
+              <a:buChar char=""/>
+            </a:pPr>
+            <a:r>
+              <a:rPr lang="en-US" sz="2400" spc="-1">
+                <a:solidFill>
+                  <a:srgbClr val="000000"/>
+                </a:solidFill>
+                <a:latin typeface="Arial"/>
+              </a:rPr>
+              <a:t>Icache reads and caches instructions from memory</a:t>
+            </a:r>
+          </a:p>
+          <a:p>
+            <a:pPr marL="1151971" lvl="1" indent="-431989">
+              <a:spcBef>
+                <a:spcPts val="756"/>
+              </a:spcBef>
+              <a:buClr>
+                <a:srgbClr val="000000"/>
+              </a:buClr>
+              <a:buSzPct val="75000"/>
+              <a:buFont typeface="Symbol" charset="2"/>
+              <a:buChar char=""/>
+            </a:pPr>
+            <a:r>
+              <a:rPr lang="en-US" sz="2133" spc="-1">
+                <a:solidFill>
+                  <a:srgbClr val="000000"/>
+                </a:solidFill>
+                <a:latin typeface="Arial"/>
+              </a:rPr>
+              <a:t>Use of real address for index and tag avoids aliasing problems</a:t>
+            </a:r>
+          </a:p>
+          <a:p>
+            <a:pPr marL="1151971" lvl="1" indent="-431989">
+              <a:spcBef>
+                <a:spcPts val="756"/>
+              </a:spcBef>
+              <a:buClr>
+                <a:srgbClr val="000000"/>
+              </a:buClr>
+              <a:buSzPct val="75000"/>
+              <a:buFont typeface="Symbol" charset="2"/>
+              <a:buChar char=""/>
+            </a:pPr>
+            <a:r>
+              <a:rPr lang="en-US" sz="2133" spc="-1">
+                <a:solidFill>
+                  <a:srgbClr val="000000"/>
+                </a:solidFill>
+                <a:latin typeface="Arial"/>
+              </a:rPr>
+              <a:t>Instructions are predecoded into 36-bit form on icache refill</a:t>
+            </a:r>
+          </a:p>
+          <a:p>
+            <a:pPr marL="1727957" lvl="2" indent="-383990">
+              <a:spcBef>
+                <a:spcPts val="756"/>
+              </a:spcBef>
+              <a:buClr>
+                <a:srgbClr val="000000"/>
+              </a:buClr>
+              <a:buSzPct val="45000"/>
+              <a:buFont typeface="Wingdings" charset="2"/>
+              <a:buChar char=""/>
+            </a:pPr>
+            <a:r>
+              <a:rPr lang="en-US" sz="2133" spc="-1">
+                <a:solidFill>
+                  <a:srgbClr val="000000"/>
+                </a:solidFill>
+                <a:latin typeface="Arial"/>
+              </a:rPr>
+              <a:t>6-bit primary opcode gets replaced by 10-bit instruction index determined from primary and extended opcodes</a:t>
+            </a:r>
+          </a:p>
+          <a:p>
+            <a:pPr marL="1151971" lvl="1" indent="-431989">
+              <a:spcBef>
+                <a:spcPts val="756"/>
+              </a:spcBef>
+              <a:buClr>
+                <a:srgbClr val="000000"/>
+              </a:buClr>
+              <a:buSzPct val="75000"/>
+              <a:buFont typeface="Symbol" charset="2"/>
+              <a:buChar char=""/>
+            </a:pPr>
+            <a:r>
+              <a:rPr lang="en-US" sz="2133" spc="-1">
+                <a:solidFill>
+                  <a:srgbClr val="000000"/>
+                </a:solidFill>
+                <a:latin typeface="Arial"/>
+              </a:rPr>
+              <a:t>No support currently from fetching from cache-disabled pages of memory</a:t>
+            </a:r>
+          </a:p>
+          <a:p>
+            <a:pPr marL="1151971" lvl="1" indent="-431989">
+              <a:spcBef>
+                <a:spcPts val="756"/>
+              </a:spcBef>
+              <a:buClr>
+                <a:srgbClr val="000000"/>
+              </a:buClr>
+              <a:buSzPct val="75000"/>
+              <a:buFont typeface="Symbol" charset="2"/>
+              <a:buChar char=""/>
+            </a:pPr>
+            <a:r>
+              <a:rPr lang="en-US" sz="2133" spc="-1">
+                <a:solidFill>
+                  <a:srgbClr val="000000"/>
+                </a:solidFill>
+                <a:latin typeface="Arial"/>
+              </a:rPr>
+              <a:t>Icache snoops writes to memory and invalidates corresponding lines</a:t>
+            </a:r>
+          </a:p>
+        </p:txBody>
+      </p:sp>
+      <p:sp>
+        <p:nvSpPr>
+          <p:cNvPr id="2" name="TextBox 1">
+            <a:extLst>
+              <a:ext uri="{FF2B5EF4-FFF2-40B4-BE49-F238E27FC236}">
+                <a16:creationId xmlns:a16="http://schemas.microsoft.com/office/drawing/2014/main" id="{F483F8BB-5934-CD3F-825E-883CD624430F}"/>
+              </a:ext>
+            </a:extLst>
+          </p:cNvPr>
+          <p:cNvSpPr txBox="1"/>
+          <p:nvPr/>
+        </p:nvSpPr>
+        <p:spPr>
+          <a:xfrm>
+            <a:off x="3900509" y="6264000"/>
+            <a:ext cx="3332131" cy="369332"/>
+          </a:xfrm>
+          <a:prstGeom prst="rect">
+            <a:avLst/>
+          </a:prstGeom>
+          <a:noFill/>
+        </p:spPr>
+        <p:txBody>
+          <a:bodyPr wrap="none" rtlCol="0">
+            <a:spAutoFit/>
+          </a:bodyPr>
+          <a:lstStyle/>
+          <a:p>
+            <a:r>
+              <a:rPr lang="en-US" dirty="0"/>
+              <a:t>See prior talk by Paul </a:t>
+            </a:r>
+            <a:r>
+              <a:rPr lang="en-US" dirty="0" err="1"/>
+              <a:t>Mackerras</a:t>
+            </a:r>
+            <a:endParaRPr lang="en-US" dirty="0"/>
+          </a:p>
+        </p:txBody>
+      </p:sp>
+    </p:spTree>
+  </p:cSld>
+  <p:clrMapOvr>
+    <a:masterClrMapping/>
+  </p:clrMapOvr>
+</p:sld>
+</file>
+
+<file path=ppt/slides/slide17.xml><?xml version="1.0" encoding="utf-8"?>
+<p:sld xmlns:a="http://schemas.openxmlformats.org/drawingml/2006/main" xmlns:r="http://schemas.openxmlformats.org/officeDocument/2006/relationships" xmlns:p="http://schemas.openxmlformats.org/presentationml/2006/main">
+  <p:cSld>
+    <p:spTree>
+      <p:nvGrpSpPr>
+        <p:cNvPr id="1" name=""/>
+        <p:cNvGrpSpPr/>
+        <p:nvPr/>
+      </p:nvGrpSpPr>
+      <p:grpSpPr>
+        <a:xfrm>
+          <a:off x="0" y="0"/>
+          <a:ext cx="0" cy="0"/>
+          <a:chOff x="0" y="0"/>
+          <a:chExt cx="0" cy="0"/>
+        </a:xfrm>
+      </p:grpSpPr>
+      <p:sp>
+        <p:nvSpPr>
+          <p:cNvPr id="134" name="PlaceHolder 1"/>
+          <p:cNvSpPr>
+            <a:spLocks noGrp="1"/>
+          </p:cNvSpPr>
+          <p:nvPr>
+            <p:ph type="title"/>
+          </p:nvPr>
+        </p:nvSpPr>
+        <p:spPr>
+          <a:xfrm>
+            <a:off x="438240" y="292320"/>
+            <a:ext cx="11581920" cy="526080"/>
+          </a:xfrm>
+          <a:prstGeom prst="rect">
+            <a:avLst/>
+          </a:prstGeom>
+          <a:noFill/>
+          <a:ln w="0">
+            <a:noFill/>
+          </a:ln>
+        </p:spPr>
+        <p:txBody>
+          <a:bodyPr vert="horz" lIns="0" tIns="0" rIns="0" bIns="0" rtlCol="0" anchor="ctr">
+            <a:noAutofit/>
+          </a:bodyPr>
+          <a:lstStyle/>
+          <a:p>
+            <a:r>
+              <a:rPr lang="en-US" sz="2933" b="1" spc="-1">
+                <a:solidFill>
+                  <a:srgbClr val="191919"/>
+                </a:solidFill>
+                <a:latin typeface="Arial"/>
+              </a:rPr>
+              <a:t>Decode1 and decode2</a:t>
+            </a:r>
+          </a:p>
+        </p:txBody>
+      </p:sp>
+      <p:sp>
+        <p:nvSpPr>
+          <p:cNvPr id="135" name="PlaceHolder 2"/>
+          <p:cNvSpPr>
+            <a:spLocks noGrp="1"/>
+          </p:cNvSpPr>
+          <p:nvPr>
+            <p:ph/>
+          </p:nvPr>
+        </p:nvSpPr>
+        <p:spPr>
+          <a:xfrm>
+            <a:off x="438240" y="1152000"/>
+            <a:ext cx="11273760" cy="5376000"/>
+          </a:xfrm>
+          <a:prstGeom prst="rect">
+            <a:avLst/>
+          </a:prstGeom>
+          <a:noFill/>
+          <a:ln w="0">
+            <a:noFill/>
+          </a:ln>
+        </p:spPr>
+        <p:txBody>
+          <a:bodyPr vert="horz" lIns="0" tIns="0" rIns="0" bIns="0" rtlCol="0" anchor="t">
+            <a:normAutofit/>
+          </a:bodyPr>
+          <a:lstStyle/>
+          <a:p>
+            <a:pPr marL="575986" indent="-431989">
+              <a:spcBef>
+                <a:spcPts val="1273"/>
+              </a:spcBef>
+              <a:buClr>
+                <a:srgbClr val="000000"/>
+              </a:buClr>
+              <a:buSzPct val="45000"/>
+              <a:buFont typeface="Wingdings" charset="2"/>
+              <a:buChar char=""/>
+            </a:pPr>
+            <a:r>
+              <a:rPr lang="en-US" sz="2400" spc="-1">
+                <a:solidFill>
+                  <a:srgbClr val="000000"/>
+                </a:solidFill>
+                <a:latin typeface="Arial"/>
+              </a:rPr>
+              <a:t>Decode1 looks up a decode ROM using instruction index</a:t>
+            </a:r>
+          </a:p>
+          <a:p>
+            <a:pPr marL="1151971" lvl="1" indent="-431989">
+              <a:spcBef>
+                <a:spcPts val="756"/>
+              </a:spcBef>
+              <a:buClr>
+                <a:srgbClr val="000000"/>
+              </a:buClr>
+              <a:buSzPct val="75000"/>
+              <a:buFont typeface="Symbol" charset="2"/>
+              <a:buChar char=""/>
+            </a:pPr>
+            <a:r>
+              <a:rPr lang="en-US" sz="2133" spc="-1">
+                <a:solidFill>
+                  <a:srgbClr val="000000"/>
+                </a:solidFill>
+                <a:latin typeface="Arial"/>
+              </a:rPr>
+              <a:t>Decode ROM gives control signals used to control operand decoding, ALU function, result selection, etc.</a:t>
+            </a:r>
+          </a:p>
+          <a:p>
+            <a:pPr marL="1151971" lvl="1" indent="-431989">
+              <a:spcBef>
+                <a:spcPts val="756"/>
+              </a:spcBef>
+              <a:buClr>
+                <a:srgbClr val="000000"/>
+              </a:buClr>
+              <a:buSzPct val="75000"/>
+              <a:buFont typeface="Symbol" charset="2"/>
+              <a:buChar char=""/>
+            </a:pPr>
+            <a:r>
+              <a:rPr lang="en-US" sz="2133" spc="-1">
+                <a:solidFill>
+                  <a:srgbClr val="000000"/>
+                </a:solidFill>
+                <a:latin typeface="Arial"/>
+              </a:rPr>
+              <a:t>Does static branch prediction for direct branches</a:t>
+            </a:r>
+          </a:p>
+          <a:p>
+            <a:pPr marL="1151971" lvl="1" indent="-431989">
+              <a:spcBef>
+                <a:spcPts val="756"/>
+              </a:spcBef>
+              <a:buClr>
+                <a:srgbClr val="000000"/>
+              </a:buClr>
+              <a:buSzPct val="75000"/>
+              <a:buFont typeface="Symbol" charset="2"/>
+              <a:buChar char=""/>
+            </a:pPr>
+            <a:r>
+              <a:rPr lang="en-US" sz="2133" spc="-1">
+                <a:solidFill>
+                  <a:srgbClr val="000000"/>
+                </a:solidFill>
+                <a:latin typeface="Arial"/>
+              </a:rPr>
+              <a:t>Computes register file addresses (GPRs and FPRs) for up to 3 register operands</a:t>
+            </a:r>
+          </a:p>
+          <a:p>
+            <a:pPr marL="1151971" lvl="1" indent="-431989">
+              <a:spcBef>
+                <a:spcPts val="756"/>
+              </a:spcBef>
+              <a:buClr>
+                <a:srgbClr val="000000"/>
+              </a:buClr>
+              <a:buSzPct val="75000"/>
+              <a:buFont typeface="Symbol" charset="2"/>
+              <a:buChar char=""/>
+            </a:pPr>
+            <a:r>
+              <a:rPr lang="en-US" sz="2133" spc="-1">
+                <a:solidFill>
+                  <a:srgbClr val="000000"/>
+                </a:solidFill>
+                <a:latin typeface="Arial"/>
+              </a:rPr>
+              <a:t>Decodes SPR (special purpose register) numbers</a:t>
+            </a:r>
+          </a:p>
+          <a:p>
+            <a:pPr marL="575986" indent="-431989">
+              <a:spcBef>
+                <a:spcPts val="1273"/>
+              </a:spcBef>
+              <a:buClr>
+                <a:srgbClr val="000000"/>
+              </a:buClr>
+              <a:buSzPct val="45000"/>
+              <a:buFont typeface="Wingdings" charset="2"/>
+              <a:buChar char=""/>
+            </a:pPr>
+            <a:r>
+              <a:rPr lang="en-US" sz="2400" spc="-1">
+                <a:solidFill>
+                  <a:srgbClr val="000000"/>
+                </a:solidFill>
+                <a:latin typeface="Arial"/>
+              </a:rPr>
+              <a:t>Decode2 does instruction scheduling and dispatch</a:t>
+            </a:r>
+          </a:p>
+          <a:p>
+            <a:pPr marL="1151971" lvl="1" indent="-431989">
+              <a:spcBef>
+                <a:spcPts val="756"/>
+              </a:spcBef>
+              <a:buClr>
+                <a:srgbClr val="000000"/>
+              </a:buClr>
+              <a:buSzPct val="75000"/>
+              <a:buFont typeface="Symbol" charset="2"/>
+              <a:buChar char=""/>
+            </a:pPr>
+            <a:r>
+              <a:rPr lang="en-US" sz="2133" spc="-1">
+                <a:solidFill>
+                  <a:srgbClr val="000000"/>
+                </a:solidFill>
+                <a:latin typeface="Arial"/>
+              </a:rPr>
+              <a:t>Calculates instruction dependencies and stalls until operands are available</a:t>
+            </a:r>
+          </a:p>
+          <a:p>
+            <a:pPr marL="1151971" lvl="1" indent="-431989">
+              <a:spcBef>
+                <a:spcPts val="756"/>
+              </a:spcBef>
+              <a:buClr>
+                <a:srgbClr val="000000"/>
+              </a:buClr>
+              <a:buSzPct val="75000"/>
+              <a:buFont typeface="Symbol" charset="2"/>
+              <a:buChar char=""/>
+            </a:pPr>
+            <a:r>
+              <a:rPr lang="en-US" sz="2133" spc="-1">
+                <a:solidFill>
+                  <a:srgbClr val="000000"/>
+                </a:solidFill>
+                <a:latin typeface="Arial"/>
+              </a:rPr>
+              <a:t>Forwards operands from previous instruction results (where available)</a:t>
+            </a:r>
+          </a:p>
+          <a:p>
+            <a:pPr marL="1151971" lvl="1" indent="-431989">
+              <a:spcBef>
+                <a:spcPts val="756"/>
+              </a:spcBef>
+              <a:buClr>
+                <a:srgbClr val="000000"/>
+              </a:buClr>
+              <a:buSzPct val="75000"/>
+              <a:buFont typeface="Symbol" charset="2"/>
+              <a:buChar char=""/>
+            </a:pPr>
+            <a:r>
+              <a:rPr lang="en-US" sz="2133" spc="-1">
+                <a:solidFill>
+                  <a:srgbClr val="000000"/>
+                </a:solidFill>
+                <a:latin typeface="Arial"/>
+              </a:rPr>
+              <a:t>Does immediate operand selection and formatting</a:t>
+            </a:r>
+          </a:p>
+          <a:p>
+            <a:pPr marL="1727957" lvl="2" indent="-383990">
+              <a:spcBef>
+                <a:spcPts val="756"/>
+              </a:spcBef>
+              <a:buClr>
+                <a:srgbClr val="000000"/>
+              </a:buClr>
+              <a:buSzPct val="45000"/>
+              <a:buFont typeface="Wingdings" charset="2"/>
+              <a:buChar char=""/>
+            </a:pPr>
+            <a:r>
+              <a:rPr lang="en-US" sz="2133" spc="-1">
+                <a:solidFill>
+                  <a:srgbClr val="000000"/>
+                </a:solidFill>
+                <a:latin typeface="Arial"/>
+              </a:rPr>
+              <a:t>Operand can come from instruction field, or be the address of the instruction</a:t>
+            </a:r>
+          </a:p>
+          <a:p>
+            <a:pPr marL="1151971" lvl="1" indent="-431989">
+              <a:spcBef>
+                <a:spcPts val="756"/>
+              </a:spcBef>
+              <a:buClr>
+                <a:srgbClr val="000000"/>
+              </a:buClr>
+              <a:buSzPct val="75000"/>
+              <a:buFont typeface="Symbol" charset="2"/>
+              <a:buChar char=""/>
+            </a:pPr>
+            <a:r>
+              <a:rPr lang="en-US" sz="2133" spc="-1">
+                <a:solidFill>
+                  <a:srgbClr val="000000"/>
+                </a:solidFill>
+                <a:latin typeface="Arial"/>
+              </a:rPr>
+              <a:t>Computes some control signals for execute stage</a:t>
+            </a:r>
+          </a:p>
+        </p:txBody>
+      </p:sp>
+      <p:sp>
+        <p:nvSpPr>
+          <p:cNvPr id="2" name="TextBox 1">
+            <a:extLst>
+              <a:ext uri="{FF2B5EF4-FFF2-40B4-BE49-F238E27FC236}">
+                <a16:creationId xmlns:a16="http://schemas.microsoft.com/office/drawing/2014/main" id="{A25C550E-E654-B7AF-4516-4EF64C8A76AA}"/>
+              </a:ext>
+            </a:extLst>
+          </p:cNvPr>
+          <p:cNvSpPr txBox="1"/>
+          <p:nvPr/>
+        </p:nvSpPr>
+        <p:spPr>
+          <a:xfrm>
+            <a:off x="3900509" y="6264000"/>
+            <a:ext cx="3332131" cy="369332"/>
+          </a:xfrm>
+          <a:prstGeom prst="rect">
+            <a:avLst/>
+          </a:prstGeom>
+          <a:noFill/>
+        </p:spPr>
+        <p:txBody>
+          <a:bodyPr wrap="none" rtlCol="0">
+            <a:spAutoFit/>
+          </a:bodyPr>
+          <a:lstStyle/>
+          <a:p>
+            <a:r>
+              <a:rPr lang="en-US" dirty="0"/>
+              <a:t>See prior talk by Paul </a:t>
+            </a:r>
+            <a:r>
+              <a:rPr lang="en-US" dirty="0" err="1"/>
+              <a:t>Mackerras</a:t>
+            </a:r>
+            <a:endParaRPr lang="en-US" dirty="0"/>
+          </a:p>
+        </p:txBody>
+      </p:sp>
+    </p:spTree>
+  </p:cSld>
+  <p:clrMapOvr>
+    <a:masterClrMapping/>
+  </p:clrMapOvr>
+</p:sld>
+</file>
+
+<file path=ppt/slides/slide18.xml><?xml version="1.0" encoding="utf-8"?>
+<p:sld xmlns:a="http://schemas.openxmlformats.org/drawingml/2006/main" xmlns:r="http://schemas.openxmlformats.org/officeDocument/2006/relationships" xmlns:p="http://schemas.openxmlformats.org/presentationml/2006/main">
+  <p:cSld>
+    <p:spTree>
+      <p:nvGrpSpPr>
+        <p:cNvPr id="1" name=""/>
+        <p:cNvGrpSpPr/>
+        <p:nvPr/>
+      </p:nvGrpSpPr>
+      <p:grpSpPr>
+        <a:xfrm>
+          <a:off x="0" y="0"/>
+          <a:ext cx="0" cy="0"/>
+          <a:chOff x="0" y="0"/>
+          <a:chExt cx="0" cy="0"/>
+        </a:xfrm>
+      </p:grpSpPr>
+      <p:sp>
+        <p:nvSpPr>
+          <p:cNvPr id="175" name="PlaceHolder 1"/>
+          <p:cNvSpPr>
+            <a:spLocks noGrp="1"/>
+          </p:cNvSpPr>
+          <p:nvPr>
+            <p:ph type="title"/>
+          </p:nvPr>
+        </p:nvSpPr>
+        <p:spPr>
+          <a:xfrm>
+            <a:off x="438240" y="292320"/>
+            <a:ext cx="11581920" cy="526080"/>
+          </a:xfrm>
+          <a:prstGeom prst="rect">
+            <a:avLst/>
+          </a:prstGeom>
+          <a:noFill/>
+          <a:ln w="0">
+            <a:noFill/>
+          </a:ln>
+        </p:spPr>
+        <p:txBody>
+          <a:bodyPr vert="horz" lIns="0" tIns="0" rIns="0" bIns="0" rtlCol="0" anchor="ctr">
+            <a:noAutofit/>
+          </a:bodyPr>
+          <a:lstStyle/>
+          <a:p>
+            <a:r>
+              <a:rPr lang="en-US" sz="2933" b="1" spc="-1">
+                <a:solidFill>
+                  <a:srgbClr val="191919"/>
+                </a:solidFill>
+                <a:latin typeface="Arial"/>
+              </a:rPr>
+              <a:t>Execute1 and execute2</a:t>
+            </a:r>
+          </a:p>
+        </p:txBody>
+      </p:sp>
+      <p:sp>
+        <p:nvSpPr>
+          <p:cNvPr id="176" name="PlaceHolder 2"/>
+          <p:cNvSpPr>
+            <a:spLocks noGrp="1"/>
+          </p:cNvSpPr>
+          <p:nvPr>
+            <p:ph/>
+          </p:nvPr>
+        </p:nvSpPr>
+        <p:spPr>
+          <a:xfrm>
+            <a:off x="438240" y="1152000"/>
+            <a:ext cx="11273760" cy="5376000"/>
+          </a:xfrm>
+          <a:prstGeom prst="rect">
+            <a:avLst/>
+          </a:prstGeom>
+          <a:noFill/>
+          <a:ln w="0">
+            <a:noFill/>
+          </a:ln>
+        </p:spPr>
+        <p:txBody>
+          <a:bodyPr vert="horz" lIns="0" tIns="0" rIns="0" bIns="0" rtlCol="0" anchor="t">
+            <a:normAutofit/>
+          </a:bodyPr>
+          <a:lstStyle/>
+          <a:p>
+            <a:pPr marL="575986" indent="-431989">
+              <a:spcBef>
+                <a:spcPts val="1273"/>
+              </a:spcBef>
+              <a:buClr>
+                <a:srgbClr val="000000"/>
+              </a:buClr>
+              <a:buSzPct val="45000"/>
+              <a:buFont typeface="Wingdings" charset="2"/>
+              <a:buChar char=""/>
+            </a:pPr>
+            <a:r>
+              <a:rPr lang="en-US" sz="2400" spc="-1">
+                <a:solidFill>
+                  <a:srgbClr val="000000"/>
+                </a:solidFill>
+                <a:latin typeface="Arial"/>
+              </a:rPr>
+              <a:t>Executes all instructions except load/store and FPU instructions</a:t>
+            </a:r>
+          </a:p>
+          <a:p>
+            <a:pPr marL="1151971" lvl="1" indent="-431989">
+              <a:spcBef>
+                <a:spcPts val="756"/>
+              </a:spcBef>
+              <a:buClr>
+                <a:srgbClr val="000000"/>
+              </a:buClr>
+              <a:buSzPct val="75000"/>
+              <a:buFont typeface="Symbol" charset="2"/>
+              <a:buChar char=""/>
+            </a:pPr>
+            <a:r>
+              <a:rPr lang="en-US" sz="2133" spc="-1">
+                <a:solidFill>
+                  <a:srgbClr val="000000"/>
+                </a:solidFill>
+                <a:latin typeface="Arial"/>
+              </a:rPr>
+              <a:t>64-bit integer multiply and integer division are now done by FPU (if present)</a:t>
+            </a:r>
+          </a:p>
+          <a:p>
+            <a:pPr marL="575986" indent="-431989">
+              <a:spcBef>
+                <a:spcPts val="1273"/>
+              </a:spcBef>
+              <a:buClr>
+                <a:srgbClr val="000000"/>
+              </a:buClr>
+              <a:buSzPct val="45000"/>
+              <a:buFont typeface="Wingdings" charset="2"/>
+              <a:buChar char=""/>
+            </a:pPr>
+            <a:r>
+              <a:rPr lang="en-US" sz="2400" spc="-1">
+                <a:solidFill>
+                  <a:srgbClr val="000000"/>
+                </a:solidFill>
+                <a:latin typeface="Arial"/>
+              </a:rPr>
+              <a:t>Submodules handle shift/rotate instructions, logical instructions, count-bits instructions, 32-bit multiplications</a:t>
+            </a:r>
+          </a:p>
+          <a:p>
+            <a:pPr marL="575986" indent="-431989">
+              <a:spcBef>
+                <a:spcPts val="1273"/>
+              </a:spcBef>
+              <a:buClr>
+                <a:srgbClr val="000000"/>
+              </a:buClr>
+              <a:buSzPct val="45000"/>
+              <a:buFont typeface="Wingdings" charset="2"/>
+              <a:buChar char=""/>
+            </a:pPr>
+            <a:r>
+              <a:rPr lang="en-US" sz="2400" spc="-1">
+                <a:solidFill>
+                  <a:srgbClr val="000000"/>
+                </a:solidFill>
+                <a:latin typeface="Arial"/>
+              </a:rPr>
+              <a:t>“Main adder” performs add/subtract instructions</a:t>
+            </a:r>
+          </a:p>
+          <a:p>
+            <a:pPr marL="575986" indent="-431989">
+              <a:spcBef>
+                <a:spcPts val="1273"/>
+              </a:spcBef>
+              <a:buClr>
+                <a:srgbClr val="000000"/>
+              </a:buClr>
+              <a:buSzPct val="45000"/>
+              <a:buFont typeface="Wingdings" charset="2"/>
+              <a:buChar char=""/>
+            </a:pPr>
+            <a:r>
+              <a:rPr lang="en-US" sz="2400" spc="-1">
+                <a:solidFill>
+                  <a:srgbClr val="000000"/>
+                </a:solidFill>
+                <a:latin typeface="Arial"/>
+              </a:rPr>
+              <a:t>Exception detection and interrupt generation</a:t>
+            </a:r>
+          </a:p>
+          <a:p>
+            <a:pPr marL="575986" indent="-431989">
+              <a:spcBef>
+                <a:spcPts val="1273"/>
+              </a:spcBef>
+              <a:buClr>
+                <a:srgbClr val="000000"/>
+              </a:buClr>
+              <a:buSzPct val="45000"/>
+              <a:buFont typeface="Wingdings" charset="2"/>
+              <a:buChar char=""/>
+            </a:pPr>
+            <a:r>
+              <a:rPr lang="en-US" sz="2400" spc="-1">
+                <a:solidFill>
+                  <a:srgbClr val="000000"/>
+                </a:solidFill>
+                <a:latin typeface="Arial"/>
+              </a:rPr>
+              <a:t>Interlocks to ensure instructions complete in order</a:t>
+            </a:r>
+          </a:p>
+          <a:p>
+            <a:pPr marL="575986" indent="-431989">
+              <a:spcBef>
+                <a:spcPts val="1273"/>
+              </a:spcBef>
+              <a:buClr>
+                <a:srgbClr val="000000"/>
+              </a:buClr>
+              <a:buSzPct val="45000"/>
+              <a:buFont typeface="Wingdings" charset="2"/>
+              <a:buChar char=""/>
+            </a:pPr>
+            <a:r>
+              <a:rPr lang="en-US" sz="2400" spc="-1">
+                <a:solidFill>
+                  <a:srgbClr val="000000"/>
+                </a:solidFill>
+                <a:latin typeface="Arial"/>
+              </a:rPr>
+              <a:t>Execute1 does most integer computations and forwards results to decode2</a:t>
+            </a:r>
+          </a:p>
+          <a:p>
+            <a:pPr marL="1151971" lvl="1" indent="-431989">
+              <a:spcBef>
+                <a:spcPts val="756"/>
+              </a:spcBef>
+              <a:buClr>
+                <a:srgbClr val="000000"/>
+              </a:buClr>
+              <a:buSzPct val="75000"/>
+              <a:buFont typeface="Symbol" charset="2"/>
+              <a:buChar char=""/>
+            </a:pPr>
+            <a:r>
+              <a:rPr lang="en-US" sz="2133" spc="-1">
+                <a:solidFill>
+                  <a:srgbClr val="000000"/>
+                </a:solidFill>
+                <a:latin typeface="Arial"/>
+              </a:rPr>
+              <a:t>Count-bits, multiply, and some move from SPR instructions take 2 cycles to generate their result, so their results are not forwarded from execute1</a:t>
+            </a:r>
+          </a:p>
+          <a:p>
+            <a:pPr marL="575986" indent="-431989">
+              <a:spcBef>
+                <a:spcPts val="1273"/>
+              </a:spcBef>
+              <a:buClr>
+                <a:srgbClr val="000000"/>
+              </a:buClr>
+              <a:buSzPct val="45000"/>
+              <a:buFont typeface="Wingdings" charset="2"/>
+              <a:buChar char=""/>
+            </a:pPr>
+            <a:r>
+              <a:rPr lang="en-US" sz="2400" spc="-1">
+                <a:solidFill>
+                  <a:srgbClr val="000000"/>
+                </a:solidFill>
+                <a:latin typeface="Arial"/>
+              </a:rPr>
+              <a:t>Execute2 does updating of SPRs, condition-code result generation for dot-form instructions, and forwarding of results.</a:t>
+            </a:r>
+          </a:p>
+        </p:txBody>
+      </p:sp>
+      <p:sp>
+        <p:nvSpPr>
+          <p:cNvPr id="2" name="TextBox 1">
+            <a:extLst>
+              <a:ext uri="{FF2B5EF4-FFF2-40B4-BE49-F238E27FC236}">
+                <a16:creationId xmlns:a16="http://schemas.microsoft.com/office/drawing/2014/main" id="{D01A5F08-1FD2-D912-5EEF-1E98846E52DA}"/>
+              </a:ext>
+            </a:extLst>
+          </p:cNvPr>
+          <p:cNvSpPr txBox="1"/>
+          <p:nvPr/>
+        </p:nvSpPr>
+        <p:spPr>
+          <a:xfrm>
+            <a:off x="3829389" y="6488668"/>
+            <a:ext cx="3332131" cy="369332"/>
+          </a:xfrm>
+          <a:prstGeom prst="rect">
+            <a:avLst/>
+          </a:prstGeom>
+          <a:noFill/>
+        </p:spPr>
+        <p:txBody>
+          <a:bodyPr wrap="none" rtlCol="0">
+            <a:spAutoFit/>
+          </a:bodyPr>
+          <a:lstStyle/>
+          <a:p>
+            <a:r>
+              <a:rPr lang="en-US" dirty="0"/>
+              <a:t>See prior talk by Paul </a:t>
+            </a:r>
+            <a:r>
+              <a:rPr lang="en-US" dirty="0" err="1"/>
+              <a:t>Mackerras</a:t>
+            </a:r>
+            <a:endParaRPr lang="en-US" dirty="0"/>
+          </a:p>
+        </p:txBody>
+      </p:sp>
+    </p:spTree>
+  </p:cSld>
+  <p:clrMapOvr>
+    <a:masterClrMapping/>
+  </p:clrMapOvr>
+</p:sld>
+</file>
+
+<file path=ppt/slides/slide19.xml><?xml version="1.0" encoding="utf-8"?>
+<p:sld xmlns:a="http://schemas.openxmlformats.org/drawingml/2006/main" xmlns:r="http://schemas.openxmlformats.org/officeDocument/2006/relationships" xmlns:p="http://schemas.openxmlformats.org/presentationml/2006/main">
+  <p:cSld>
+    <p:spTree>
+      <p:nvGrpSpPr>
+        <p:cNvPr id="1" name=""/>
+        <p:cNvGrpSpPr/>
+        <p:nvPr/>
+      </p:nvGrpSpPr>
+      <p:grpSpPr>
+        <a:xfrm>
+          <a:off x="0" y="0"/>
+          <a:ext cx="0" cy="0"/>
+          <a:chOff x="0" y="0"/>
+          <a:chExt cx="0" cy="0"/>
+        </a:xfrm>
+      </p:grpSpPr>
+      <p:sp>
+        <p:nvSpPr>
           <p:cNvPr id="2" name="Title 1">
             <a:extLst>
               <a:ext uri="{FF2B5EF4-FFF2-40B4-BE49-F238E27FC236}">
@@ -4836,7 +11781,7 @@
 </p:sld>
 </file>
 
-<file path=ppt/slides/slide15.xml><?xml version="1.0" encoding="utf-8"?>
+<file path=ppt/slides/slide2.xml><?xml version="1.0" encoding="utf-8"?>
 <p:sld xmlns:a="http://schemas.openxmlformats.org/drawingml/2006/main" xmlns:r="http://schemas.openxmlformats.org/officeDocument/2006/relationships" xmlns:p="http://schemas.openxmlformats.org/presentationml/2006/main">
   <p:cSld>
     <p:spTree>
@@ -4858,7 +11803,7 @@
           <p:cNvPr id="2" name="Title 1">
             <a:extLst>
               <a:ext uri="{FF2B5EF4-FFF2-40B4-BE49-F238E27FC236}">
-                <a16:creationId xmlns:a16="http://schemas.microsoft.com/office/drawing/2014/main" id="{C730164D-9B1A-7499-25C6-F3D98F683C69}"/>
+                <a16:creationId xmlns:a16="http://schemas.microsoft.com/office/drawing/2014/main" id="{447F8521-6ED9-B8E1-2496-D6C71355E850}"/>
               </a:ext>
             </a:extLst>
           </p:cNvPr>
@@ -4874,7 +11819,10 @@
           <a:bodyPr/>
           <a:lstStyle/>
           <a:p>
-            <a:endParaRPr lang="en-US"/>
+            <a:r>
+              <a:rPr lang="en-US" dirty="0"/>
+              <a:t>Today’s talk</a:t>
+            </a:r>
           </a:p>
         </p:txBody>
       </p:sp>
@@ -4883,7 +11831,7 @@
           <p:cNvPr id="3" name="Content Placeholder 2">
             <a:extLst>
               <a:ext uri="{FF2B5EF4-FFF2-40B4-BE49-F238E27FC236}">
-                <a16:creationId xmlns:a16="http://schemas.microsoft.com/office/drawing/2014/main" id="{8FF357A2-0EAC-8F1C-23C9-DDE4A3FE27E0}"/>
+                <a16:creationId xmlns:a16="http://schemas.microsoft.com/office/drawing/2014/main" id="{C6F83E0C-B1EB-6FB9-E06F-635FE4F3B1CC}"/>
               </a:ext>
             </a:extLst>
           </p:cNvPr>
@@ -4896,36 +11844,131 @@
         </p:nvSpPr>
         <p:spPr/>
         <p:txBody>
-          <a:bodyPr/>
+          <a:bodyPr>
+            <a:normAutofit fontScale="92500" lnSpcReduction="20000"/>
+          </a:bodyPr>
           <a:lstStyle/>
           <a:p>
             <a:r>
               <a:rPr lang="en-US" dirty="0"/>
-              <a:t>See </a:t>
+              <a:t>Objective: customize </a:t>
             </a:r>
             <a:r>
               <a:rPr lang="en-US" dirty="0" err="1"/>
-              <a:t>github</a:t>
+              <a:t>MicroWatt</a:t>
             </a:r>
             <a:r>
               <a:rPr lang="en-US" dirty="0"/>
-              <a:t> page for </a:t>
-            </a:r>
+              <a:t> with your own opcodes</a:t>
+            </a:r>
+          </a:p>
+          <a:p>
+            <a:r>
+              <a:rPr lang="en-US" dirty="0"/>
+              <a:t>Double-edged sword …</a:t>
+            </a:r>
+          </a:p>
+          <a:p>
+            <a:pPr lvl="1"/>
+            <a:r>
+              <a:rPr lang="en-US" dirty="0"/>
+              <a:t>More performance … </a:t>
+            </a:r>
+            <a:r>
+              <a:rPr lang="en-US" b="1" dirty="0"/>
+              <a:t>but</a:t>
+            </a:r>
+            <a:r>
+              <a:rPr lang="en-US" dirty="0"/>
+              <a:t> …</a:t>
+            </a:r>
+          </a:p>
+          <a:p>
+            <a:pPr lvl="1"/>
+            <a:r>
+              <a:rPr lang="en-US" dirty="0"/>
+              <a:t>… responsible for your own tooling</a:t>
+            </a:r>
+          </a:p>
+          <a:p>
             <a:r>
               <a:rPr lang="en-US" dirty="0" err="1"/>
-              <a:t>vhdl</a:t>
+              <a:t>powerpc</a:t>
             </a:r>
             <a:r>
               <a:rPr lang="en-US" dirty="0"/>
-              <a:t> code</a:t>
-            </a:r>
+              <a:t> architecture is defined with custom extensions in mind</a:t>
+            </a:r>
+          </a:p>
+          <a:p>
+            <a:pPr lvl="1"/>
+            <a:r>
+              <a:rPr lang="en-US" dirty="0"/>
+              <a:t>See previous talk ( &amp; </a:t>
+            </a:r>
+            <a:r>
+              <a:rPr lang="en-US" dirty="0">
+                <a:hlinkClick r:id="rId2"/>
+              </a:rPr>
+              <a:t>https://openpowerfoundation.org/specifications/isa/</a:t>
+            </a:r>
+            <a:r>
+              <a:rPr lang="en-US" dirty="0"/>
+              <a:t> )</a:t>
+            </a:r>
+          </a:p>
+          <a:p>
+            <a:pPr lvl="1"/>
+            <a:r>
+              <a:rPr lang="en-US" dirty="0"/>
+              <a:t>Opcode 22 </a:t>
+            </a:r>
+          </a:p>
+          <a:p>
+            <a:r>
+              <a:rPr lang="en-US" dirty="0"/>
+              <a:t>We give a specific example just to make the process of adding and using new instructions concrete</a:t>
+            </a:r>
+          </a:p>
+          <a:p>
+            <a:pPr lvl="1"/>
+            <a:r>
+              <a:rPr lang="en-US" dirty="0"/>
+              <a:t>What instructions </a:t>
+            </a:r>
+            <a:r>
+              <a:rPr lang="en-US" b="1" dirty="0"/>
+              <a:t>you</a:t>
+            </a:r>
+            <a:r>
+              <a:rPr lang="en-US" dirty="0"/>
+              <a:t> will want to add will depend on your own use case</a:t>
+            </a:r>
+          </a:p>
+          <a:p>
+            <a:r>
+              <a:rPr lang="en-US" dirty="0"/>
+              <a:t>For more broadly useful instructions you are encouraged to work with the </a:t>
+            </a:r>
+            <a:r>
+              <a:rPr lang="en-US" dirty="0" err="1"/>
+              <a:t>OpenPower</a:t>
+            </a:r>
+            <a:r>
+              <a:rPr lang="en-US" dirty="0"/>
+              <a:t> foundation to propose inclusion in future versions of the ISA</a:t>
+            </a:r>
+          </a:p>
+          <a:p>
+            <a:pPr lvl="1"/>
+            <a:endParaRPr lang="en-US" dirty="0"/>
           </a:p>
         </p:txBody>
       </p:sp>
     </p:spTree>
     <p:extLst>
       <p:ext uri="{BB962C8B-B14F-4D97-AF65-F5344CB8AC3E}">
-        <p14:creationId xmlns:p14="http://schemas.microsoft.com/office/powerpoint/2010/main" val="3358301001"/>
+        <p14:creationId xmlns:p14="http://schemas.microsoft.com/office/powerpoint/2010/main" val="973294506"/>
       </p:ext>
     </p:extLst>
   </p:cSld>
@@ -4935,7 +11978,7 @@
 </p:sld>
 </file>
 
-<file path=ppt/slides/slide16.xml><?xml version="1.0" encoding="utf-8"?>
+<file path=ppt/slides/slide20.xml><?xml version="1.0" encoding="utf-8"?>
 <p:sld xmlns:a="http://schemas.openxmlformats.org/drawingml/2006/main" xmlns:r="http://schemas.openxmlformats.org/officeDocument/2006/relationships" xmlns:p="http://schemas.openxmlformats.org/presentationml/2006/main">
   <p:cSld>
     <p:spTree>
@@ -4957,6 +12000,105 @@
           <p:cNvPr id="2" name="Title 1">
             <a:extLst>
               <a:ext uri="{FF2B5EF4-FFF2-40B4-BE49-F238E27FC236}">
+                <a16:creationId xmlns:a16="http://schemas.microsoft.com/office/drawing/2014/main" id="{C730164D-9B1A-7499-25C6-F3D98F683C69}"/>
+              </a:ext>
+            </a:extLst>
+          </p:cNvPr>
+          <p:cNvSpPr>
+            <a:spLocks noGrp="1"/>
+          </p:cNvSpPr>
+          <p:nvPr>
+            <p:ph type="title"/>
+          </p:nvPr>
+        </p:nvSpPr>
+        <p:spPr/>
+        <p:txBody>
+          <a:bodyPr/>
+          <a:lstStyle/>
+          <a:p>
+            <a:endParaRPr lang="en-US"/>
+          </a:p>
+        </p:txBody>
+      </p:sp>
+      <p:sp>
+        <p:nvSpPr>
+          <p:cNvPr id="3" name="Content Placeholder 2">
+            <a:extLst>
+              <a:ext uri="{FF2B5EF4-FFF2-40B4-BE49-F238E27FC236}">
+                <a16:creationId xmlns:a16="http://schemas.microsoft.com/office/drawing/2014/main" id="{8FF357A2-0EAC-8F1C-23C9-DDE4A3FE27E0}"/>
+              </a:ext>
+            </a:extLst>
+          </p:cNvPr>
+          <p:cNvSpPr>
+            <a:spLocks noGrp="1"/>
+          </p:cNvSpPr>
+          <p:nvPr>
+            <p:ph idx="1"/>
+          </p:nvPr>
+        </p:nvSpPr>
+        <p:spPr/>
+        <p:txBody>
+          <a:bodyPr/>
+          <a:lstStyle/>
+          <a:p>
+            <a:r>
+              <a:rPr lang="en-US" dirty="0"/>
+              <a:t>See </a:t>
+            </a:r>
+            <a:r>
+              <a:rPr lang="en-US" dirty="0" err="1"/>
+              <a:t>github</a:t>
+            </a:r>
+            <a:r>
+              <a:rPr lang="en-US" dirty="0"/>
+              <a:t> page for </a:t>
+            </a:r>
+            <a:r>
+              <a:rPr lang="en-US" dirty="0" err="1"/>
+              <a:t>vhdl</a:t>
+            </a:r>
+            <a:r>
+              <a:rPr lang="en-US" dirty="0"/>
+              <a:t> code</a:t>
+            </a:r>
+          </a:p>
+        </p:txBody>
+      </p:sp>
+    </p:spTree>
+    <p:extLst>
+      <p:ext uri="{BB962C8B-B14F-4D97-AF65-F5344CB8AC3E}">
+        <p14:creationId xmlns:p14="http://schemas.microsoft.com/office/powerpoint/2010/main" val="3358301001"/>
+      </p:ext>
+    </p:extLst>
+  </p:cSld>
+  <p:clrMapOvr>
+    <a:masterClrMapping/>
+  </p:clrMapOvr>
+</p:sld>
+</file>
+
+<file path=ppt/slides/slide21.xml><?xml version="1.0" encoding="utf-8"?>
+<p:sld xmlns:a="http://schemas.openxmlformats.org/drawingml/2006/main" xmlns:r="http://schemas.openxmlformats.org/officeDocument/2006/relationships" xmlns:p="http://schemas.openxmlformats.org/presentationml/2006/main">
+  <p:cSld>
+    <p:spTree>
+      <p:nvGrpSpPr>
+        <p:cNvPr id="1" name=""/>
+        <p:cNvGrpSpPr/>
+        <p:nvPr/>
+      </p:nvGrpSpPr>
+      <p:grpSpPr>
+        <a:xfrm>
+          <a:off x="0" y="0"/>
+          <a:ext cx="0" cy="0"/>
+          <a:chOff x="0" y="0"/>
+          <a:chExt cx="0" cy="0"/>
+        </a:xfrm>
+      </p:grpSpPr>
+      <p:sp>
+        <p:nvSpPr>
+          <p:cNvPr id="2" name="Title 1">
+            <a:extLst>
+              <a:ext uri="{FF2B5EF4-FFF2-40B4-BE49-F238E27FC236}">
                 <a16:creationId xmlns:a16="http://schemas.microsoft.com/office/drawing/2014/main" id="{98F2CF0E-E141-6DF8-E5D9-A50C8DAD3C54}"/>
               </a:ext>
             </a:extLst>
@@ -5047,7 +12189,7 @@
 </p:sld>
 </file>
 
-<file path=ppt/slides/slide17.xml><?xml version="1.0" encoding="utf-8"?>
+<file path=ppt/slides/slide22.xml><?xml version="1.0" encoding="utf-8"?>
 <p:sld xmlns:a="http://schemas.openxmlformats.org/drawingml/2006/main" xmlns:r="http://schemas.openxmlformats.org/officeDocument/2006/relationships" xmlns:p="http://schemas.openxmlformats.org/presentationml/2006/main">
   <p:cSld>
     <p:spTree>
@@ -5144,7 +12286,7 @@
 </p:sld>
 </file>
 
-<file path=ppt/slides/slide18.xml><?xml version="1.0" encoding="utf-8"?>
+<file path=ppt/slides/slide23.xml><?xml version="1.0" encoding="utf-8"?>
 <p:sld xmlns:a="http://schemas.openxmlformats.org/drawingml/2006/main" xmlns:r="http://schemas.openxmlformats.org/officeDocument/2006/relationships" xmlns:p="http://schemas.openxmlformats.org/presentationml/2006/main">
   <p:cSld>
     <p:spTree>
@@ -5259,203 +12401,6 @@
     <p:extLst>
       <p:ext uri="{BB962C8B-B14F-4D97-AF65-F5344CB8AC3E}">
         <p14:creationId xmlns:p14="http://schemas.microsoft.com/office/powerpoint/2010/main" val="2435635898"/>
-      </p:ext>
-    </p:extLst>
-  </p:cSld>
-  <p:clrMapOvr>
-    <a:masterClrMapping/>
-  </p:clrMapOvr>
-</p:sld>
-</file>
-
-<file path=ppt/slides/slide2.xml><?xml version="1.0" encoding="utf-8"?>
-<p:sld xmlns:a="http://schemas.openxmlformats.org/drawingml/2006/main" xmlns:r="http://schemas.openxmlformats.org/officeDocument/2006/relationships" xmlns:p="http://schemas.openxmlformats.org/presentationml/2006/main">
-  <p:cSld>
-    <p:spTree>
-      <p:nvGrpSpPr>
-        <p:cNvPr id="1" name=""/>
-        <p:cNvGrpSpPr/>
-        <p:nvPr/>
-      </p:nvGrpSpPr>
-      <p:grpSpPr>
-        <a:xfrm>
-          <a:off x="0" y="0"/>
-          <a:ext cx="0" cy="0"/>
-          <a:chOff x="0" y="0"/>
-          <a:chExt cx="0" cy="0"/>
-        </a:xfrm>
-      </p:grpSpPr>
-      <p:sp>
-        <p:nvSpPr>
-          <p:cNvPr id="2" name="Title 1">
-            <a:extLst>
-              <a:ext uri="{FF2B5EF4-FFF2-40B4-BE49-F238E27FC236}">
-                <a16:creationId xmlns:a16="http://schemas.microsoft.com/office/drawing/2014/main" id="{447F8521-6ED9-B8E1-2496-D6C71355E850}"/>
-              </a:ext>
-            </a:extLst>
-          </p:cNvPr>
-          <p:cNvSpPr>
-            <a:spLocks noGrp="1"/>
-          </p:cNvSpPr>
-          <p:nvPr>
-            <p:ph type="title"/>
-          </p:nvPr>
-        </p:nvSpPr>
-        <p:spPr/>
-        <p:txBody>
-          <a:bodyPr/>
-          <a:lstStyle/>
-          <a:p>
-            <a:r>
-              <a:rPr lang="en-US" dirty="0"/>
-              <a:t>Today’s talk</a:t>
-            </a:r>
-          </a:p>
-        </p:txBody>
-      </p:sp>
-      <p:sp>
-        <p:nvSpPr>
-          <p:cNvPr id="3" name="Content Placeholder 2">
-            <a:extLst>
-              <a:ext uri="{FF2B5EF4-FFF2-40B4-BE49-F238E27FC236}">
-                <a16:creationId xmlns:a16="http://schemas.microsoft.com/office/drawing/2014/main" id="{C6F83E0C-B1EB-6FB9-E06F-635FE4F3B1CC}"/>
-              </a:ext>
-            </a:extLst>
-          </p:cNvPr>
-          <p:cNvSpPr>
-            <a:spLocks noGrp="1"/>
-          </p:cNvSpPr>
-          <p:nvPr>
-            <p:ph idx="1"/>
-          </p:nvPr>
-        </p:nvSpPr>
-        <p:spPr/>
-        <p:txBody>
-          <a:bodyPr>
-            <a:normAutofit fontScale="92500" lnSpcReduction="20000"/>
-          </a:bodyPr>
-          <a:lstStyle/>
-          <a:p>
-            <a:r>
-              <a:rPr lang="en-US" dirty="0"/>
-              <a:t>Objective: customize </a:t>
-            </a:r>
-            <a:r>
-              <a:rPr lang="en-US" dirty="0" err="1"/>
-              <a:t>MicroWatt</a:t>
-            </a:r>
-            <a:r>
-              <a:rPr lang="en-US" dirty="0"/>
-              <a:t> with your own opcodes</a:t>
-            </a:r>
-          </a:p>
-          <a:p>
-            <a:r>
-              <a:rPr lang="en-US" dirty="0"/>
-              <a:t>Double-edged sword …</a:t>
-            </a:r>
-          </a:p>
-          <a:p>
-            <a:pPr lvl="1"/>
-            <a:r>
-              <a:rPr lang="en-US" dirty="0"/>
-              <a:t>More performance … </a:t>
-            </a:r>
-            <a:r>
-              <a:rPr lang="en-US" b="1" dirty="0"/>
-              <a:t>but</a:t>
-            </a:r>
-            <a:r>
-              <a:rPr lang="en-US" dirty="0"/>
-              <a:t> …</a:t>
-            </a:r>
-          </a:p>
-          <a:p>
-            <a:pPr lvl="1"/>
-            <a:r>
-              <a:rPr lang="en-US" dirty="0"/>
-              <a:t>… responsible for your own tooling</a:t>
-            </a:r>
-          </a:p>
-          <a:p>
-            <a:r>
-              <a:rPr lang="en-US" dirty="0" err="1"/>
-              <a:t>powerpc</a:t>
-            </a:r>
-            <a:r>
-              <a:rPr lang="en-US" dirty="0"/>
-              <a:t> architecture is defined with custom extensions in mind</a:t>
-            </a:r>
-          </a:p>
-          <a:p>
-            <a:pPr lvl="1"/>
-            <a:r>
-              <a:rPr lang="en-US" dirty="0"/>
-              <a:t>See previous talk ( &amp; </a:t>
-            </a:r>
-            <a:r>
-              <a:rPr lang="en-US" dirty="0">
-                <a:hlinkClick r:id="rId2"/>
-              </a:rPr>
-              <a:t>https://openpowerfoundation.org/specifications/isa/</a:t>
-            </a:r>
-            <a:r>
-              <a:rPr lang="en-US" dirty="0"/>
-              <a:t> )</a:t>
-            </a:r>
-          </a:p>
-          <a:p>
-            <a:pPr lvl="1"/>
-            <a:r>
-              <a:rPr lang="en-US" dirty="0"/>
-              <a:t>Opcode 22 </a:t>
-            </a:r>
-          </a:p>
-          <a:p>
-            <a:r>
-              <a:rPr lang="en-US" dirty="0"/>
-              <a:t>We give a specific example just to make the process of adding and using new instructions concrete</a:t>
-            </a:r>
-          </a:p>
-          <a:p>
-            <a:pPr lvl="1"/>
-            <a:r>
-              <a:rPr lang="en-US" dirty="0"/>
-              <a:t>What instructions </a:t>
-            </a:r>
-            <a:r>
-              <a:rPr lang="en-US" b="1" dirty="0"/>
-              <a:t>you</a:t>
-            </a:r>
-            <a:r>
-              <a:rPr lang="en-US" dirty="0"/>
-              <a:t> will want to add will depend on your own use case</a:t>
-            </a:r>
-          </a:p>
-          <a:p>
-            <a:r>
-              <a:rPr lang="en-US" dirty="0"/>
-              <a:t>For more broadly useful instructions you are encouraged to work with the </a:t>
-            </a:r>
-            <a:r>
-              <a:rPr lang="en-US" dirty="0" err="1"/>
-              <a:t>OpenPower</a:t>
-            </a:r>
-            <a:r>
-              <a:rPr lang="en-US" dirty="0"/>
-              <a:t> foundation to propose inclusion in future versions of the ISA</a:t>
-            </a:r>
-          </a:p>
-          <a:p>
-            <a:pPr lvl="1"/>
-            <a:endParaRPr lang="en-US" dirty="0"/>
-          </a:p>
-        </p:txBody>
-      </p:sp>
-    </p:spTree>
-    <p:extLst>
-      <p:ext uri="{BB962C8B-B14F-4D97-AF65-F5344CB8AC3E}">
-        <p14:creationId xmlns:p14="http://schemas.microsoft.com/office/powerpoint/2010/main" val="973294506"/>
       </p:ext>
     </p:extLst>
   </p:cSld>
